--- a/submit/발표 ppt_장지혜.pptx
+++ b/submit/발표 ppt_장지혜.pptx
@@ -5,55 +5,58 @@
     <p:sldMasterId id="2147483659" r:id="rId1"/>
   </p:sldMasterIdLst>
   <p:notesMasterIdLst>
-    <p:notesMasterId r:id="rId19"/>
+    <p:notesMasterId r:id="rId22"/>
   </p:notesMasterIdLst>
   <p:sldIdLst>
     <p:sldId id="256" r:id="rId2"/>
     <p:sldId id="257" r:id="rId3"/>
     <p:sldId id="258" r:id="rId4"/>
     <p:sldId id="259" r:id="rId5"/>
-    <p:sldId id="260" r:id="rId6"/>
-    <p:sldId id="261" r:id="rId7"/>
-    <p:sldId id="262" r:id="rId8"/>
-    <p:sldId id="263" r:id="rId9"/>
-    <p:sldId id="264" r:id="rId10"/>
-    <p:sldId id="265" r:id="rId11"/>
-    <p:sldId id="266" r:id="rId12"/>
-    <p:sldId id="267" r:id="rId13"/>
-    <p:sldId id="268" r:id="rId14"/>
-    <p:sldId id="269" r:id="rId15"/>
-    <p:sldId id="270" r:id="rId16"/>
-    <p:sldId id="271" r:id="rId17"/>
-    <p:sldId id="272" r:id="rId18"/>
+    <p:sldId id="273" r:id="rId6"/>
+    <p:sldId id="274" r:id="rId7"/>
+    <p:sldId id="275" r:id="rId8"/>
+    <p:sldId id="260" r:id="rId9"/>
+    <p:sldId id="261" r:id="rId10"/>
+    <p:sldId id="262" r:id="rId11"/>
+    <p:sldId id="263" r:id="rId12"/>
+    <p:sldId id="264" r:id="rId13"/>
+    <p:sldId id="265" r:id="rId14"/>
+    <p:sldId id="266" r:id="rId15"/>
+    <p:sldId id="267" r:id="rId16"/>
+    <p:sldId id="268" r:id="rId17"/>
+    <p:sldId id="269" r:id="rId18"/>
+    <p:sldId id="270" r:id="rId19"/>
+    <p:sldId id="271" r:id="rId20"/>
+    <p:sldId id="272" r:id="rId21"/>
   </p:sldIdLst>
   <p:sldSz cx="9144000" cy="5143500" type="screen16x9"/>
   <p:notesSz cx="6858000" cy="9144000"/>
   <p:embeddedFontLst>
     <p:embeddedFont>
       <p:font typeface="Calibri" panose="020F0502020204030204" pitchFamily="34" charset="0"/>
-      <p:regular r:id="rId20"/>
-      <p:bold r:id="rId21"/>
-      <p:italic r:id="rId22"/>
-      <p:boldItalic r:id="rId23"/>
+      <p:regular r:id="rId23"/>
+      <p:bold r:id="rId24"/>
+      <p:italic r:id="rId25"/>
+      <p:boldItalic r:id="rId26"/>
     </p:embeddedFont>
     <p:embeddedFont>
       <p:font typeface="Nunito" pitchFamily="2" charset="0"/>
-      <p:regular r:id="rId24"/>
-      <p:bold r:id="rId25"/>
-      <p:italic r:id="rId26"/>
-      <p:boldItalic r:id="rId27"/>
+      <p:regular r:id="rId27"/>
+      <p:bold r:id="rId28"/>
+      <p:italic r:id="rId29"/>
+      <p:boldItalic r:id="rId30"/>
     </p:embeddedFont>
     <p:embeddedFont>
       <p:font typeface="Trebuchet MS" panose="020B0603020202020204" pitchFamily="34" charset="0"/>
-      <p:regular r:id="rId28"/>
-      <p:bold r:id="rId29"/>
-      <p:italic r:id="rId30"/>
-      <p:boldItalic r:id="rId31"/>
+      <p:regular r:id="rId31"/>
+      <p:bold r:id="rId32"/>
+      <p:italic r:id="rId33"/>
+      <p:boldItalic r:id="rId34"/>
     </p:embeddedFont>
     <p:embeddedFont>
       <p:font typeface="맑은 고딕" panose="020B0503020000020004" pitchFamily="50" charset="-127"/>
-      <p:regular r:id="rId32"/>
-      <p:bold r:id="rId33"/>
+      <p:regular r:id="rId35"/>
+      <p:bold r:id="rId36"/>
     </p:embeddedFont>
   </p:embeddedFontLst>
   <p:defaultTextStyle>
@@ -956,7 +959,7 @@
     </p:spTree>
     <p:extLst>
       <p:ext uri="{BB962C8B-B14F-4D97-AF65-F5344CB8AC3E}">
-        <p14:creationId xmlns:p14="http://schemas.microsoft.com/office/powerpoint/2010/main" val="2510886487"/>
+        <p14:creationId xmlns:p14="http://schemas.microsoft.com/office/powerpoint/2010/main" val="3485675760"/>
       </p:ext>
     </p:extLst>
   </p:cSld>
@@ -1065,7 +1068,7 @@
     </p:spTree>
     <p:extLst>
       <p:ext uri="{BB962C8B-B14F-4D97-AF65-F5344CB8AC3E}">
-        <p14:creationId xmlns:p14="http://schemas.microsoft.com/office/powerpoint/2010/main" val="524708313"/>
+        <p14:creationId xmlns:p14="http://schemas.microsoft.com/office/powerpoint/2010/main" val="2960425922"/>
       </p:ext>
     </p:extLst>
   </p:cSld>
@@ -1174,7 +1177,7 @@
     </p:spTree>
     <p:extLst>
       <p:ext uri="{BB962C8B-B14F-4D97-AF65-F5344CB8AC3E}">
-        <p14:creationId xmlns:p14="http://schemas.microsoft.com/office/powerpoint/2010/main" val="3901819882"/>
+        <p14:creationId xmlns:p14="http://schemas.microsoft.com/office/powerpoint/2010/main" val="2598345043"/>
       </p:ext>
     </p:extLst>
   </p:cSld>
@@ -1283,7 +1286,7 @@
     </p:spTree>
     <p:extLst>
       <p:ext uri="{BB962C8B-B14F-4D97-AF65-F5344CB8AC3E}">
-        <p14:creationId xmlns:p14="http://schemas.microsoft.com/office/powerpoint/2010/main" val="763341881"/>
+        <p14:creationId xmlns:p14="http://schemas.microsoft.com/office/powerpoint/2010/main" val="2510886487"/>
       </p:ext>
     </p:extLst>
   </p:cSld>
@@ -1392,7 +1395,7 @@
     </p:spTree>
     <p:extLst>
       <p:ext uri="{BB962C8B-B14F-4D97-AF65-F5344CB8AC3E}">
-        <p14:creationId xmlns:p14="http://schemas.microsoft.com/office/powerpoint/2010/main" val="1083986292"/>
+        <p14:creationId xmlns:p14="http://schemas.microsoft.com/office/powerpoint/2010/main" val="524708313"/>
       </p:ext>
     </p:extLst>
   </p:cSld>
@@ -1501,7 +1504,7 @@
     </p:spTree>
     <p:extLst>
       <p:ext uri="{BB962C8B-B14F-4D97-AF65-F5344CB8AC3E}">
-        <p14:creationId xmlns:p14="http://schemas.microsoft.com/office/powerpoint/2010/main" val="2472794543"/>
+        <p14:creationId xmlns:p14="http://schemas.microsoft.com/office/powerpoint/2010/main" val="3901819882"/>
       </p:ext>
     </p:extLst>
   </p:cSld>
@@ -1610,7 +1613,7 @@
     </p:spTree>
     <p:extLst>
       <p:ext uri="{BB962C8B-B14F-4D97-AF65-F5344CB8AC3E}">
-        <p14:creationId xmlns:p14="http://schemas.microsoft.com/office/powerpoint/2010/main" val="3210316669"/>
+        <p14:creationId xmlns:p14="http://schemas.microsoft.com/office/powerpoint/2010/main" val="763341881"/>
       </p:ext>
     </p:extLst>
   </p:cSld>
@@ -1719,7 +1722,225 @@
     </p:spTree>
     <p:extLst>
       <p:ext uri="{BB962C8B-B14F-4D97-AF65-F5344CB8AC3E}">
-        <p14:creationId xmlns:p14="http://schemas.microsoft.com/office/powerpoint/2010/main" val="4139208956"/>
+        <p14:creationId xmlns:p14="http://schemas.microsoft.com/office/powerpoint/2010/main" val="1083986292"/>
+      </p:ext>
+    </p:extLst>
+  </p:cSld>
+  <p:clrMapOvr>
+    <a:masterClrMapping/>
+  </p:clrMapOvr>
+</p:notes>
+</file>
+
+<file path=ppt/notesSlides/notesSlide18.xml><?xml version="1.0" encoding="utf-8"?>
+<p:notes xmlns:a="http://schemas.openxmlformats.org/drawingml/2006/main" xmlns:r="http://schemas.openxmlformats.org/officeDocument/2006/relationships" xmlns:p="http://schemas.openxmlformats.org/presentationml/2006/main" showMasterSp="0" showMasterPhAnim="0">
+  <p:cSld>
+    <p:spTree>
+      <p:nvGrpSpPr>
+        <p:cNvPr id="1" name="Shape 151"/>
+        <p:cNvGrpSpPr/>
+        <p:nvPr/>
+      </p:nvGrpSpPr>
+      <p:grpSpPr>
+        <a:xfrm>
+          <a:off x="0" y="0"/>
+          <a:ext cx="0" cy="0"/>
+          <a:chOff x="0" y="0"/>
+          <a:chExt cx="0" cy="0"/>
+        </a:xfrm>
+      </p:grpSpPr>
+      <p:sp>
+        <p:nvSpPr>
+          <p:cNvPr id="152" name="Google Shape;152;g11b23e07b82_0_617:notes"/>
+          <p:cNvSpPr>
+            <a:spLocks noGrp="1" noRot="1" noChangeAspect="1"/>
+          </p:cNvSpPr>
+          <p:nvPr>
+            <p:ph type="sldImg" idx="2"/>
+          </p:nvPr>
+        </p:nvSpPr>
+        <p:spPr>
+          <a:xfrm>
+            <a:off x="381000" y="685800"/>
+            <a:ext cx="6096000" cy="3429000"/>
+          </a:xfrm>
+          <a:custGeom>
+            <a:avLst/>
+            <a:gdLst/>
+            <a:ahLst/>
+            <a:cxnLst/>
+            <a:rect l="l" t="t" r="r" b="b"/>
+            <a:pathLst>
+              <a:path w="120000" h="120000" extrusionOk="0">
+                <a:moveTo>
+                  <a:pt x="0" y="0"/>
+                </a:moveTo>
+                <a:lnTo>
+                  <a:pt x="120000" y="0"/>
+                </a:lnTo>
+                <a:lnTo>
+                  <a:pt x="120000" y="120000"/>
+                </a:lnTo>
+                <a:lnTo>
+                  <a:pt x="0" y="120000"/>
+                </a:lnTo>
+                <a:close/>
+              </a:path>
+            </a:pathLst>
+          </a:custGeom>
+        </p:spPr>
+      </p:sp>
+      <p:sp>
+        <p:nvSpPr>
+          <p:cNvPr id="153" name="Google Shape;153;g11b23e07b82_0_617:notes"/>
+          <p:cNvSpPr txBox="1">
+            <a:spLocks noGrp="1"/>
+          </p:cNvSpPr>
+          <p:nvPr>
+            <p:ph type="body" idx="1"/>
+          </p:nvPr>
+        </p:nvSpPr>
+        <p:spPr>
+          <a:xfrm>
+            <a:off x="685800" y="4343400"/>
+            <a:ext cx="5486400" cy="4114800"/>
+          </a:xfrm>
+          <a:prstGeom prst="rect">
+            <a:avLst/>
+          </a:prstGeom>
+        </p:spPr>
+        <p:txBody>
+          <a:bodyPr spcFirstLastPara="1" wrap="square" lIns="91425" tIns="91425" rIns="91425" bIns="91425" anchor="t" anchorCtr="0">
+            <a:noAutofit/>
+          </a:bodyPr>
+          <a:lstStyle/>
+          <a:p>
+            <a:pPr marL="0" lvl="0" indent="0" algn="l" rtl="0">
+              <a:spcBef>
+                <a:spcPts val="0"/>
+              </a:spcBef>
+              <a:spcAft>
+                <a:spcPts val="0"/>
+              </a:spcAft>
+              <a:buNone/>
+            </a:pPr>
+            <a:endParaRPr dirty="0"/>
+          </a:p>
+        </p:txBody>
+      </p:sp>
+    </p:spTree>
+    <p:extLst>
+      <p:ext uri="{BB962C8B-B14F-4D97-AF65-F5344CB8AC3E}">
+        <p14:creationId xmlns:p14="http://schemas.microsoft.com/office/powerpoint/2010/main" val="2472794543"/>
+      </p:ext>
+    </p:extLst>
+  </p:cSld>
+  <p:clrMapOvr>
+    <a:masterClrMapping/>
+  </p:clrMapOvr>
+</p:notes>
+</file>
+
+<file path=ppt/notesSlides/notesSlide19.xml><?xml version="1.0" encoding="utf-8"?>
+<p:notes xmlns:a="http://schemas.openxmlformats.org/drawingml/2006/main" xmlns:r="http://schemas.openxmlformats.org/officeDocument/2006/relationships" xmlns:p="http://schemas.openxmlformats.org/presentationml/2006/main" showMasterSp="0" showMasterPhAnim="0">
+  <p:cSld>
+    <p:spTree>
+      <p:nvGrpSpPr>
+        <p:cNvPr id="1" name="Shape 151"/>
+        <p:cNvGrpSpPr/>
+        <p:nvPr/>
+      </p:nvGrpSpPr>
+      <p:grpSpPr>
+        <a:xfrm>
+          <a:off x="0" y="0"/>
+          <a:ext cx="0" cy="0"/>
+          <a:chOff x="0" y="0"/>
+          <a:chExt cx="0" cy="0"/>
+        </a:xfrm>
+      </p:grpSpPr>
+      <p:sp>
+        <p:nvSpPr>
+          <p:cNvPr id="152" name="Google Shape;152;g11b23e07b82_0_617:notes"/>
+          <p:cNvSpPr>
+            <a:spLocks noGrp="1" noRot="1" noChangeAspect="1"/>
+          </p:cNvSpPr>
+          <p:nvPr>
+            <p:ph type="sldImg" idx="2"/>
+          </p:nvPr>
+        </p:nvSpPr>
+        <p:spPr>
+          <a:xfrm>
+            <a:off x="381000" y="685800"/>
+            <a:ext cx="6096000" cy="3429000"/>
+          </a:xfrm>
+          <a:custGeom>
+            <a:avLst/>
+            <a:gdLst/>
+            <a:ahLst/>
+            <a:cxnLst/>
+            <a:rect l="l" t="t" r="r" b="b"/>
+            <a:pathLst>
+              <a:path w="120000" h="120000" extrusionOk="0">
+                <a:moveTo>
+                  <a:pt x="0" y="0"/>
+                </a:moveTo>
+                <a:lnTo>
+                  <a:pt x="120000" y="0"/>
+                </a:lnTo>
+                <a:lnTo>
+                  <a:pt x="120000" y="120000"/>
+                </a:lnTo>
+                <a:lnTo>
+                  <a:pt x="0" y="120000"/>
+                </a:lnTo>
+                <a:close/>
+              </a:path>
+            </a:pathLst>
+          </a:custGeom>
+        </p:spPr>
+      </p:sp>
+      <p:sp>
+        <p:nvSpPr>
+          <p:cNvPr id="153" name="Google Shape;153;g11b23e07b82_0_617:notes"/>
+          <p:cNvSpPr txBox="1">
+            <a:spLocks noGrp="1"/>
+          </p:cNvSpPr>
+          <p:nvPr>
+            <p:ph type="body" idx="1"/>
+          </p:nvPr>
+        </p:nvSpPr>
+        <p:spPr>
+          <a:xfrm>
+            <a:off x="685800" y="4343400"/>
+            <a:ext cx="5486400" cy="4114800"/>
+          </a:xfrm>
+          <a:prstGeom prst="rect">
+            <a:avLst/>
+          </a:prstGeom>
+        </p:spPr>
+        <p:txBody>
+          <a:bodyPr spcFirstLastPara="1" wrap="square" lIns="91425" tIns="91425" rIns="91425" bIns="91425" anchor="t" anchorCtr="0">
+            <a:noAutofit/>
+          </a:bodyPr>
+          <a:lstStyle/>
+          <a:p>
+            <a:pPr marL="0" lvl="0" indent="0" algn="l" rtl="0">
+              <a:spcBef>
+                <a:spcPts val="0"/>
+              </a:spcBef>
+              <a:spcAft>
+                <a:spcPts val="0"/>
+              </a:spcAft>
+              <a:buNone/>
+            </a:pPr>
+            <a:endParaRPr dirty="0"/>
+          </a:p>
+        </p:txBody>
+      </p:sp>
+    </p:spTree>
+    <p:extLst>
+      <p:ext uri="{BB962C8B-B14F-4D97-AF65-F5344CB8AC3E}">
+        <p14:creationId xmlns:p14="http://schemas.microsoft.com/office/powerpoint/2010/main" val="3210316669"/>
       </p:ext>
     </p:extLst>
   </p:cSld>
@@ -1826,6 +2047,115 @@
         </p:txBody>
       </p:sp>
     </p:spTree>
+  </p:cSld>
+  <p:clrMapOvr>
+    <a:masterClrMapping/>
+  </p:clrMapOvr>
+</p:notes>
+</file>
+
+<file path=ppt/notesSlides/notesSlide20.xml><?xml version="1.0" encoding="utf-8"?>
+<p:notes xmlns:a="http://schemas.openxmlformats.org/drawingml/2006/main" xmlns:r="http://schemas.openxmlformats.org/officeDocument/2006/relationships" xmlns:p="http://schemas.openxmlformats.org/presentationml/2006/main" showMasterSp="0" showMasterPhAnim="0">
+  <p:cSld>
+    <p:spTree>
+      <p:nvGrpSpPr>
+        <p:cNvPr id="1" name="Shape 151"/>
+        <p:cNvGrpSpPr/>
+        <p:nvPr/>
+      </p:nvGrpSpPr>
+      <p:grpSpPr>
+        <a:xfrm>
+          <a:off x="0" y="0"/>
+          <a:ext cx="0" cy="0"/>
+          <a:chOff x="0" y="0"/>
+          <a:chExt cx="0" cy="0"/>
+        </a:xfrm>
+      </p:grpSpPr>
+      <p:sp>
+        <p:nvSpPr>
+          <p:cNvPr id="152" name="Google Shape;152;g11b23e07b82_0_617:notes"/>
+          <p:cNvSpPr>
+            <a:spLocks noGrp="1" noRot="1" noChangeAspect="1"/>
+          </p:cNvSpPr>
+          <p:nvPr>
+            <p:ph type="sldImg" idx="2"/>
+          </p:nvPr>
+        </p:nvSpPr>
+        <p:spPr>
+          <a:xfrm>
+            <a:off x="381000" y="685800"/>
+            <a:ext cx="6096000" cy="3429000"/>
+          </a:xfrm>
+          <a:custGeom>
+            <a:avLst/>
+            <a:gdLst/>
+            <a:ahLst/>
+            <a:cxnLst/>
+            <a:rect l="l" t="t" r="r" b="b"/>
+            <a:pathLst>
+              <a:path w="120000" h="120000" extrusionOk="0">
+                <a:moveTo>
+                  <a:pt x="0" y="0"/>
+                </a:moveTo>
+                <a:lnTo>
+                  <a:pt x="120000" y="0"/>
+                </a:lnTo>
+                <a:lnTo>
+                  <a:pt x="120000" y="120000"/>
+                </a:lnTo>
+                <a:lnTo>
+                  <a:pt x="0" y="120000"/>
+                </a:lnTo>
+                <a:close/>
+              </a:path>
+            </a:pathLst>
+          </a:custGeom>
+        </p:spPr>
+      </p:sp>
+      <p:sp>
+        <p:nvSpPr>
+          <p:cNvPr id="153" name="Google Shape;153;g11b23e07b82_0_617:notes"/>
+          <p:cNvSpPr txBox="1">
+            <a:spLocks noGrp="1"/>
+          </p:cNvSpPr>
+          <p:nvPr>
+            <p:ph type="body" idx="1"/>
+          </p:nvPr>
+        </p:nvSpPr>
+        <p:spPr>
+          <a:xfrm>
+            <a:off x="685800" y="4343400"/>
+            <a:ext cx="5486400" cy="4114800"/>
+          </a:xfrm>
+          <a:prstGeom prst="rect">
+            <a:avLst/>
+          </a:prstGeom>
+        </p:spPr>
+        <p:txBody>
+          <a:bodyPr spcFirstLastPara="1" wrap="square" lIns="91425" tIns="91425" rIns="91425" bIns="91425" anchor="t" anchorCtr="0">
+            <a:noAutofit/>
+          </a:bodyPr>
+          <a:lstStyle/>
+          <a:p>
+            <a:pPr marL="0" lvl="0" indent="0" algn="l" rtl="0">
+              <a:spcBef>
+                <a:spcPts val="0"/>
+              </a:spcBef>
+              <a:spcAft>
+                <a:spcPts val="0"/>
+              </a:spcAft>
+              <a:buNone/>
+            </a:pPr>
+            <a:endParaRPr dirty="0"/>
+          </a:p>
+        </p:txBody>
+      </p:sp>
+    </p:spTree>
+    <p:extLst>
+      <p:ext uri="{BB962C8B-B14F-4D97-AF65-F5344CB8AC3E}">
+        <p14:creationId xmlns:p14="http://schemas.microsoft.com/office/powerpoint/2010/main" val="4139208956"/>
+      </p:ext>
+    </p:extLst>
   </p:cSld>
   <p:clrMapOvr>
     <a:masterClrMapping/>
@@ -2046,7 +2376,7 @@
   <p:cSld>
     <p:spTree>
       <p:nvGrpSpPr>
-        <p:cNvPr id="1" name="Shape 151"/>
+        <p:cNvPr id="1" name="Shape 144"/>
         <p:cNvGrpSpPr/>
         <p:nvPr/>
       </p:nvGrpSpPr>
@@ -2060,7 +2390,7 @@
       </p:grpSpPr>
       <p:sp>
         <p:nvSpPr>
-          <p:cNvPr id="152" name="Google Shape;152;g11b23e07b82_0_617:notes"/>
+          <p:cNvPr id="145" name="Google Shape;145;g11b23e07b82_0_611:notes"/>
           <p:cNvSpPr>
             <a:spLocks noGrp="1" noRot="1" noChangeAspect="1"/>
           </p:cNvSpPr>
@@ -2101,7 +2431,7 @@
       </p:sp>
       <p:sp>
         <p:nvSpPr>
-          <p:cNvPr id="153" name="Google Shape;153;g11b23e07b82_0_617:notes"/>
+          <p:cNvPr id="146" name="Google Shape;146;g11b23e07b82_0_611:notes"/>
           <p:cNvSpPr txBox="1">
             <a:spLocks noGrp="1"/>
           </p:cNvSpPr>
@@ -2133,15 +2463,16 @@
               </a:spcAft>
               <a:buNone/>
             </a:pPr>
-            <a:r>
-              <a:rPr lang="ko"/>
-              <a:t>Scarlett </a:t>
-            </a:r>
             <a:endParaRPr/>
           </a:p>
         </p:txBody>
       </p:sp>
     </p:spTree>
+    <p:extLst>
+      <p:ext uri="{BB962C8B-B14F-4D97-AF65-F5344CB8AC3E}">
+        <p14:creationId xmlns:p14="http://schemas.microsoft.com/office/powerpoint/2010/main" val="3986160471"/>
+      </p:ext>
+    </p:extLst>
   </p:cSld>
   <p:clrMapOvr>
     <a:masterClrMapping/>
@@ -2154,7 +2485,7 @@
   <p:cSld>
     <p:spTree>
       <p:nvGrpSpPr>
-        <p:cNvPr id="1" name="Shape 151"/>
+        <p:cNvPr id="1" name="Shape 144"/>
         <p:cNvGrpSpPr/>
         <p:nvPr/>
       </p:nvGrpSpPr>
@@ -2168,7 +2499,7 @@
       </p:grpSpPr>
       <p:sp>
         <p:nvSpPr>
-          <p:cNvPr id="152" name="Google Shape;152;g11b23e07b82_0_617:notes"/>
+          <p:cNvPr id="145" name="Google Shape;145;g11b23e07b82_0_611:notes"/>
           <p:cNvSpPr>
             <a:spLocks noGrp="1" noRot="1" noChangeAspect="1"/>
           </p:cNvSpPr>
@@ -2209,7 +2540,7 @@
       </p:sp>
       <p:sp>
         <p:nvSpPr>
-          <p:cNvPr id="153" name="Google Shape;153;g11b23e07b82_0_617:notes"/>
+          <p:cNvPr id="146" name="Google Shape;146;g11b23e07b82_0_611:notes"/>
           <p:cNvSpPr txBox="1">
             <a:spLocks noGrp="1"/>
           </p:cNvSpPr>
@@ -2241,10 +2572,6 @@
               </a:spcAft>
               <a:buNone/>
             </a:pPr>
-            <a:r>
-              <a:rPr lang="ko"/>
-              <a:t>Scarlett </a:t>
-            </a:r>
             <a:endParaRPr/>
           </a:p>
         </p:txBody>
@@ -2252,7 +2579,7 @@
     </p:spTree>
     <p:extLst>
       <p:ext uri="{BB962C8B-B14F-4D97-AF65-F5344CB8AC3E}">
-        <p14:creationId xmlns:p14="http://schemas.microsoft.com/office/powerpoint/2010/main" val="2078368061"/>
+        <p14:creationId xmlns:p14="http://schemas.microsoft.com/office/powerpoint/2010/main" val="1387924277"/>
       </p:ext>
     </p:extLst>
   </p:cSld>
@@ -2267,7 +2594,7 @@
   <p:cSld>
     <p:spTree>
       <p:nvGrpSpPr>
-        <p:cNvPr id="1" name="Shape 151"/>
+        <p:cNvPr id="1" name="Shape 144"/>
         <p:cNvGrpSpPr/>
         <p:nvPr/>
       </p:nvGrpSpPr>
@@ -2281,7 +2608,7 @@
       </p:grpSpPr>
       <p:sp>
         <p:nvSpPr>
-          <p:cNvPr id="152" name="Google Shape;152;g11b23e07b82_0_617:notes"/>
+          <p:cNvPr id="145" name="Google Shape;145;g11b23e07b82_0_611:notes"/>
           <p:cNvSpPr>
             <a:spLocks noGrp="1" noRot="1" noChangeAspect="1"/>
           </p:cNvSpPr>
@@ -2322,7 +2649,7 @@
       </p:sp>
       <p:sp>
         <p:nvSpPr>
-          <p:cNvPr id="153" name="Google Shape;153;g11b23e07b82_0_617:notes"/>
+          <p:cNvPr id="146" name="Google Shape;146;g11b23e07b82_0_611:notes"/>
           <p:cNvSpPr txBox="1">
             <a:spLocks noGrp="1"/>
           </p:cNvSpPr>
@@ -2354,14 +2681,14 @@
               </a:spcAft>
               <a:buNone/>
             </a:pPr>
-            <a:endParaRPr dirty="0"/>
+            <a:endParaRPr/>
           </a:p>
         </p:txBody>
       </p:sp>
     </p:spTree>
     <p:extLst>
       <p:ext uri="{BB962C8B-B14F-4D97-AF65-F5344CB8AC3E}">
-        <p14:creationId xmlns:p14="http://schemas.microsoft.com/office/powerpoint/2010/main" val="3485675760"/>
+        <p14:creationId xmlns:p14="http://schemas.microsoft.com/office/powerpoint/2010/main" val="447786957"/>
       </p:ext>
     </p:extLst>
   </p:cSld>
@@ -2463,16 +2790,15 @@
               </a:spcAft>
               <a:buNone/>
             </a:pPr>
-            <a:endParaRPr dirty="0"/>
+            <a:r>
+              <a:rPr lang="ko"/>
+              <a:t>Scarlett </a:t>
+            </a:r>
+            <a:endParaRPr/>
           </a:p>
         </p:txBody>
       </p:sp>
     </p:spTree>
-    <p:extLst>
-      <p:ext uri="{BB962C8B-B14F-4D97-AF65-F5344CB8AC3E}">
-        <p14:creationId xmlns:p14="http://schemas.microsoft.com/office/powerpoint/2010/main" val="2960425922"/>
-      </p:ext>
-    </p:extLst>
   </p:cSld>
   <p:clrMapOvr>
     <a:masterClrMapping/>
@@ -2572,14 +2898,18 @@
               </a:spcAft>
               <a:buNone/>
             </a:pPr>
-            <a:endParaRPr dirty="0"/>
+            <a:r>
+              <a:rPr lang="ko"/>
+              <a:t>Scarlett </a:t>
+            </a:r>
+            <a:endParaRPr/>
           </a:p>
         </p:txBody>
       </p:sp>
     </p:spTree>
     <p:extLst>
       <p:ext uri="{BB962C8B-B14F-4D97-AF65-F5344CB8AC3E}">
-        <p14:creationId xmlns:p14="http://schemas.microsoft.com/office/powerpoint/2010/main" val="2598345043"/>
+        <p14:creationId xmlns:p14="http://schemas.microsoft.com/office/powerpoint/2010/main" val="2078368061"/>
       </p:ext>
     </p:extLst>
   </p:cSld>
@@ -10799,6 +11129,2091 @@
         <p:spPr>
           <a:xfrm>
             <a:off x="455449" y="404129"/>
+            <a:ext cx="6424200" cy="705000"/>
+          </a:xfrm>
+          <a:prstGeom prst="rect">
+            <a:avLst/>
+          </a:prstGeom>
+        </p:spPr>
+        <p:txBody>
+          <a:bodyPr spcFirstLastPara="1" wrap="square" lIns="91425" tIns="91425" rIns="91425" bIns="91425" anchor="t" anchorCtr="0">
+            <a:normAutofit/>
+          </a:bodyPr>
+          <a:lstStyle/>
+          <a:p>
+            <a:pPr marL="0" lvl="0" indent="0" algn="l" rtl="0">
+              <a:spcBef>
+                <a:spcPts val="0"/>
+              </a:spcBef>
+              <a:spcAft>
+                <a:spcPts val="0"/>
+              </a:spcAft>
+              <a:buNone/>
+            </a:pPr>
+            <a:r>
+              <a:rPr lang="ko-KR" altLang="en-US" dirty="0">
+                <a:latin typeface="+mj-ea"/>
+                <a:ea typeface="+mj-ea"/>
+              </a:rPr>
+              <a:t>프로젝트 개요</a:t>
+            </a:r>
+            <a:endParaRPr dirty="0">
+              <a:latin typeface="+mj-ea"/>
+              <a:ea typeface="+mj-ea"/>
+            </a:endParaRPr>
+          </a:p>
+        </p:txBody>
+      </p:sp>
+      <p:sp>
+        <p:nvSpPr>
+          <p:cNvPr id="6" name="TextBox 5">
+            <a:extLst>
+              <a:ext uri="{FF2B5EF4-FFF2-40B4-BE49-F238E27FC236}">
+                <a16:creationId xmlns:a16="http://schemas.microsoft.com/office/drawing/2014/main" id="{094799FB-E864-430D-B01C-751B024E15F8}"/>
+              </a:ext>
+            </a:extLst>
+          </p:cNvPr>
+          <p:cNvSpPr txBox="1"/>
+          <p:nvPr/>
+        </p:nvSpPr>
+        <p:spPr>
+          <a:xfrm>
+            <a:off x="2943647" y="538680"/>
+            <a:ext cx="2345167" cy="307777"/>
+          </a:xfrm>
+          <a:prstGeom prst="rect">
+            <a:avLst/>
+          </a:prstGeom>
+          <a:noFill/>
+        </p:spPr>
+        <p:txBody>
+          <a:bodyPr wrap="square" rtlCol="0">
+            <a:spAutoFit/>
+          </a:bodyPr>
+          <a:lstStyle/>
+          <a:p>
+            <a:r>
+              <a:rPr lang="ko-KR" altLang="en-US" dirty="0"/>
+              <a:t>시스템 구조</a:t>
+            </a:r>
+            <a:endParaRPr lang="en-US" dirty="0"/>
+          </a:p>
+        </p:txBody>
+      </p:sp>
+      <p:sp>
+        <p:nvSpPr>
+          <p:cNvPr id="8" name="사각형: 둥근 모서리 7">
+            <a:extLst>
+              <a:ext uri="{FF2B5EF4-FFF2-40B4-BE49-F238E27FC236}">
+                <a16:creationId xmlns:a16="http://schemas.microsoft.com/office/drawing/2014/main" id="{E994D0B0-F499-4F84-963F-6FEB068A244A}"/>
+              </a:ext>
+            </a:extLst>
+          </p:cNvPr>
+          <p:cNvSpPr/>
+          <p:nvPr/>
+        </p:nvSpPr>
+        <p:spPr>
+          <a:xfrm>
+            <a:off x="259934" y="2249017"/>
+            <a:ext cx="1431598" cy="1249019"/>
+          </a:xfrm>
+          <a:prstGeom prst="roundRect">
+            <a:avLst/>
+          </a:prstGeom>
+        </p:spPr>
+        <p:style>
+          <a:lnRef idx="3">
+            <a:schemeClr val="lt1"/>
+          </a:lnRef>
+          <a:fillRef idx="1">
+            <a:schemeClr val="dk1"/>
+          </a:fillRef>
+          <a:effectRef idx="1">
+            <a:schemeClr val="dk1"/>
+          </a:effectRef>
+          <a:fontRef idx="minor">
+            <a:schemeClr val="lt1"/>
+          </a:fontRef>
+        </p:style>
+        <p:txBody>
+          <a:bodyPr rtlCol="0" anchor="ctr"/>
+          <a:lstStyle/>
+          <a:p>
+            <a:pPr algn="ctr"/>
+            <a:r>
+              <a:rPr lang="en-US" sz="2000" dirty="0">
+                <a:solidFill>
+                  <a:schemeClr val="bg2"/>
+                </a:solidFill>
+              </a:rPr>
+              <a:t>Client</a:t>
+            </a:r>
+          </a:p>
+        </p:txBody>
+      </p:sp>
+      <p:sp>
+        <p:nvSpPr>
+          <p:cNvPr id="31" name="사각형: 둥근 모서리 30">
+            <a:extLst>
+              <a:ext uri="{FF2B5EF4-FFF2-40B4-BE49-F238E27FC236}">
+                <a16:creationId xmlns:a16="http://schemas.microsoft.com/office/drawing/2014/main" id="{F02A205C-8514-49F9-89D6-5F71A0449CC6}"/>
+              </a:ext>
+            </a:extLst>
+          </p:cNvPr>
+          <p:cNvSpPr/>
+          <p:nvPr/>
+        </p:nvSpPr>
+        <p:spPr>
+          <a:xfrm>
+            <a:off x="2295277" y="1493713"/>
+            <a:ext cx="4584372" cy="2754265"/>
+          </a:xfrm>
+          <a:prstGeom prst="roundRect">
+            <a:avLst/>
+          </a:prstGeom>
+        </p:spPr>
+        <p:style>
+          <a:lnRef idx="3">
+            <a:schemeClr val="lt1"/>
+          </a:lnRef>
+          <a:fillRef idx="1">
+            <a:schemeClr val="dk1"/>
+          </a:fillRef>
+          <a:effectRef idx="1">
+            <a:schemeClr val="dk1"/>
+          </a:effectRef>
+          <a:fontRef idx="minor">
+            <a:schemeClr val="lt1"/>
+          </a:fontRef>
+        </p:style>
+        <p:txBody>
+          <a:bodyPr rtlCol="0" anchor="ctr"/>
+          <a:lstStyle/>
+          <a:p>
+            <a:pPr algn="ctr"/>
+            <a:endParaRPr lang="en-US" dirty="0">
+              <a:solidFill>
+                <a:schemeClr val="tx2">
+                  <a:lumMod val="10000"/>
+                </a:schemeClr>
+              </a:solidFill>
+            </a:endParaRPr>
+          </a:p>
+        </p:txBody>
+      </p:sp>
+      <p:sp>
+        <p:nvSpPr>
+          <p:cNvPr id="3" name="사각형: 둥근 모서리 2">
+            <a:extLst>
+              <a:ext uri="{FF2B5EF4-FFF2-40B4-BE49-F238E27FC236}">
+                <a16:creationId xmlns:a16="http://schemas.microsoft.com/office/drawing/2014/main" id="{FC70B405-99A6-4AD8-A868-F3D6682CF83A}"/>
+              </a:ext>
+            </a:extLst>
+          </p:cNvPr>
+          <p:cNvSpPr/>
+          <p:nvPr/>
+        </p:nvSpPr>
+        <p:spPr>
+          <a:xfrm>
+            <a:off x="2432365" y="2470866"/>
+            <a:ext cx="1012028" cy="484766"/>
+          </a:xfrm>
+          <a:prstGeom prst="roundRect">
+            <a:avLst/>
+          </a:prstGeom>
+          <a:solidFill>
+            <a:schemeClr val="tx1"/>
+          </a:solidFill>
+        </p:spPr>
+        <p:style>
+          <a:lnRef idx="2">
+            <a:schemeClr val="accent1">
+              <a:shade val="50000"/>
+            </a:schemeClr>
+          </a:lnRef>
+          <a:fillRef idx="1">
+            <a:schemeClr val="accent1"/>
+          </a:fillRef>
+          <a:effectRef idx="0">
+            <a:schemeClr val="accent1"/>
+          </a:effectRef>
+          <a:fontRef idx="minor">
+            <a:schemeClr val="lt1"/>
+          </a:fontRef>
+        </p:style>
+        <p:txBody>
+          <a:bodyPr rtlCol="0" anchor="ctr"/>
+          <a:lstStyle/>
+          <a:p>
+            <a:pPr algn="ctr"/>
+            <a:r>
+              <a:rPr lang="en-US" dirty="0">
+                <a:solidFill>
+                  <a:schemeClr val="tx2">
+                    <a:lumMod val="10000"/>
+                  </a:schemeClr>
+                </a:solidFill>
+              </a:rPr>
+              <a:t>Controller</a:t>
+            </a:r>
+          </a:p>
+        </p:txBody>
+      </p:sp>
+      <p:sp>
+        <p:nvSpPr>
+          <p:cNvPr id="19" name="사각형: 둥근 모서리 18">
+            <a:extLst>
+              <a:ext uri="{FF2B5EF4-FFF2-40B4-BE49-F238E27FC236}">
+                <a16:creationId xmlns:a16="http://schemas.microsoft.com/office/drawing/2014/main" id="{1C3032FE-E981-4F6E-8EF4-53E0BBFF32E1}"/>
+              </a:ext>
+            </a:extLst>
+          </p:cNvPr>
+          <p:cNvSpPr/>
+          <p:nvPr/>
+        </p:nvSpPr>
+        <p:spPr>
+          <a:xfrm>
+            <a:off x="3479688" y="1896420"/>
+            <a:ext cx="890021" cy="484766"/>
+          </a:xfrm>
+          <a:prstGeom prst="roundRect">
+            <a:avLst/>
+          </a:prstGeom>
+          <a:solidFill>
+            <a:schemeClr val="tx1"/>
+          </a:solidFill>
+        </p:spPr>
+        <p:style>
+          <a:lnRef idx="2">
+            <a:schemeClr val="accent1">
+              <a:shade val="50000"/>
+            </a:schemeClr>
+          </a:lnRef>
+          <a:fillRef idx="1">
+            <a:schemeClr val="accent1"/>
+          </a:fillRef>
+          <a:effectRef idx="0">
+            <a:schemeClr val="accent1"/>
+          </a:effectRef>
+          <a:fontRef idx="minor">
+            <a:schemeClr val="lt1"/>
+          </a:fontRef>
+        </p:style>
+        <p:txBody>
+          <a:bodyPr rtlCol="0" anchor="ctr"/>
+          <a:lstStyle/>
+          <a:p>
+            <a:pPr algn="ctr"/>
+            <a:r>
+              <a:rPr lang="en-US" dirty="0">
+                <a:solidFill>
+                  <a:schemeClr val="tx2">
+                    <a:lumMod val="10000"/>
+                  </a:schemeClr>
+                </a:solidFill>
+              </a:rPr>
+              <a:t>Service</a:t>
+            </a:r>
+          </a:p>
+        </p:txBody>
+      </p:sp>
+      <p:sp>
+        <p:nvSpPr>
+          <p:cNvPr id="20" name="사각형: 둥근 모서리 19">
+            <a:extLst>
+              <a:ext uri="{FF2B5EF4-FFF2-40B4-BE49-F238E27FC236}">
+                <a16:creationId xmlns:a16="http://schemas.microsoft.com/office/drawing/2014/main" id="{E92C1FC6-F9D7-4AA6-9C4A-D796D369123C}"/>
+              </a:ext>
+            </a:extLst>
+          </p:cNvPr>
+          <p:cNvSpPr/>
+          <p:nvPr/>
+        </p:nvSpPr>
+        <p:spPr>
+          <a:xfrm>
+            <a:off x="2437633" y="3390307"/>
+            <a:ext cx="1012028" cy="484766"/>
+          </a:xfrm>
+          <a:prstGeom prst="roundRect">
+            <a:avLst/>
+          </a:prstGeom>
+          <a:solidFill>
+            <a:schemeClr val="tx1"/>
+          </a:solidFill>
+        </p:spPr>
+        <p:style>
+          <a:lnRef idx="2">
+            <a:schemeClr val="accent1">
+              <a:shade val="50000"/>
+            </a:schemeClr>
+          </a:lnRef>
+          <a:fillRef idx="1">
+            <a:schemeClr val="accent1"/>
+          </a:fillRef>
+          <a:effectRef idx="0">
+            <a:schemeClr val="accent1"/>
+          </a:effectRef>
+          <a:fontRef idx="minor">
+            <a:schemeClr val="lt1"/>
+          </a:fontRef>
+        </p:style>
+        <p:txBody>
+          <a:bodyPr rtlCol="0" anchor="ctr"/>
+          <a:lstStyle/>
+          <a:p>
+            <a:pPr algn="ctr"/>
+            <a:r>
+              <a:rPr lang="en-US" dirty="0">
+                <a:solidFill>
+                  <a:schemeClr val="tx2">
+                    <a:lumMod val="10000"/>
+                  </a:schemeClr>
+                </a:solidFill>
+              </a:rPr>
+              <a:t>View</a:t>
+            </a:r>
+          </a:p>
+        </p:txBody>
+      </p:sp>
+      <p:sp>
+        <p:nvSpPr>
+          <p:cNvPr id="21" name="사각형: 둥근 모서리 20">
+            <a:extLst>
+              <a:ext uri="{FF2B5EF4-FFF2-40B4-BE49-F238E27FC236}">
+                <a16:creationId xmlns:a16="http://schemas.microsoft.com/office/drawing/2014/main" id="{22345FFE-2A81-44DF-9AF9-F885F65D93C0}"/>
+              </a:ext>
+            </a:extLst>
+          </p:cNvPr>
+          <p:cNvSpPr/>
+          <p:nvPr/>
+        </p:nvSpPr>
+        <p:spPr>
+          <a:xfrm>
+            <a:off x="4656119" y="1896420"/>
+            <a:ext cx="1234311" cy="484766"/>
+          </a:xfrm>
+          <a:prstGeom prst="roundRect">
+            <a:avLst/>
+          </a:prstGeom>
+          <a:solidFill>
+            <a:schemeClr val="tx1"/>
+          </a:solidFill>
+        </p:spPr>
+        <p:style>
+          <a:lnRef idx="2">
+            <a:schemeClr val="accent1">
+              <a:shade val="50000"/>
+            </a:schemeClr>
+          </a:lnRef>
+          <a:fillRef idx="1">
+            <a:schemeClr val="accent1"/>
+          </a:fillRef>
+          <a:effectRef idx="0">
+            <a:schemeClr val="accent1"/>
+          </a:effectRef>
+          <a:fontRef idx="minor">
+            <a:schemeClr val="lt1"/>
+          </a:fontRef>
+        </p:style>
+        <p:txBody>
+          <a:bodyPr rtlCol="0" anchor="ctr"/>
+          <a:lstStyle/>
+          <a:p>
+            <a:pPr algn="ctr"/>
+            <a:r>
+              <a:rPr lang="en-US" dirty="0" err="1">
+                <a:solidFill>
+                  <a:schemeClr val="tx2">
+                    <a:lumMod val="10000"/>
+                  </a:schemeClr>
+                </a:solidFill>
+              </a:rPr>
+              <a:t>ServiceImp</a:t>
+            </a:r>
+            <a:endParaRPr lang="en-US" dirty="0">
+              <a:solidFill>
+                <a:schemeClr val="tx2">
+                  <a:lumMod val="10000"/>
+                </a:schemeClr>
+              </a:solidFill>
+            </a:endParaRPr>
+          </a:p>
+        </p:txBody>
+      </p:sp>
+      <p:sp>
+        <p:nvSpPr>
+          <p:cNvPr id="22" name="사각형: 둥근 모서리 21">
+            <a:extLst>
+              <a:ext uri="{FF2B5EF4-FFF2-40B4-BE49-F238E27FC236}">
+                <a16:creationId xmlns:a16="http://schemas.microsoft.com/office/drawing/2014/main" id="{633D585B-7382-4D4F-91CC-9325631C627D}"/>
+              </a:ext>
+            </a:extLst>
+          </p:cNvPr>
+          <p:cNvSpPr/>
+          <p:nvPr/>
+        </p:nvSpPr>
+        <p:spPr>
+          <a:xfrm>
+            <a:off x="5699608" y="2628462"/>
+            <a:ext cx="1012028" cy="484766"/>
+          </a:xfrm>
+          <a:prstGeom prst="roundRect">
+            <a:avLst/>
+          </a:prstGeom>
+          <a:solidFill>
+            <a:schemeClr val="tx1"/>
+          </a:solidFill>
+        </p:spPr>
+        <p:style>
+          <a:lnRef idx="2">
+            <a:schemeClr val="accent1">
+              <a:shade val="50000"/>
+            </a:schemeClr>
+          </a:lnRef>
+          <a:fillRef idx="1">
+            <a:schemeClr val="accent1"/>
+          </a:fillRef>
+          <a:effectRef idx="0">
+            <a:schemeClr val="accent1"/>
+          </a:effectRef>
+          <a:fontRef idx="minor">
+            <a:schemeClr val="lt1"/>
+          </a:fontRef>
+        </p:style>
+        <p:txBody>
+          <a:bodyPr rtlCol="0" anchor="ctr"/>
+          <a:lstStyle/>
+          <a:p>
+            <a:pPr algn="ctr"/>
+            <a:r>
+              <a:rPr lang="en-US" dirty="0">
+                <a:solidFill>
+                  <a:schemeClr val="tx2">
+                    <a:lumMod val="10000"/>
+                  </a:schemeClr>
+                </a:solidFill>
+              </a:rPr>
+              <a:t>DAO</a:t>
+            </a:r>
+          </a:p>
+        </p:txBody>
+      </p:sp>
+      <p:sp>
+        <p:nvSpPr>
+          <p:cNvPr id="24" name="사각형: 둥근 모서리 23">
+            <a:extLst>
+              <a:ext uri="{FF2B5EF4-FFF2-40B4-BE49-F238E27FC236}">
+                <a16:creationId xmlns:a16="http://schemas.microsoft.com/office/drawing/2014/main" id="{983EEC31-2211-4660-87A0-2C70421FCBC9}"/>
+              </a:ext>
+            </a:extLst>
+          </p:cNvPr>
+          <p:cNvSpPr/>
+          <p:nvPr/>
+        </p:nvSpPr>
+        <p:spPr>
+          <a:xfrm>
+            <a:off x="7452468" y="2235514"/>
+            <a:ext cx="1431598" cy="1249019"/>
+          </a:xfrm>
+          <a:prstGeom prst="roundRect">
+            <a:avLst/>
+          </a:prstGeom>
+        </p:spPr>
+        <p:style>
+          <a:lnRef idx="3">
+            <a:schemeClr val="lt1"/>
+          </a:lnRef>
+          <a:fillRef idx="1">
+            <a:schemeClr val="dk1"/>
+          </a:fillRef>
+          <a:effectRef idx="1">
+            <a:schemeClr val="dk1"/>
+          </a:effectRef>
+          <a:fontRef idx="minor">
+            <a:schemeClr val="lt1"/>
+          </a:fontRef>
+        </p:style>
+        <p:txBody>
+          <a:bodyPr rtlCol="0" anchor="ctr"/>
+          <a:lstStyle/>
+          <a:p>
+            <a:pPr algn="ctr"/>
+            <a:r>
+              <a:rPr lang="en-US" sz="2000" dirty="0">
+                <a:solidFill>
+                  <a:schemeClr val="bg2"/>
+                </a:solidFill>
+              </a:rPr>
+              <a:t>DB</a:t>
+            </a:r>
+          </a:p>
+        </p:txBody>
+      </p:sp>
+      <p:cxnSp>
+        <p:nvCxnSpPr>
+          <p:cNvPr id="10" name="직선 화살표 연결선 9">
+            <a:extLst>
+              <a:ext uri="{FF2B5EF4-FFF2-40B4-BE49-F238E27FC236}">
+                <a16:creationId xmlns:a16="http://schemas.microsoft.com/office/drawing/2014/main" id="{DB6DC1E6-74FC-4E88-9E28-B5347AAF5DF4}"/>
+              </a:ext>
+            </a:extLst>
+          </p:cNvPr>
+          <p:cNvCxnSpPr>
+            <a:cxnSpLocks/>
+          </p:cNvCxnSpPr>
+          <p:nvPr/>
+        </p:nvCxnSpPr>
+        <p:spPr>
+          <a:xfrm>
+            <a:off x="2933111" y="3003545"/>
+            <a:ext cx="5268" cy="277079"/>
+          </a:xfrm>
+          <a:prstGeom prst="straightConnector1">
+            <a:avLst/>
+          </a:prstGeom>
+          <a:ln>
+            <a:headEnd type="triangle"/>
+            <a:tailEnd type="triangle"/>
+          </a:ln>
+        </p:spPr>
+        <p:style>
+          <a:lnRef idx="1">
+            <a:schemeClr val="accent1"/>
+          </a:lnRef>
+          <a:fillRef idx="0">
+            <a:schemeClr val="accent1"/>
+          </a:fillRef>
+          <a:effectRef idx="0">
+            <a:schemeClr val="accent1"/>
+          </a:effectRef>
+          <a:fontRef idx="minor">
+            <a:schemeClr val="tx1"/>
+          </a:fontRef>
+        </p:style>
+      </p:cxnSp>
+      <p:cxnSp>
+        <p:nvCxnSpPr>
+          <p:cNvPr id="34" name="직선 화살표 연결선 33">
+            <a:extLst>
+              <a:ext uri="{FF2B5EF4-FFF2-40B4-BE49-F238E27FC236}">
+                <a16:creationId xmlns:a16="http://schemas.microsoft.com/office/drawing/2014/main" id="{907A0EF8-CEB4-4A87-8DFF-3F4528BD032A}"/>
+              </a:ext>
+            </a:extLst>
+          </p:cNvPr>
+          <p:cNvCxnSpPr>
+            <a:cxnSpLocks/>
+          </p:cNvCxnSpPr>
+          <p:nvPr/>
+        </p:nvCxnSpPr>
+        <p:spPr>
+          <a:xfrm flipH="1">
+            <a:off x="2865601" y="2084203"/>
+            <a:ext cx="492301" cy="296983"/>
+          </a:xfrm>
+          <a:prstGeom prst="straightConnector1">
+            <a:avLst/>
+          </a:prstGeom>
+          <a:ln>
+            <a:headEnd type="triangle"/>
+            <a:tailEnd type="triangle"/>
+          </a:ln>
+        </p:spPr>
+        <p:style>
+          <a:lnRef idx="1">
+            <a:schemeClr val="accent1"/>
+          </a:lnRef>
+          <a:fillRef idx="0">
+            <a:schemeClr val="accent1"/>
+          </a:fillRef>
+          <a:effectRef idx="0">
+            <a:schemeClr val="accent1"/>
+          </a:effectRef>
+          <a:fontRef idx="minor">
+            <a:schemeClr val="tx1"/>
+          </a:fontRef>
+        </p:style>
+      </p:cxnSp>
+      <p:cxnSp>
+        <p:nvCxnSpPr>
+          <p:cNvPr id="35" name="직선 화살표 연결선 34">
+            <a:extLst>
+              <a:ext uri="{FF2B5EF4-FFF2-40B4-BE49-F238E27FC236}">
+                <a16:creationId xmlns:a16="http://schemas.microsoft.com/office/drawing/2014/main" id="{38B25C6C-624D-4185-9A56-5195F52DDE72}"/>
+              </a:ext>
+            </a:extLst>
+          </p:cNvPr>
+          <p:cNvCxnSpPr>
+            <a:cxnSpLocks/>
+            <a:stCxn id="21" idx="1"/>
+          </p:cNvCxnSpPr>
+          <p:nvPr/>
+        </p:nvCxnSpPr>
+        <p:spPr>
+          <a:xfrm flipH="1">
+            <a:off x="4369709" y="2138803"/>
+            <a:ext cx="286410" cy="0"/>
+          </a:xfrm>
+          <a:prstGeom prst="straightConnector1">
+            <a:avLst/>
+          </a:prstGeom>
+          <a:ln>
+            <a:headEnd type="triangle"/>
+            <a:tailEnd type="triangle"/>
+          </a:ln>
+        </p:spPr>
+        <p:style>
+          <a:lnRef idx="1">
+            <a:schemeClr val="accent1"/>
+          </a:lnRef>
+          <a:fillRef idx="0">
+            <a:schemeClr val="accent1"/>
+          </a:fillRef>
+          <a:effectRef idx="0">
+            <a:schemeClr val="accent1"/>
+          </a:effectRef>
+          <a:fontRef idx="minor">
+            <a:schemeClr val="tx1"/>
+          </a:fontRef>
+        </p:style>
+      </p:cxnSp>
+      <p:cxnSp>
+        <p:nvCxnSpPr>
+          <p:cNvPr id="36" name="직선 화살표 연결선 35">
+            <a:extLst>
+              <a:ext uri="{FF2B5EF4-FFF2-40B4-BE49-F238E27FC236}">
+                <a16:creationId xmlns:a16="http://schemas.microsoft.com/office/drawing/2014/main" id="{23E19D25-0D05-46B8-AFCD-2C9F4CFA3150}"/>
+              </a:ext>
+            </a:extLst>
+          </p:cNvPr>
+          <p:cNvCxnSpPr>
+            <a:cxnSpLocks/>
+          </p:cNvCxnSpPr>
+          <p:nvPr/>
+        </p:nvCxnSpPr>
+        <p:spPr>
+          <a:xfrm flipH="1" flipV="1">
+            <a:off x="5992009" y="2138803"/>
+            <a:ext cx="378408" cy="376235"/>
+          </a:xfrm>
+          <a:prstGeom prst="straightConnector1">
+            <a:avLst/>
+          </a:prstGeom>
+          <a:ln>
+            <a:headEnd type="triangle"/>
+            <a:tailEnd type="triangle"/>
+          </a:ln>
+        </p:spPr>
+        <p:style>
+          <a:lnRef idx="1">
+            <a:schemeClr val="accent1"/>
+          </a:lnRef>
+          <a:fillRef idx="0">
+            <a:schemeClr val="accent1"/>
+          </a:fillRef>
+          <a:effectRef idx="0">
+            <a:schemeClr val="accent1"/>
+          </a:effectRef>
+          <a:fontRef idx="minor">
+            <a:schemeClr val="tx1"/>
+          </a:fontRef>
+        </p:style>
+      </p:cxnSp>
+      <p:cxnSp>
+        <p:nvCxnSpPr>
+          <p:cNvPr id="38" name="직선 화살표 연결선 37">
+            <a:extLst>
+              <a:ext uri="{FF2B5EF4-FFF2-40B4-BE49-F238E27FC236}">
+                <a16:creationId xmlns:a16="http://schemas.microsoft.com/office/drawing/2014/main" id="{F7E2D298-883C-4899-8217-06090FC65168}"/>
+              </a:ext>
+            </a:extLst>
+          </p:cNvPr>
+          <p:cNvCxnSpPr>
+            <a:cxnSpLocks/>
+          </p:cNvCxnSpPr>
+          <p:nvPr/>
+        </p:nvCxnSpPr>
+        <p:spPr>
+          <a:xfrm flipH="1">
+            <a:off x="6758646" y="2870845"/>
+            <a:ext cx="693822" cy="0"/>
+          </a:xfrm>
+          <a:prstGeom prst="straightConnector1">
+            <a:avLst/>
+          </a:prstGeom>
+          <a:ln>
+            <a:headEnd type="triangle"/>
+            <a:tailEnd type="triangle"/>
+          </a:ln>
+        </p:spPr>
+        <p:style>
+          <a:lnRef idx="1">
+            <a:schemeClr val="accent1"/>
+          </a:lnRef>
+          <a:fillRef idx="0">
+            <a:schemeClr val="accent1"/>
+          </a:fillRef>
+          <a:effectRef idx="0">
+            <a:schemeClr val="accent1"/>
+          </a:effectRef>
+          <a:fontRef idx="minor">
+            <a:schemeClr val="tx1"/>
+          </a:fontRef>
+        </p:style>
+      </p:cxnSp>
+      <p:cxnSp>
+        <p:nvCxnSpPr>
+          <p:cNvPr id="41" name="직선 화살표 연결선 40">
+            <a:extLst>
+              <a:ext uri="{FF2B5EF4-FFF2-40B4-BE49-F238E27FC236}">
+                <a16:creationId xmlns:a16="http://schemas.microsoft.com/office/drawing/2014/main" id="{247799E6-1B57-4BDF-B0C2-27DFDF5D27A4}"/>
+              </a:ext>
+            </a:extLst>
+          </p:cNvPr>
+          <p:cNvCxnSpPr>
+            <a:cxnSpLocks/>
+          </p:cNvCxnSpPr>
+          <p:nvPr/>
+        </p:nvCxnSpPr>
+        <p:spPr>
+          <a:xfrm flipH="1" flipV="1">
+            <a:off x="1733272" y="3142084"/>
+            <a:ext cx="562005" cy="355952"/>
+          </a:xfrm>
+          <a:prstGeom prst="straightConnector1">
+            <a:avLst/>
+          </a:prstGeom>
+          <a:ln>
+            <a:tailEnd type="triangle"/>
+          </a:ln>
+        </p:spPr>
+        <p:style>
+          <a:lnRef idx="1">
+            <a:schemeClr val="accent1"/>
+          </a:lnRef>
+          <a:fillRef idx="0">
+            <a:schemeClr val="accent1"/>
+          </a:fillRef>
+          <a:effectRef idx="0">
+            <a:schemeClr val="accent1"/>
+          </a:effectRef>
+          <a:fontRef idx="minor">
+            <a:schemeClr val="tx1"/>
+          </a:fontRef>
+        </p:style>
+      </p:cxnSp>
+      <p:cxnSp>
+        <p:nvCxnSpPr>
+          <p:cNvPr id="44" name="직선 화살표 연결선 43">
+            <a:extLst>
+              <a:ext uri="{FF2B5EF4-FFF2-40B4-BE49-F238E27FC236}">
+                <a16:creationId xmlns:a16="http://schemas.microsoft.com/office/drawing/2014/main" id="{F681163A-A99B-4A6C-8BCC-19F406BCF00F}"/>
+              </a:ext>
+            </a:extLst>
+          </p:cNvPr>
+          <p:cNvCxnSpPr/>
+          <p:nvPr/>
+        </p:nvCxnSpPr>
+        <p:spPr>
+          <a:xfrm>
+            <a:off x="1733272" y="2713249"/>
+            <a:ext cx="531811" cy="0"/>
+          </a:xfrm>
+          <a:prstGeom prst="straightConnector1">
+            <a:avLst/>
+          </a:prstGeom>
+          <a:ln>
+            <a:tailEnd type="triangle"/>
+          </a:ln>
+        </p:spPr>
+        <p:style>
+          <a:lnRef idx="1">
+            <a:schemeClr val="accent1"/>
+          </a:lnRef>
+          <a:fillRef idx="0">
+            <a:schemeClr val="accent1"/>
+          </a:fillRef>
+          <a:effectRef idx="0">
+            <a:schemeClr val="accent1"/>
+          </a:effectRef>
+          <a:fontRef idx="minor">
+            <a:schemeClr val="tx1"/>
+          </a:fontRef>
+        </p:style>
+      </p:cxnSp>
+      <p:sp>
+        <p:nvSpPr>
+          <p:cNvPr id="46" name="TextBox 45">
+            <a:extLst>
+              <a:ext uri="{FF2B5EF4-FFF2-40B4-BE49-F238E27FC236}">
+                <a16:creationId xmlns:a16="http://schemas.microsoft.com/office/drawing/2014/main" id="{A3FE2916-02A8-42D8-B31E-FFD5FD0216AB}"/>
+              </a:ext>
+            </a:extLst>
+          </p:cNvPr>
+          <p:cNvSpPr txBox="1"/>
+          <p:nvPr/>
+        </p:nvSpPr>
+        <p:spPr>
+          <a:xfrm>
+            <a:off x="4116230" y="3847868"/>
+            <a:ext cx="1355464" cy="400110"/>
+          </a:xfrm>
+          <a:prstGeom prst="rect">
+            <a:avLst/>
+          </a:prstGeom>
+          <a:noFill/>
+        </p:spPr>
+        <p:txBody>
+          <a:bodyPr wrap="square" rtlCol="0">
+            <a:spAutoFit/>
+          </a:bodyPr>
+          <a:lstStyle/>
+          <a:p>
+            <a:r>
+              <a:rPr lang="en-US" sz="2000" dirty="0"/>
+              <a:t>Server</a:t>
+            </a:r>
+          </a:p>
+        </p:txBody>
+      </p:sp>
+    </p:spTree>
+    <p:extLst>
+      <p:ext uri="{BB962C8B-B14F-4D97-AF65-F5344CB8AC3E}">
+        <p14:creationId xmlns:p14="http://schemas.microsoft.com/office/powerpoint/2010/main" val="607676755"/>
+      </p:ext>
+    </p:extLst>
+  </p:cSld>
+  <p:clrMapOvr>
+    <a:masterClrMapping/>
+  </p:clrMapOvr>
+</p:sld>
+</file>
+
+<file path=ppt/slides/slide11.xml><?xml version="1.0" encoding="utf-8"?>
+<p:sld xmlns:a="http://schemas.openxmlformats.org/drawingml/2006/main" xmlns:r="http://schemas.openxmlformats.org/officeDocument/2006/relationships" xmlns:p="http://schemas.openxmlformats.org/presentationml/2006/main">
+  <p:cSld>
+    <p:spTree>
+      <p:nvGrpSpPr>
+        <p:cNvPr id="1" name="Shape 154"/>
+        <p:cNvGrpSpPr/>
+        <p:nvPr/>
+      </p:nvGrpSpPr>
+      <p:grpSpPr>
+        <a:xfrm>
+          <a:off x="0" y="0"/>
+          <a:ext cx="0" cy="0"/>
+          <a:chOff x="0" y="0"/>
+          <a:chExt cx="0" cy="0"/>
+        </a:xfrm>
+      </p:grpSpPr>
+      <p:sp>
+        <p:nvSpPr>
+          <p:cNvPr id="9" name="Google Shape;141;p15">
+            <a:extLst>
+              <a:ext uri="{FF2B5EF4-FFF2-40B4-BE49-F238E27FC236}">
+                <a16:creationId xmlns:a16="http://schemas.microsoft.com/office/drawing/2014/main" id="{62234D79-D6F6-473D-A43C-A5CA1D583787}"/>
+              </a:ext>
+            </a:extLst>
+          </p:cNvPr>
+          <p:cNvSpPr txBox="1">
+            <a:spLocks noGrp="1"/>
+          </p:cNvSpPr>
+          <p:nvPr>
+            <p:ph type="title"/>
+          </p:nvPr>
+        </p:nvSpPr>
+        <p:spPr>
+          <a:xfrm>
+            <a:off x="455449" y="404129"/>
+            <a:ext cx="6424200" cy="705000"/>
+          </a:xfrm>
+          <a:prstGeom prst="rect">
+            <a:avLst/>
+          </a:prstGeom>
+        </p:spPr>
+        <p:txBody>
+          <a:bodyPr spcFirstLastPara="1" wrap="square" lIns="91425" tIns="91425" rIns="91425" bIns="91425" anchor="t" anchorCtr="0">
+            <a:normAutofit/>
+          </a:bodyPr>
+          <a:lstStyle/>
+          <a:p>
+            <a:pPr marL="0" lvl="0" indent="0" algn="l" rtl="0">
+              <a:spcBef>
+                <a:spcPts val="0"/>
+              </a:spcBef>
+              <a:spcAft>
+                <a:spcPts val="0"/>
+              </a:spcAft>
+              <a:buNone/>
+            </a:pPr>
+            <a:r>
+              <a:rPr lang="ko-KR" altLang="en-US" dirty="0">
+                <a:latin typeface="+mj-ea"/>
+                <a:ea typeface="+mj-ea"/>
+              </a:rPr>
+              <a:t>프로젝트 개요</a:t>
+            </a:r>
+            <a:endParaRPr dirty="0">
+              <a:latin typeface="+mj-ea"/>
+              <a:ea typeface="+mj-ea"/>
+            </a:endParaRPr>
+          </a:p>
+        </p:txBody>
+      </p:sp>
+      <p:sp>
+        <p:nvSpPr>
+          <p:cNvPr id="6" name="TextBox 5">
+            <a:extLst>
+              <a:ext uri="{FF2B5EF4-FFF2-40B4-BE49-F238E27FC236}">
+                <a16:creationId xmlns:a16="http://schemas.microsoft.com/office/drawing/2014/main" id="{094799FB-E864-430D-B01C-751B024E15F8}"/>
+              </a:ext>
+            </a:extLst>
+          </p:cNvPr>
+          <p:cNvSpPr txBox="1"/>
+          <p:nvPr/>
+        </p:nvSpPr>
+        <p:spPr>
+          <a:xfrm>
+            <a:off x="2943647" y="538680"/>
+            <a:ext cx="2345167" cy="307777"/>
+          </a:xfrm>
+          <a:prstGeom prst="rect">
+            <a:avLst/>
+          </a:prstGeom>
+          <a:noFill/>
+        </p:spPr>
+        <p:txBody>
+          <a:bodyPr wrap="square" rtlCol="0">
+            <a:spAutoFit/>
+          </a:bodyPr>
+          <a:lstStyle/>
+          <a:p>
+            <a:r>
+              <a:rPr lang="ko-KR" altLang="en-US" dirty="0"/>
+              <a:t>데이터 베이스</a:t>
+            </a:r>
+            <a:endParaRPr lang="en-US" dirty="0"/>
+          </a:p>
+        </p:txBody>
+      </p:sp>
+      <p:pic>
+        <p:nvPicPr>
+          <p:cNvPr id="4" name="그림 3">
+            <a:extLst>
+              <a:ext uri="{FF2B5EF4-FFF2-40B4-BE49-F238E27FC236}">
+                <a16:creationId xmlns:a16="http://schemas.microsoft.com/office/drawing/2014/main" id="{6914AD77-22AA-47E0-B0A5-9611D147F0D3}"/>
+              </a:ext>
+            </a:extLst>
+          </p:cNvPr>
+          <p:cNvPicPr>
+            <a:picLocks noChangeAspect="1"/>
+          </p:cNvPicPr>
+          <p:nvPr/>
+        </p:nvPicPr>
+        <p:blipFill>
+          <a:blip r:embed="rId3"/>
+          <a:stretch>
+            <a:fillRect/>
+          </a:stretch>
+        </p:blipFill>
+        <p:spPr>
+          <a:xfrm>
+            <a:off x="501664" y="953356"/>
+            <a:ext cx="7900058" cy="3611487"/>
+          </a:xfrm>
+          <a:prstGeom prst="rect">
+            <a:avLst/>
+          </a:prstGeom>
+        </p:spPr>
+      </p:pic>
+    </p:spTree>
+    <p:extLst>
+      <p:ext uri="{BB962C8B-B14F-4D97-AF65-F5344CB8AC3E}">
+        <p14:creationId xmlns:p14="http://schemas.microsoft.com/office/powerpoint/2010/main" val="2574892661"/>
+      </p:ext>
+    </p:extLst>
+  </p:cSld>
+  <p:clrMapOvr>
+    <a:masterClrMapping/>
+  </p:clrMapOvr>
+</p:sld>
+</file>
+
+<file path=ppt/slides/slide12.xml><?xml version="1.0" encoding="utf-8"?>
+<p:sld xmlns:a="http://schemas.openxmlformats.org/drawingml/2006/main" xmlns:r="http://schemas.openxmlformats.org/officeDocument/2006/relationships" xmlns:p="http://schemas.openxmlformats.org/presentationml/2006/main">
+  <p:cSld>
+    <p:spTree>
+      <p:nvGrpSpPr>
+        <p:cNvPr id="1" name="Shape 154"/>
+        <p:cNvGrpSpPr/>
+        <p:nvPr/>
+      </p:nvGrpSpPr>
+      <p:grpSpPr>
+        <a:xfrm>
+          <a:off x="0" y="0"/>
+          <a:ext cx="0" cy="0"/>
+          <a:chOff x="0" y="0"/>
+          <a:chExt cx="0" cy="0"/>
+        </a:xfrm>
+      </p:grpSpPr>
+      <p:sp>
+        <p:nvSpPr>
+          <p:cNvPr id="9" name="Google Shape;141;p15">
+            <a:extLst>
+              <a:ext uri="{FF2B5EF4-FFF2-40B4-BE49-F238E27FC236}">
+                <a16:creationId xmlns:a16="http://schemas.microsoft.com/office/drawing/2014/main" id="{62234D79-D6F6-473D-A43C-A5CA1D583787}"/>
+              </a:ext>
+            </a:extLst>
+          </p:cNvPr>
+          <p:cNvSpPr txBox="1">
+            <a:spLocks noGrp="1"/>
+          </p:cNvSpPr>
+          <p:nvPr>
+            <p:ph type="title"/>
+          </p:nvPr>
+        </p:nvSpPr>
+        <p:spPr>
+          <a:xfrm>
+            <a:off x="455449" y="404129"/>
+            <a:ext cx="6424200" cy="705000"/>
+          </a:xfrm>
+          <a:prstGeom prst="rect">
+            <a:avLst/>
+          </a:prstGeom>
+        </p:spPr>
+        <p:txBody>
+          <a:bodyPr spcFirstLastPara="1" wrap="square" lIns="91425" tIns="91425" rIns="91425" bIns="91425" anchor="t" anchorCtr="0">
+            <a:normAutofit/>
+          </a:bodyPr>
+          <a:lstStyle/>
+          <a:p>
+            <a:pPr marL="0" lvl="0" indent="0" algn="l" rtl="0">
+              <a:spcBef>
+                <a:spcPts val="0"/>
+              </a:spcBef>
+              <a:spcAft>
+                <a:spcPts val="0"/>
+              </a:spcAft>
+              <a:buNone/>
+            </a:pPr>
+            <a:r>
+              <a:rPr lang="ko-KR" altLang="en-US" dirty="0">
+                <a:latin typeface="+mj-ea"/>
+                <a:ea typeface="+mj-ea"/>
+              </a:rPr>
+              <a:t>서비스 개요</a:t>
+            </a:r>
+            <a:endParaRPr dirty="0">
+              <a:latin typeface="+mj-ea"/>
+              <a:ea typeface="+mj-ea"/>
+            </a:endParaRPr>
+          </a:p>
+        </p:txBody>
+      </p:sp>
+      <p:sp>
+        <p:nvSpPr>
+          <p:cNvPr id="2" name="사각형: 둥근 모서리 1">
+            <a:extLst>
+              <a:ext uri="{FF2B5EF4-FFF2-40B4-BE49-F238E27FC236}">
+                <a16:creationId xmlns:a16="http://schemas.microsoft.com/office/drawing/2014/main" id="{4C4943A0-3E85-4400-9E25-E93FE174EE9B}"/>
+              </a:ext>
+            </a:extLst>
+          </p:cNvPr>
+          <p:cNvSpPr/>
+          <p:nvPr/>
+        </p:nvSpPr>
+        <p:spPr>
+          <a:xfrm>
+            <a:off x="602428" y="1211324"/>
+            <a:ext cx="1592132" cy="283990"/>
+          </a:xfrm>
+          <a:prstGeom prst="roundRect">
+            <a:avLst/>
+          </a:prstGeom>
+        </p:spPr>
+        <p:style>
+          <a:lnRef idx="3">
+            <a:schemeClr val="lt1"/>
+          </a:lnRef>
+          <a:fillRef idx="1">
+            <a:schemeClr val="dk1"/>
+          </a:fillRef>
+          <a:effectRef idx="1">
+            <a:schemeClr val="dk1"/>
+          </a:effectRef>
+          <a:fontRef idx="minor">
+            <a:schemeClr val="lt1"/>
+          </a:fontRef>
+        </p:style>
+        <p:txBody>
+          <a:bodyPr rtlCol="0" anchor="ctr"/>
+          <a:lstStyle/>
+          <a:p>
+            <a:pPr algn="ctr"/>
+            <a:r>
+              <a:rPr lang="ko-KR" altLang="en-US" dirty="0"/>
+              <a:t>로그인 </a:t>
+            </a:r>
+            <a:endParaRPr lang="en-US" dirty="0"/>
+          </a:p>
+        </p:txBody>
+      </p:sp>
+      <p:sp>
+        <p:nvSpPr>
+          <p:cNvPr id="3" name="직사각형 2">
+            <a:extLst>
+              <a:ext uri="{FF2B5EF4-FFF2-40B4-BE49-F238E27FC236}">
+                <a16:creationId xmlns:a16="http://schemas.microsoft.com/office/drawing/2014/main" id="{B8CD58F0-FB7F-4890-BD34-091DFD65984F}"/>
+              </a:ext>
+            </a:extLst>
+          </p:cNvPr>
+          <p:cNvSpPr/>
+          <p:nvPr/>
+        </p:nvSpPr>
+        <p:spPr>
+          <a:xfrm>
+            <a:off x="2413341" y="1211324"/>
+            <a:ext cx="2158659" cy="283989"/>
+          </a:xfrm>
+          <a:prstGeom prst="rect">
+            <a:avLst/>
+          </a:prstGeom>
+        </p:spPr>
+        <p:style>
+          <a:lnRef idx="1">
+            <a:schemeClr val="dk1"/>
+          </a:lnRef>
+          <a:fillRef idx="2">
+            <a:schemeClr val="dk1"/>
+          </a:fillRef>
+          <a:effectRef idx="1">
+            <a:schemeClr val="dk1"/>
+          </a:effectRef>
+          <a:fontRef idx="minor">
+            <a:schemeClr val="dk1"/>
+          </a:fontRef>
+        </p:style>
+        <p:txBody>
+          <a:bodyPr rtlCol="0" anchor="ctr"/>
+          <a:lstStyle/>
+          <a:p>
+            <a:pPr algn="ctr"/>
+            <a:r>
+              <a:rPr lang="ko-KR" altLang="en-US" sz="1100" dirty="0">
+                <a:solidFill>
+                  <a:schemeClr val="bg2">
+                    <a:lumMod val="50000"/>
+                  </a:schemeClr>
+                </a:solidFill>
+              </a:rPr>
+              <a:t>로그인</a:t>
+            </a:r>
+            <a:r>
+              <a:rPr lang="en-US" altLang="ko-KR" sz="1100" dirty="0">
+                <a:solidFill>
+                  <a:schemeClr val="bg2">
+                    <a:lumMod val="50000"/>
+                  </a:schemeClr>
+                </a:solidFill>
+              </a:rPr>
+              <a:t>, </a:t>
+            </a:r>
+            <a:r>
+              <a:rPr lang="ko-KR" altLang="en-US" sz="1100" dirty="0">
+                <a:solidFill>
+                  <a:schemeClr val="bg2">
+                    <a:lumMod val="50000"/>
+                  </a:schemeClr>
+                </a:solidFill>
+              </a:rPr>
+              <a:t>아이디</a:t>
+            </a:r>
+            <a:r>
+              <a:rPr lang="en-US" altLang="ko-KR" sz="1100" dirty="0">
+                <a:solidFill>
+                  <a:schemeClr val="bg2">
+                    <a:lumMod val="50000"/>
+                  </a:schemeClr>
+                </a:solidFill>
+              </a:rPr>
+              <a:t>/</a:t>
+            </a:r>
+            <a:r>
+              <a:rPr lang="ko-KR" altLang="en-US" sz="1100" dirty="0">
+                <a:solidFill>
+                  <a:schemeClr val="bg2">
+                    <a:lumMod val="50000"/>
+                  </a:schemeClr>
+                </a:solidFill>
+              </a:rPr>
+              <a:t>비밀번호 찾기</a:t>
+            </a:r>
+            <a:endParaRPr lang="en-US" sz="1100" dirty="0">
+              <a:solidFill>
+                <a:schemeClr val="bg2">
+                  <a:lumMod val="50000"/>
+                </a:schemeClr>
+              </a:solidFill>
+            </a:endParaRPr>
+          </a:p>
+        </p:txBody>
+      </p:sp>
+      <p:sp>
+        <p:nvSpPr>
+          <p:cNvPr id="8" name="사각형: 둥근 모서리 7">
+            <a:extLst>
+              <a:ext uri="{FF2B5EF4-FFF2-40B4-BE49-F238E27FC236}">
+                <a16:creationId xmlns:a16="http://schemas.microsoft.com/office/drawing/2014/main" id="{C33E4575-EE79-4DC4-88D9-9CEB5F39ADAB}"/>
+              </a:ext>
+            </a:extLst>
+          </p:cNvPr>
+          <p:cNvSpPr/>
+          <p:nvPr/>
+        </p:nvSpPr>
+        <p:spPr>
+          <a:xfrm>
+            <a:off x="602427" y="1680365"/>
+            <a:ext cx="1592131" cy="283990"/>
+          </a:xfrm>
+          <a:prstGeom prst="roundRect">
+            <a:avLst/>
+          </a:prstGeom>
+        </p:spPr>
+        <p:style>
+          <a:lnRef idx="3">
+            <a:schemeClr val="lt1"/>
+          </a:lnRef>
+          <a:fillRef idx="1">
+            <a:schemeClr val="dk1"/>
+          </a:fillRef>
+          <a:effectRef idx="1">
+            <a:schemeClr val="dk1"/>
+          </a:effectRef>
+          <a:fontRef idx="minor">
+            <a:schemeClr val="lt1"/>
+          </a:fontRef>
+        </p:style>
+        <p:txBody>
+          <a:bodyPr rtlCol="0" anchor="ctr"/>
+          <a:lstStyle/>
+          <a:p>
+            <a:pPr algn="ctr"/>
+            <a:r>
+              <a:rPr lang="ko-KR" altLang="en-US"/>
+              <a:t>회원가입</a:t>
+            </a:r>
+            <a:endParaRPr lang="en-US" dirty="0"/>
+          </a:p>
+        </p:txBody>
+      </p:sp>
+      <p:sp>
+        <p:nvSpPr>
+          <p:cNvPr id="10" name="사각형: 둥근 모서리 9">
+            <a:extLst>
+              <a:ext uri="{FF2B5EF4-FFF2-40B4-BE49-F238E27FC236}">
+                <a16:creationId xmlns:a16="http://schemas.microsoft.com/office/drawing/2014/main" id="{CB4F6DAA-D79E-4CA6-A609-90E004BE5336}"/>
+              </a:ext>
+            </a:extLst>
+          </p:cNvPr>
+          <p:cNvSpPr/>
+          <p:nvPr/>
+        </p:nvSpPr>
+        <p:spPr>
+          <a:xfrm>
+            <a:off x="602427" y="2134354"/>
+            <a:ext cx="1592131" cy="283990"/>
+          </a:xfrm>
+          <a:prstGeom prst="roundRect">
+            <a:avLst/>
+          </a:prstGeom>
+        </p:spPr>
+        <p:style>
+          <a:lnRef idx="3">
+            <a:schemeClr val="lt1"/>
+          </a:lnRef>
+          <a:fillRef idx="1">
+            <a:schemeClr val="dk1"/>
+          </a:fillRef>
+          <a:effectRef idx="1">
+            <a:schemeClr val="dk1"/>
+          </a:effectRef>
+          <a:fontRef idx="minor">
+            <a:schemeClr val="lt1"/>
+          </a:fontRef>
+        </p:style>
+        <p:txBody>
+          <a:bodyPr rtlCol="0" anchor="ctr"/>
+          <a:lstStyle/>
+          <a:p>
+            <a:pPr algn="ctr"/>
+            <a:r>
+              <a:rPr lang="ko-KR" altLang="en-US" dirty="0"/>
+              <a:t>추천 여행지</a:t>
+            </a:r>
+            <a:endParaRPr lang="en-US" dirty="0"/>
+          </a:p>
+        </p:txBody>
+      </p:sp>
+      <p:sp>
+        <p:nvSpPr>
+          <p:cNvPr id="11" name="직사각형 10">
+            <a:extLst>
+              <a:ext uri="{FF2B5EF4-FFF2-40B4-BE49-F238E27FC236}">
+                <a16:creationId xmlns:a16="http://schemas.microsoft.com/office/drawing/2014/main" id="{7FEE10A3-2C8D-41F1-9EE0-A0A04C5A49D9}"/>
+              </a:ext>
+            </a:extLst>
+          </p:cNvPr>
+          <p:cNvSpPr/>
+          <p:nvPr/>
+        </p:nvSpPr>
+        <p:spPr>
+          <a:xfrm>
+            <a:off x="2413341" y="2134354"/>
+            <a:ext cx="3804580" cy="368989"/>
+          </a:xfrm>
+          <a:prstGeom prst="rect">
+            <a:avLst/>
+          </a:prstGeom>
+        </p:spPr>
+        <p:style>
+          <a:lnRef idx="1">
+            <a:schemeClr val="dk1"/>
+          </a:lnRef>
+          <a:fillRef idx="2">
+            <a:schemeClr val="dk1"/>
+          </a:fillRef>
+          <a:effectRef idx="1">
+            <a:schemeClr val="dk1"/>
+          </a:effectRef>
+          <a:fontRef idx="minor">
+            <a:schemeClr val="dk1"/>
+          </a:fontRef>
+        </p:style>
+        <p:txBody>
+          <a:bodyPr rtlCol="0" anchor="ctr"/>
+          <a:lstStyle/>
+          <a:p>
+            <a:pPr algn="ctr"/>
+            <a:r>
+              <a:rPr lang="ko-KR" altLang="en-US" sz="1100" dirty="0">
+                <a:solidFill>
+                  <a:schemeClr val="bg2">
+                    <a:lumMod val="50000"/>
+                  </a:schemeClr>
+                </a:solidFill>
+              </a:rPr>
+              <a:t>여행지 검색</a:t>
+            </a:r>
+            <a:r>
+              <a:rPr lang="en-US" altLang="ko-KR" sz="1100" dirty="0">
+                <a:solidFill>
+                  <a:schemeClr val="bg2">
+                    <a:lumMod val="50000"/>
+                  </a:schemeClr>
+                </a:solidFill>
+              </a:rPr>
+              <a:t>, </a:t>
+            </a:r>
+            <a:r>
+              <a:rPr lang="ko-KR" altLang="en-US" sz="1100" dirty="0">
+                <a:solidFill>
+                  <a:schemeClr val="bg2">
+                    <a:lumMod val="50000"/>
+                  </a:schemeClr>
+                </a:solidFill>
+              </a:rPr>
+              <a:t>여행지 상세</a:t>
+            </a:r>
+            <a:r>
+              <a:rPr lang="en-US" altLang="ko-KR" sz="1100" dirty="0">
+                <a:solidFill>
+                  <a:schemeClr val="bg2">
+                    <a:lumMod val="50000"/>
+                  </a:schemeClr>
+                </a:solidFill>
+              </a:rPr>
+              <a:t>, </a:t>
+            </a:r>
+            <a:r>
+              <a:rPr lang="ko-KR" altLang="en-US" sz="1100" dirty="0">
+                <a:solidFill>
+                  <a:schemeClr val="bg2">
+                    <a:lumMod val="50000"/>
+                  </a:schemeClr>
+                </a:solidFill>
+              </a:rPr>
+              <a:t>길 찾기</a:t>
+            </a:r>
+            <a:endParaRPr lang="en-US" sz="1100" dirty="0">
+              <a:solidFill>
+                <a:schemeClr val="bg2">
+                  <a:lumMod val="50000"/>
+                </a:schemeClr>
+              </a:solidFill>
+            </a:endParaRPr>
+          </a:p>
+        </p:txBody>
+      </p:sp>
+      <p:sp>
+        <p:nvSpPr>
+          <p:cNvPr id="12" name="사각형: 둥근 모서리 11">
+            <a:extLst>
+              <a:ext uri="{FF2B5EF4-FFF2-40B4-BE49-F238E27FC236}">
+                <a16:creationId xmlns:a16="http://schemas.microsoft.com/office/drawing/2014/main" id="{DA280155-C7AE-4898-8C2A-CFBE824F4CA0}"/>
+              </a:ext>
+            </a:extLst>
+          </p:cNvPr>
+          <p:cNvSpPr/>
+          <p:nvPr/>
+        </p:nvSpPr>
+        <p:spPr>
+          <a:xfrm>
+            <a:off x="602427" y="2588343"/>
+            <a:ext cx="1592131" cy="552890"/>
+          </a:xfrm>
+          <a:prstGeom prst="roundRect">
+            <a:avLst/>
+          </a:prstGeom>
+        </p:spPr>
+        <p:style>
+          <a:lnRef idx="3">
+            <a:schemeClr val="lt1"/>
+          </a:lnRef>
+          <a:fillRef idx="1">
+            <a:schemeClr val="dk1"/>
+          </a:fillRef>
+          <a:effectRef idx="1">
+            <a:schemeClr val="dk1"/>
+          </a:effectRef>
+          <a:fontRef idx="minor">
+            <a:schemeClr val="lt1"/>
+          </a:fontRef>
+        </p:style>
+        <p:txBody>
+          <a:bodyPr rtlCol="0" anchor="ctr"/>
+          <a:lstStyle/>
+          <a:p>
+            <a:pPr algn="ctr"/>
+            <a:r>
+              <a:rPr lang="ko-KR" altLang="en-US"/>
+              <a:t>나만의 여행지도 만들기</a:t>
+            </a:r>
+            <a:endParaRPr lang="en-US" dirty="0"/>
+          </a:p>
+        </p:txBody>
+      </p:sp>
+      <p:sp>
+        <p:nvSpPr>
+          <p:cNvPr id="13" name="직사각형 12">
+            <a:extLst>
+              <a:ext uri="{FF2B5EF4-FFF2-40B4-BE49-F238E27FC236}">
+                <a16:creationId xmlns:a16="http://schemas.microsoft.com/office/drawing/2014/main" id="{025822CF-5F31-4571-B1FF-25D89DAC597E}"/>
+              </a:ext>
+            </a:extLst>
+          </p:cNvPr>
+          <p:cNvSpPr/>
+          <p:nvPr/>
+        </p:nvSpPr>
+        <p:spPr>
+          <a:xfrm>
+            <a:off x="2413341" y="2680293"/>
+            <a:ext cx="3804580" cy="368989"/>
+          </a:xfrm>
+          <a:prstGeom prst="rect">
+            <a:avLst/>
+          </a:prstGeom>
+        </p:spPr>
+        <p:style>
+          <a:lnRef idx="1">
+            <a:schemeClr val="dk1"/>
+          </a:lnRef>
+          <a:fillRef idx="2">
+            <a:schemeClr val="dk1"/>
+          </a:fillRef>
+          <a:effectRef idx="1">
+            <a:schemeClr val="dk1"/>
+          </a:effectRef>
+          <a:fontRef idx="minor">
+            <a:schemeClr val="dk1"/>
+          </a:fontRef>
+        </p:style>
+        <p:txBody>
+          <a:bodyPr rtlCol="0" anchor="ctr"/>
+          <a:lstStyle/>
+          <a:p>
+            <a:pPr algn="ctr"/>
+            <a:r>
+              <a:rPr lang="ko-KR" altLang="en-US" sz="1100" dirty="0">
+                <a:solidFill>
+                  <a:schemeClr val="bg2">
+                    <a:lumMod val="50000"/>
+                  </a:schemeClr>
+                </a:solidFill>
+              </a:rPr>
+              <a:t>나만의 여행지도 작성</a:t>
+            </a:r>
+            <a:endParaRPr lang="en-US" sz="1100" dirty="0">
+              <a:solidFill>
+                <a:schemeClr val="bg2">
+                  <a:lumMod val="50000"/>
+                </a:schemeClr>
+              </a:solidFill>
+            </a:endParaRPr>
+          </a:p>
+        </p:txBody>
+      </p:sp>
+      <p:sp>
+        <p:nvSpPr>
+          <p:cNvPr id="14" name="사각형: 둥근 모서리 13">
+            <a:extLst>
+              <a:ext uri="{FF2B5EF4-FFF2-40B4-BE49-F238E27FC236}">
+                <a16:creationId xmlns:a16="http://schemas.microsoft.com/office/drawing/2014/main" id="{9FB83B90-D9A3-45EC-B185-E2C7B4115D76}"/>
+              </a:ext>
+            </a:extLst>
+          </p:cNvPr>
+          <p:cNvSpPr/>
+          <p:nvPr/>
+        </p:nvSpPr>
+        <p:spPr>
+          <a:xfrm>
+            <a:off x="602426" y="3343506"/>
+            <a:ext cx="1592131" cy="295833"/>
+          </a:xfrm>
+          <a:prstGeom prst="roundRect">
+            <a:avLst/>
+          </a:prstGeom>
+        </p:spPr>
+        <p:style>
+          <a:lnRef idx="3">
+            <a:schemeClr val="lt1"/>
+          </a:lnRef>
+          <a:fillRef idx="1">
+            <a:schemeClr val="dk1"/>
+          </a:fillRef>
+          <a:effectRef idx="1">
+            <a:schemeClr val="dk1"/>
+          </a:effectRef>
+          <a:fontRef idx="minor">
+            <a:schemeClr val="lt1"/>
+          </a:fontRef>
+        </p:style>
+        <p:txBody>
+          <a:bodyPr rtlCol="0" anchor="ctr"/>
+          <a:lstStyle/>
+          <a:p>
+            <a:pPr algn="ctr"/>
+            <a:r>
+              <a:rPr lang="ko-KR" altLang="en-US" dirty="0" err="1"/>
+              <a:t>쪽지함</a:t>
+            </a:r>
+            <a:endParaRPr lang="en-US" dirty="0"/>
+          </a:p>
+        </p:txBody>
+      </p:sp>
+      <p:sp>
+        <p:nvSpPr>
+          <p:cNvPr id="15" name="직사각형 14">
+            <a:extLst>
+              <a:ext uri="{FF2B5EF4-FFF2-40B4-BE49-F238E27FC236}">
+                <a16:creationId xmlns:a16="http://schemas.microsoft.com/office/drawing/2014/main" id="{98450052-AA05-47E5-8F0F-08CA4F0374A7}"/>
+              </a:ext>
+            </a:extLst>
+          </p:cNvPr>
+          <p:cNvSpPr/>
+          <p:nvPr/>
+        </p:nvSpPr>
+        <p:spPr>
+          <a:xfrm>
+            <a:off x="2413341" y="3306927"/>
+            <a:ext cx="3804580" cy="368989"/>
+          </a:xfrm>
+          <a:prstGeom prst="rect">
+            <a:avLst/>
+          </a:prstGeom>
+        </p:spPr>
+        <p:style>
+          <a:lnRef idx="1">
+            <a:schemeClr val="dk1"/>
+          </a:lnRef>
+          <a:fillRef idx="2">
+            <a:schemeClr val="dk1"/>
+          </a:fillRef>
+          <a:effectRef idx="1">
+            <a:schemeClr val="dk1"/>
+          </a:effectRef>
+          <a:fontRef idx="minor">
+            <a:schemeClr val="dk1"/>
+          </a:fontRef>
+        </p:style>
+        <p:txBody>
+          <a:bodyPr rtlCol="0" anchor="ctr"/>
+          <a:lstStyle/>
+          <a:p>
+            <a:pPr algn="ctr"/>
+            <a:r>
+              <a:rPr lang="ko-KR" altLang="en-US" sz="1100" dirty="0">
+                <a:solidFill>
+                  <a:schemeClr val="bg2">
+                    <a:lumMod val="50000"/>
+                  </a:schemeClr>
+                </a:solidFill>
+              </a:rPr>
+              <a:t>쪽지 작성</a:t>
+            </a:r>
+            <a:r>
+              <a:rPr lang="en-US" altLang="ko-KR" sz="1100" dirty="0">
+                <a:solidFill>
+                  <a:schemeClr val="bg2">
+                    <a:lumMod val="50000"/>
+                  </a:schemeClr>
+                </a:solidFill>
+              </a:rPr>
+              <a:t>, </a:t>
+            </a:r>
+            <a:r>
+              <a:rPr lang="ko-KR" altLang="en-US" sz="1100" dirty="0" err="1">
+                <a:solidFill>
+                  <a:schemeClr val="bg2">
+                    <a:lumMod val="50000"/>
+                  </a:schemeClr>
+                </a:solidFill>
+              </a:rPr>
+              <a:t>쪽시</a:t>
+            </a:r>
+            <a:r>
+              <a:rPr lang="ko-KR" altLang="en-US" sz="1100" dirty="0">
+                <a:solidFill>
+                  <a:schemeClr val="bg2">
+                    <a:lumMod val="50000"/>
+                  </a:schemeClr>
+                </a:solidFill>
+              </a:rPr>
+              <a:t> 삭제</a:t>
+            </a:r>
+            <a:r>
+              <a:rPr lang="en-US" altLang="ko-KR" sz="1100" dirty="0">
+                <a:solidFill>
+                  <a:schemeClr val="bg2">
+                    <a:lumMod val="50000"/>
+                  </a:schemeClr>
+                </a:solidFill>
+              </a:rPr>
+              <a:t>, </a:t>
+            </a:r>
+            <a:r>
+              <a:rPr lang="ko-KR" altLang="en-US" sz="1100" dirty="0">
+                <a:solidFill>
+                  <a:schemeClr val="bg2">
+                    <a:lumMod val="50000"/>
+                  </a:schemeClr>
+                </a:solidFill>
+              </a:rPr>
+              <a:t>쪽지 읽기</a:t>
+            </a:r>
+            <a:endParaRPr lang="en-US" sz="1100" dirty="0">
+              <a:solidFill>
+                <a:schemeClr val="bg2">
+                  <a:lumMod val="50000"/>
+                </a:schemeClr>
+              </a:solidFill>
+            </a:endParaRPr>
+          </a:p>
+        </p:txBody>
+      </p:sp>
+      <p:sp>
+        <p:nvSpPr>
+          <p:cNvPr id="16" name="사각형: 둥근 모서리 15">
+            <a:extLst>
+              <a:ext uri="{FF2B5EF4-FFF2-40B4-BE49-F238E27FC236}">
+                <a16:creationId xmlns:a16="http://schemas.microsoft.com/office/drawing/2014/main" id="{1349EB27-4707-4826-A51F-AF0B141523B5}"/>
+              </a:ext>
+            </a:extLst>
+          </p:cNvPr>
+          <p:cNvSpPr/>
+          <p:nvPr/>
+        </p:nvSpPr>
+        <p:spPr>
+          <a:xfrm>
+            <a:off x="602426" y="3852374"/>
+            <a:ext cx="1592131" cy="295833"/>
+          </a:xfrm>
+          <a:prstGeom prst="roundRect">
+            <a:avLst/>
+          </a:prstGeom>
+        </p:spPr>
+        <p:style>
+          <a:lnRef idx="3">
+            <a:schemeClr val="lt1"/>
+          </a:lnRef>
+          <a:fillRef idx="1">
+            <a:schemeClr val="dk1"/>
+          </a:fillRef>
+          <a:effectRef idx="1">
+            <a:schemeClr val="dk1"/>
+          </a:effectRef>
+          <a:fontRef idx="minor">
+            <a:schemeClr val="lt1"/>
+          </a:fontRef>
+        </p:style>
+        <p:txBody>
+          <a:bodyPr rtlCol="0" anchor="ctr"/>
+          <a:lstStyle/>
+          <a:p>
+            <a:pPr algn="ctr"/>
+            <a:r>
+              <a:rPr lang="ko-KR" altLang="en-US" dirty="0"/>
+              <a:t>마이페이지</a:t>
+            </a:r>
+            <a:endParaRPr lang="en-US" dirty="0"/>
+          </a:p>
+        </p:txBody>
+      </p:sp>
+      <p:sp>
+        <p:nvSpPr>
+          <p:cNvPr id="17" name="직사각형 16">
+            <a:extLst>
+              <a:ext uri="{FF2B5EF4-FFF2-40B4-BE49-F238E27FC236}">
+                <a16:creationId xmlns:a16="http://schemas.microsoft.com/office/drawing/2014/main" id="{B21D3417-9358-4C5E-A1BA-AB9EB8596D0B}"/>
+              </a:ext>
+            </a:extLst>
+          </p:cNvPr>
+          <p:cNvSpPr/>
+          <p:nvPr/>
+        </p:nvSpPr>
+        <p:spPr>
+          <a:xfrm>
+            <a:off x="2413341" y="3798646"/>
+            <a:ext cx="3804580" cy="368989"/>
+          </a:xfrm>
+          <a:prstGeom prst="rect">
+            <a:avLst/>
+          </a:prstGeom>
+        </p:spPr>
+        <p:style>
+          <a:lnRef idx="1">
+            <a:schemeClr val="dk1"/>
+          </a:lnRef>
+          <a:fillRef idx="2">
+            <a:schemeClr val="dk1"/>
+          </a:fillRef>
+          <a:effectRef idx="1">
+            <a:schemeClr val="dk1"/>
+          </a:effectRef>
+          <a:fontRef idx="minor">
+            <a:schemeClr val="dk1"/>
+          </a:fontRef>
+        </p:style>
+        <p:txBody>
+          <a:bodyPr rtlCol="0" anchor="ctr"/>
+          <a:lstStyle/>
+          <a:p>
+            <a:pPr algn="ctr"/>
+            <a:r>
+              <a:rPr lang="ko-KR" altLang="en-US" sz="1100" dirty="0">
+                <a:solidFill>
+                  <a:schemeClr val="bg2">
+                    <a:lumMod val="50000"/>
+                  </a:schemeClr>
+                </a:solidFill>
+              </a:rPr>
+              <a:t>나만의 여행지도 상세보기</a:t>
+            </a:r>
+            <a:endParaRPr lang="en-US" sz="1100" dirty="0">
+              <a:solidFill>
+                <a:schemeClr val="bg2">
+                  <a:lumMod val="50000"/>
+                </a:schemeClr>
+              </a:solidFill>
+            </a:endParaRPr>
+          </a:p>
+        </p:txBody>
+      </p:sp>
+      <p:sp>
+        <p:nvSpPr>
+          <p:cNvPr id="18" name="직사각형 17">
+            <a:extLst>
+              <a:ext uri="{FF2B5EF4-FFF2-40B4-BE49-F238E27FC236}">
+                <a16:creationId xmlns:a16="http://schemas.microsoft.com/office/drawing/2014/main" id="{5D06DD73-CF42-4720-B3A9-792B0D378D14}"/>
+              </a:ext>
+            </a:extLst>
+          </p:cNvPr>
+          <p:cNvSpPr/>
+          <p:nvPr/>
+        </p:nvSpPr>
+        <p:spPr>
+          <a:xfrm>
+            <a:off x="2413340" y="1706741"/>
+            <a:ext cx="2158659" cy="283989"/>
+          </a:xfrm>
+          <a:prstGeom prst="rect">
+            <a:avLst/>
+          </a:prstGeom>
+        </p:spPr>
+        <p:style>
+          <a:lnRef idx="1">
+            <a:schemeClr val="dk1"/>
+          </a:lnRef>
+          <a:fillRef idx="2">
+            <a:schemeClr val="dk1"/>
+          </a:fillRef>
+          <a:effectRef idx="1">
+            <a:schemeClr val="dk1"/>
+          </a:effectRef>
+          <a:fontRef idx="minor">
+            <a:schemeClr val="dk1"/>
+          </a:fontRef>
+        </p:style>
+        <p:txBody>
+          <a:bodyPr rtlCol="0" anchor="ctr"/>
+          <a:lstStyle/>
+          <a:p>
+            <a:pPr algn="ctr"/>
+            <a:r>
+              <a:rPr lang="ko-KR" altLang="en-US" sz="1100" dirty="0">
+                <a:solidFill>
+                  <a:schemeClr val="bg2">
+                    <a:lumMod val="50000"/>
+                  </a:schemeClr>
+                </a:solidFill>
+              </a:rPr>
+              <a:t>회원가입</a:t>
+            </a:r>
+            <a:endParaRPr lang="en-US" sz="1100" dirty="0">
+              <a:solidFill>
+                <a:schemeClr val="bg2">
+                  <a:lumMod val="50000"/>
+                </a:schemeClr>
+              </a:solidFill>
+            </a:endParaRPr>
+          </a:p>
+        </p:txBody>
+      </p:sp>
+      <p:sp>
+        <p:nvSpPr>
+          <p:cNvPr id="19" name="사각형: 둥근 모서리 18">
+            <a:extLst>
+              <a:ext uri="{FF2B5EF4-FFF2-40B4-BE49-F238E27FC236}">
+                <a16:creationId xmlns:a16="http://schemas.microsoft.com/office/drawing/2014/main" id="{21FF8A01-1683-42CF-B85A-F73C2E5C1329}"/>
+              </a:ext>
+            </a:extLst>
+          </p:cNvPr>
+          <p:cNvSpPr/>
+          <p:nvPr/>
+        </p:nvSpPr>
+        <p:spPr>
+          <a:xfrm>
+            <a:off x="602425" y="4302331"/>
+            <a:ext cx="1592131" cy="295833"/>
+          </a:xfrm>
+          <a:prstGeom prst="roundRect">
+            <a:avLst/>
+          </a:prstGeom>
+        </p:spPr>
+        <p:style>
+          <a:lnRef idx="3">
+            <a:schemeClr val="lt1"/>
+          </a:lnRef>
+          <a:fillRef idx="1">
+            <a:schemeClr val="dk1"/>
+          </a:fillRef>
+          <a:effectRef idx="1">
+            <a:schemeClr val="dk1"/>
+          </a:effectRef>
+          <a:fontRef idx="minor">
+            <a:schemeClr val="lt1"/>
+          </a:fontRef>
+        </p:style>
+        <p:txBody>
+          <a:bodyPr rtlCol="0" anchor="ctr"/>
+          <a:lstStyle/>
+          <a:p>
+            <a:pPr algn="ctr"/>
+            <a:r>
+              <a:rPr lang="ko-KR" altLang="en-US" dirty="0"/>
+              <a:t>여행 후기 공유</a:t>
+            </a:r>
+            <a:endParaRPr lang="en-US" dirty="0"/>
+          </a:p>
+        </p:txBody>
+      </p:sp>
+      <p:sp>
+        <p:nvSpPr>
+          <p:cNvPr id="20" name="직사각형 19">
+            <a:extLst>
+              <a:ext uri="{FF2B5EF4-FFF2-40B4-BE49-F238E27FC236}">
+                <a16:creationId xmlns:a16="http://schemas.microsoft.com/office/drawing/2014/main" id="{F6951ED9-5F65-4522-B660-7D8F16BE9044}"/>
+              </a:ext>
+            </a:extLst>
+          </p:cNvPr>
+          <p:cNvSpPr/>
+          <p:nvPr/>
+        </p:nvSpPr>
+        <p:spPr>
+          <a:xfrm>
+            <a:off x="2413340" y="4290365"/>
+            <a:ext cx="3804580" cy="368989"/>
+          </a:xfrm>
+          <a:prstGeom prst="rect">
+            <a:avLst/>
+          </a:prstGeom>
+        </p:spPr>
+        <p:style>
+          <a:lnRef idx="1">
+            <a:schemeClr val="dk1"/>
+          </a:lnRef>
+          <a:fillRef idx="2">
+            <a:schemeClr val="dk1"/>
+          </a:fillRef>
+          <a:effectRef idx="1">
+            <a:schemeClr val="dk1"/>
+          </a:effectRef>
+          <a:fontRef idx="minor">
+            <a:schemeClr val="dk1"/>
+          </a:fontRef>
+        </p:style>
+        <p:txBody>
+          <a:bodyPr rtlCol="0" anchor="ctr"/>
+          <a:lstStyle/>
+          <a:p>
+            <a:pPr algn="ctr"/>
+            <a:r>
+              <a:rPr lang="ko-KR" altLang="en-US" sz="1100" dirty="0">
+                <a:solidFill>
+                  <a:schemeClr val="bg2">
+                    <a:lumMod val="50000"/>
+                  </a:schemeClr>
+                </a:solidFill>
+              </a:rPr>
+              <a:t>게시글</a:t>
+            </a:r>
+            <a:r>
+              <a:rPr lang="en-US" altLang="ko-KR" sz="1100" dirty="0">
+                <a:solidFill>
+                  <a:schemeClr val="bg2">
+                    <a:lumMod val="50000"/>
+                  </a:schemeClr>
+                </a:solidFill>
+              </a:rPr>
+              <a:t>/</a:t>
+            </a:r>
+            <a:r>
+              <a:rPr lang="ko-KR" altLang="en-US" sz="1100" dirty="0">
+                <a:solidFill>
+                  <a:schemeClr val="bg2">
+                    <a:lumMod val="50000"/>
+                  </a:schemeClr>
+                </a:solidFill>
+              </a:rPr>
+              <a:t>댓글 등록</a:t>
+            </a:r>
+            <a:r>
+              <a:rPr lang="en-US" altLang="ko-KR" sz="1100" dirty="0">
+                <a:solidFill>
+                  <a:schemeClr val="bg2">
+                    <a:lumMod val="50000"/>
+                  </a:schemeClr>
+                </a:solidFill>
+              </a:rPr>
+              <a:t>, </a:t>
+            </a:r>
+            <a:r>
+              <a:rPr lang="ko-KR" altLang="en-US" sz="1100" dirty="0">
+                <a:solidFill>
+                  <a:schemeClr val="bg2">
+                    <a:lumMod val="50000"/>
+                  </a:schemeClr>
+                </a:solidFill>
+              </a:rPr>
+              <a:t>수정</a:t>
+            </a:r>
+            <a:r>
+              <a:rPr lang="en-US" altLang="ko-KR" sz="1100" dirty="0">
+                <a:solidFill>
+                  <a:schemeClr val="bg2">
+                    <a:lumMod val="50000"/>
+                  </a:schemeClr>
+                </a:solidFill>
+              </a:rPr>
+              <a:t>, </a:t>
+            </a:r>
+            <a:r>
+              <a:rPr lang="ko-KR" altLang="en-US" sz="1100" dirty="0">
+                <a:solidFill>
+                  <a:schemeClr val="bg2">
+                    <a:lumMod val="50000"/>
+                  </a:schemeClr>
+                </a:solidFill>
+              </a:rPr>
+              <a:t>삭제</a:t>
+            </a:r>
+            <a:r>
+              <a:rPr lang="en-US" altLang="ko-KR" sz="1100" dirty="0">
+                <a:solidFill>
+                  <a:schemeClr val="bg2">
+                    <a:lumMod val="50000"/>
+                  </a:schemeClr>
+                </a:solidFill>
+              </a:rPr>
+              <a:t> </a:t>
+            </a:r>
+            <a:endParaRPr lang="en-US" sz="1100" dirty="0">
+              <a:solidFill>
+                <a:schemeClr val="bg2">
+                  <a:lumMod val="50000"/>
+                </a:schemeClr>
+              </a:solidFill>
+            </a:endParaRPr>
+          </a:p>
+        </p:txBody>
+      </p:sp>
+    </p:spTree>
+    <p:extLst>
+      <p:ext uri="{BB962C8B-B14F-4D97-AF65-F5344CB8AC3E}">
+        <p14:creationId xmlns:p14="http://schemas.microsoft.com/office/powerpoint/2010/main" val="3630300557"/>
+      </p:ext>
+    </p:extLst>
+  </p:cSld>
+  <p:clrMapOvr>
+    <a:masterClrMapping/>
+  </p:clrMapOvr>
+</p:sld>
+</file>
+
+<file path=ppt/slides/slide13.xml><?xml version="1.0" encoding="utf-8"?>
+<p:sld xmlns:a="http://schemas.openxmlformats.org/drawingml/2006/main" xmlns:r="http://schemas.openxmlformats.org/officeDocument/2006/relationships" xmlns:p="http://schemas.openxmlformats.org/presentationml/2006/main">
+  <p:cSld>
+    <p:spTree>
+      <p:nvGrpSpPr>
+        <p:cNvPr id="1" name="Shape 154"/>
+        <p:cNvGrpSpPr/>
+        <p:nvPr/>
+      </p:nvGrpSpPr>
+      <p:grpSpPr>
+        <a:xfrm>
+          <a:off x="0" y="0"/>
+          <a:ext cx="0" cy="0"/>
+          <a:chOff x="0" y="0"/>
+          <a:chExt cx="0" cy="0"/>
+        </a:xfrm>
+      </p:grpSpPr>
+      <p:sp>
+        <p:nvSpPr>
+          <p:cNvPr id="9" name="Google Shape;141;p15">
+            <a:extLst>
+              <a:ext uri="{FF2B5EF4-FFF2-40B4-BE49-F238E27FC236}">
+                <a16:creationId xmlns:a16="http://schemas.microsoft.com/office/drawing/2014/main" id="{62234D79-D6F6-473D-A43C-A5CA1D583787}"/>
+              </a:ext>
+            </a:extLst>
+          </p:cNvPr>
+          <p:cNvSpPr txBox="1">
+            <a:spLocks noGrp="1"/>
+          </p:cNvSpPr>
+          <p:nvPr>
+            <p:ph type="title"/>
+          </p:nvPr>
+        </p:nvSpPr>
+        <p:spPr>
+          <a:xfrm>
+            <a:off x="455449" y="404129"/>
             <a:ext cx="1158198" cy="564059"/>
           </a:xfrm>
           <a:prstGeom prst="rect">
@@ -11123,7 +13538,7 @@
 </p:sld>
 </file>
 
-<file path=ppt/slides/slide11.xml><?xml version="1.0" encoding="utf-8"?>
+<file path=ppt/slides/slide14.xml><?xml version="1.0" encoding="utf-8"?>
 <p:sld xmlns:a="http://schemas.openxmlformats.org/drawingml/2006/main" xmlns:r="http://schemas.openxmlformats.org/officeDocument/2006/relationships" xmlns:p="http://schemas.openxmlformats.org/presentationml/2006/main">
   <p:cSld>
     <p:spTree>
@@ -11497,7 +13912,7 @@
 </p:sld>
 </file>
 
-<file path=ppt/slides/slide12.xml><?xml version="1.0" encoding="utf-8"?>
+<file path=ppt/slides/slide15.xml><?xml version="1.0" encoding="utf-8"?>
 <p:sld xmlns:a="http://schemas.openxmlformats.org/drawingml/2006/main" xmlns:r="http://schemas.openxmlformats.org/officeDocument/2006/relationships" xmlns:p="http://schemas.openxmlformats.org/presentationml/2006/main">
   <p:cSld>
     <p:spTree>
@@ -11891,7 +14306,7 @@
 </p:sld>
 </file>
 
-<file path=ppt/slides/slide13.xml><?xml version="1.0" encoding="utf-8"?>
+<file path=ppt/slides/slide16.xml><?xml version="1.0" encoding="utf-8"?>
 <p:sld xmlns:a="http://schemas.openxmlformats.org/drawingml/2006/main" xmlns:r="http://schemas.openxmlformats.org/officeDocument/2006/relationships" xmlns:p="http://schemas.openxmlformats.org/presentationml/2006/main">
   <p:cSld>
     <p:spTree>
@@ -12277,7 +14692,7 @@
 </p:sld>
 </file>
 
-<file path=ppt/slides/slide14.xml><?xml version="1.0" encoding="utf-8"?>
+<file path=ppt/slides/slide17.xml><?xml version="1.0" encoding="utf-8"?>
 <p:sld xmlns:a="http://schemas.openxmlformats.org/drawingml/2006/main" xmlns:r="http://schemas.openxmlformats.org/officeDocument/2006/relationships" xmlns:p="http://schemas.openxmlformats.org/presentationml/2006/main">
   <p:cSld>
     <p:spTree>
@@ -12699,7 +15114,7 @@
 </p:sld>
 </file>
 
-<file path=ppt/slides/slide15.xml><?xml version="1.0" encoding="utf-8"?>
+<file path=ppt/slides/slide18.xml><?xml version="1.0" encoding="utf-8"?>
 <p:sld xmlns:a="http://schemas.openxmlformats.org/drawingml/2006/main" xmlns:r="http://schemas.openxmlformats.org/officeDocument/2006/relationships" xmlns:p="http://schemas.openxmlformats.org/presentationml/2006/main">
   <p:cSld>
     <p:spTree>
@@ -13001,7 +15416,7 @@
 </p:sld>
 </file>
 
-<file path=ppt/slides/slide16.xml><?xml version="1.0" encoding="utf-8"?>
+<file path=ppt/slides/slide19.xml><?xml version="1.0" encoding="utf-8"?>
 <p:sld xmlns:a="http://schemas.openxmlformats.org/drawingml/2006/main" xmlns:r="http://schemas.openxmlformats.org/officeDocument/2006/relationships" xmlns:p="http://schemas.openxmlformats.org/presentationml/2006/main">
   <p:cSld>
     <p:spTree>
@@ -13221,7 +15636,318 @@
 </p:sld>
 </file>
 
-<file path=ppt/slides/slide17.xml><?xml version="1.0" encoding="utf-8"?>
+<file path=ppt/slides/slide2.xml><?xml version="1.0" encoding="utf-8"?>
+<p:sld xmlns:a="http://schemas.openxmlformats.org/drawingml/2006/main" xmlns:r="http://schemas.openxmlformats.org/officeDocument/2006/relationships" xmlns:p="http://schemas.openxmlformats.org/presentationml/2006/main">
+  <p:cSld>
+    <p:spTree>
+      <p:nvGrpSpPr>
+        <p:cNvPr id="1" name="Shape 133"/>
+        <p:cNvGrpSpPr/>
+        <p:nvPr/>
+      </p:nvGrpSpPr>
+      <p:grpSpPr>
+        <a:xfrm>
+          <a:off x="0" y="0"/>
+          <a:ext cx="0" cy="0"/>
+          <a:chOff x="0" y="0"/>
+          <a:chExt cx="0" cy="0"/>
+        </a:xfrm>
+      </p:grpSpPr>
+      <p:sp>
+        <p:nvSpPr>
+          <p:cNvPr id="134" name="Google Shape;134;p14"/>
+          <p:cNvSpPr txBox="1">
+            <a:spLocks noGrp="1"/>
+          </p:cNvSpPr>
+          <p:nvPr>
+            <p:ph type="title"/>
+          </p:nvPr>
+        </p:nvSpPr>
+        <p:spPr>
+          <a:xfrm>
+            <a:off x="706475" y="2305650"/>
+            <a:ext cx="1623600" cy="532200"/>
+          </a:xfrm>
+          <a:prstGeom prst="rect">
+            <a:avLst/>
+          </a:prstGeom>
+        </p:spPr>
+        <p:txBody>
+          <a:bodyPr spcFirstLastPara="1" wrap="square" lIns="91425" tIns="91425" rIns="91425" bIns="91425" anchor="ctr" anchorCtr="0">
+            <a:noAutofit/>
+          </a:bodyPr>
+          <a:lstStyle/>
+          <a:p>
+            <a:pPr marL="0" lvl="0" indent="0" algn="ctr" rtl="0">
+              <a:spcBef>
+                <a:spcPts val="0"/>
+              </a:spcBef>
+              <a:spcAft>
+                <a:spcPts val="0"/>
+              </a:spcAft>
+              <a:buSzPts val="990"/>
+              <a:buNone/>
+            </a:pPr>
+            <a:r>
+              <a:rPr lang="ko" sz="3480" b="1" dirty="0">
+                <a:latin typeface="+mj-ea"/>
+                <a:ea typeface="+mj-ea"/>
+              </a:rPr>
+              <a:t>목차</a:t>
+            </a:r>
+            <a:endParaRPr sz="3480" b="1" dirty="0">
+              <a:latin typeface="+mj-ea"/>
+              <a:ea typeface="+mj-ea"/>
+            </a:endParaRPr>
+          </a:p>
+        </p:txBody>
+      </p:sp>
+      <p:sp>
+        <p:nvSpPr>
+          <p:cNvPr id="135" name="Google Shape;135;p14"/>
+          <p:cNvSpPr txBox="1"/>
+          <p:nvPr/>
+        </p:nvSpPr>
+        <p:spPr>
+          <a:xfrm>
+            <a:off x="2850625" y="780825"/>
+            <a:ext cx="3966000" cy="400200"/>
+          </a:xfrm>
+          <a:prstGeom prst="rect">
+            <a:avLst/>
+          </a:prstGeom>
+          <a:noFill/>
+          <a:ln>
+            <a:noFill/>
+          </a:ln>
+        </p:spPr>
+        <p:txBody>
+          <a:bodyPr spcFirstLastPara="1" wrap="square" lIns="91425" tIns="91425" rIns="91425" bIns="91425" anchor="t" anchorCtr="0">
+            <a:spAutoFit/>
+          </a:bodyPr>
+          <a:lstStyle/>
+          <a:p>
+            <a:pPr marL="0" lvl="0" indent="0" algn="l" rtl="0">
+              <a:spcBef>
+                <a:spcPts val="0"/>
+              </a:spcBef>
+              <a:spcAft>
+                <a:spcPts val="0"/>
+              </a:spcAft>
+              <a:buNone/>
+            </a:pPr>
+            <a:endParaRPr>
+              <a:latin typeface="Calibri"/>
+              <a:ea typeface="Calibri"/>
+              <a:cs typeface="Calibri"/>
+              <a:sym typeface="Calibri"/>
+            </a:endParaRPr>
+          </a:p>
+        </p:txBody>
+      </p:sp>
+      <p:sp>
+        <p:nvSpPr>
+          <p:cNvPr id="136" name="Google Shape;136;p14"/>
+          <p:cNvSpPr txBox="1"/>
+          <p:nvPr/>
+        </p:nvSpPr>
+        <p:spPr>
+          <a:xfrm>
+            <a:off x="3222450" y="1094100"/>
+            <a:ext cx="5354100" cy="2955300"/>
+          </a:xfrm>
+          <a:prstGeom prst="rect">
+            <a:avLst/>
+          </a:prstGeom>
+          <a:noFill/>
+          <a:ln>
+            <a:noFill/>
+          </a:ln>
+        </p:spPr>
+        <p:txBody>
+          <a:bodyPr spcFirstLastPara="1" wrap="square" lIns="91425" tIns="91425" rIns="91425" bIns="91425" anchor="t" anchorCtr="0">
+            <a:spAutoFit/>
+          </a:bodyPr>
+          <a:lstStyle/>
+          <a:p>
+            <a:pPr marL="457200" lvl="0" indent="-419100" algn="l" rtl="0">
+              <a:spcBef>
+                <a:spcPts val="0"/>
+              </a:spcBef>
+              <a:spcAft>
+                <a:spcPts val="0"/>
+              </a:spcAft>
+              <a:buSzPts val="3000"/>
+              <a:buFont typeface="Calibri"/>
+              <a:buAutoNum type="arabicPeriod"/>
+            </a:pPr>
+            <a:r>
+              <a:rPr lang="ko" sz="3000" dirty="0">
+                <a:latin typeface="Calibri"/>
+                <a:ea typeface="Calibri"/>
+                <a:cs typeface="Calibri"/>
+                <a:sym typeface="Calibri"/>
+              </a:rPr>
+              <a:t>기획의도</a:t>
+            </a:r>
+            <a:endParaRPr sz="3000" dirty="0">
+              <a:latin typeface="Calibri"/>
+              <a:ea typeface="Calibri"/>
+              <a:cs typeface="Calibri"/>
+              <a:sym typeface="Calibri"/>
+            </a:endParaRPr>
+          </a:p>
+          <a:p>
+            <a:pPr marL="457200" lvl="0" indent="-419100" algn="l" rtl="0">
+              <a:spcBef>
+                <a:spcPts val="0"/>
+              </a:spcBef>
+              <a:spcAft>
+                <a:spcPts val="0"/>
+              </a:spcAft>
+              <a:buSzPts val="3000"/>
+              <a:buFont typeface="Calibri"/>
+              <a:buAutoNum type="arabicPeriod"/>
+            </a:pPr>
+            <a:r>
+              <a:rPr lang="ko" sz="3000" dirty="0">
+                <a:latin typeface="Calibri"/>
+                <a:ea typeface="Calibri"/>
+                <a:cs typeface="Calibri"/>
+                <a:sym typeface="Calibri"/>
+              </a:rPr>
+              <a:t>요구사항 정의</a:t>
+            </a:r>
+            <a:endParaRPr sz="3000" dirty="0">
+              <a:latin typeface="Calibri"/>
+              <a:ea typeface="Calibri"/>
+              <a:cs typeface="Calibri"/>
+              <a:sym typeface="Calibri"/>
+            </a:endParaRPr>
+          </a:p>
+          <a:p>
+            <a:pPr marL="457200" lvl="0" indent="-419100" algn="l" rtl="0">
+              <a:spcBef>
+                <a:spcPts val="0"/>
+              </a:spcBef>
+              <a:spcAft>
+                <a:spcPts val="0"/>
+              </a:spcAft>
+              <a:buSzPts val="3000"/>
+              <a:buFont typeface="Calibri"/>
+              <a:buAutoNum type="arabicPeriod"/>
+            </a:pPr>
+            <a:r>
+              <a:rPr lang="ko" sz="3000" dirty="0">
+                <a:latin typeface="Calibri"/>
+                <a:ea typeface="Calibri"/>
+                <a:cs typeface="Calibri"/>
+                <a:sym typeface="Calibri"/>
+              </a:rPr>
+              <a:t>프로젝트 개요</a:t>
+            </a:r>
+            <a:endParaRPr sz="3000" dirty="0">
+              <a:latin typeface="Calibri"/>
+              <a:ea typeface="Calibri"/>
+              <a:cs typeface="Calibri"/>
+              <a:sym typeface="Calibri"/>
+            </a:endParaRPr>
+          </a:p>
+          <a:p>
+            <a:pPr marL="457200" lvl="0" indent="-419100" algn="l" rtl="0">
+              <a:spcBef>
+                <a:spcPts val="0"/>
+              </a:spcBef>
+              <a:spcAft>
+                <a:spcPts val="0"/>
+              </a:spcAft>
+              <a:buSzPts val="3000"/>
+              <a:buFont typeface="Calibri"/>
+              <a:buAutoNum type="arabicPeriod"/>
+            </a:pPr>
+            <a:r>
+              <a:rPr lang="ko" sz="3000" dirty="0">
+                <a:latin typeface="Calibri"/>
+                <a:ea typeface="Calibri"/>
+                <a:cs typeface="Calibri"/>
+                <a:sym typeface="Calibri"/>
+              </a:rPr>
+              <a:t>서비스 개요</a:t>
+            </a:r>
+            <a:endParaRPr sz="3000" dirty="0">
+              <a:latin typeface="Calibri"/>
+              <a:ea typeface="Calibri"/>
+              <a:cs typeface="Calibri"/>
+              <a:sym typeface="Calibri"/>
+            </a:endParaRPr>
+          </a:p>
+          <a:p>
+            <a:pPr marL="457200" lvl="0" indent="-419100" algn="l" rtl="0">
+              <a:spcBef>
+                <a:spcPts val="0"/>
+              </a:spcBef>
+              <a:spcAft>
+                <a:spcPts val="0"/>
+              </a:spcAft>
+              <a:buSzPts val="3000"/>
+              <a:buFont typeface="Calibri"/>
+              <a:buAutoNum type="arabicPeriod"/>
+            </a:pPr>
+            <a:r>
+              <a:rPr lang="ko" sz="3000" dirty="0">
+                <a:latin typeface="Calibri"/>
+                <a:ea typeface="Calibri"/>
+                <a:cs typeface="Calibri"/>
+                <a:sym typeface="Calibri"/>
+              </a:rPr>
+              <a:t>기술 상세</a:t>
+            </a:r>
+            <a:endParaRPr sz="3000" dirty="0">
+              <a:latin typeface="Calibri"/>
+              <a:ea typeface="Calibri"/>
+              <a:cs typeface="Calibri"/>
+              <a:sym typeface="Calibri"/>
+            </a:endParaRPr>
+          </a:p>
+          <a:p>
+            <a:pPr marL="457200" lvl="0" indent="-419100" algn="l" rtl="0">
+              <a:spcBef>
+                <a:spcPts val="0"/>
+              </a:spcBef>
+              <a:spcAft>
+                <a:spcPts val="0"/>
+              </a:spcAft>
+              <a:buSzPts val="3000"/>
+              <a:buFont typeface="Calibri"/>
+              <a:buAutoNum type="arabicPeriod"/>
+            </a:pPr>
+            <a:r>
+              <a:rPr lang="ko" sz="3000" dirty="0">
+                <a:latin typeface="Calibri"/>
+                <a:ea typeface="Calibri"/>
+                <a:cs typeface="Calibri"/>
+                <a:sym typeface="Calibri"/>
+              </a:rPr>
+              <a:t>시연</a:t>
+            </a:r>
+            <a:endParaRPr sz="2800" dirty="0">
+              <a:latin typeface="Calibri"/>
+              <a:ea typeface="Calibri"/>
+              <a:cs typeface="Calibri"/>
+              <a:sym typeface="Calibri"/>
+            </a:endParaRPr>
+          </a:p>
+        </p:txBody>
+      </p:sp>
+    </p:spTree>
+  </p:cSld>
+  <p:clrMapOvr>
+    <a:masterClrMapping/>
+  </p:clrMapOvr>
+</p:sld>
+</file>
+
+<file path=ppt/slides/slide20.xml><?xml version="1.0" encoding="utf-8"?>
 <p:sld xmlns:a="http://schemas.openxmlformats.org/drawingml/2006/main" xmlns:r="http://schemas.openxmlformats.org/officeDocument/2006/relationships" xmlns:p="http://schemas.openxmlformats.org/presentationml/2006/main">
   <p:cSld>
     <p:spTree>
@@ -13581,317 +16307,6 @@
 </p:sld>
 </file>
 
-<file path=ppt/slides/slide2.xml><?xml version="1.0" encoding="utf-8"?>
-<p:sld xmlns:a="http://schemas.openxmlformats.org/drawingml/2006/main" xmlns:r="http://schemas.openxmlformats.org/officeDocument/2006/relationships" xmlns:p="http://schemas.openxmlformats.org/presentationml/2006/main">
-  <p:cSld>
-    <p:spTree>
-      <p:nvGrpSpPr>
-        <p:cNvPr id="1" name="Shape 133"/>
-        <p:cNvGrpSpPr/>
-        <p:nvPr/>
-      </p:nvGrpSpPr>
-      <p:grpSpPr>
-        <a:xfrm>
-          <a:off x="0" y="0"/>
-          <a:ext cx="0" cy="0"/>
-          <a:chOff x="0" y="0"/>
-          <a:chExt cx="0" cy="0"/>
-        </a:xfrm>
-      </p:grpSpPr>
-      <p:sp>
-        <p:nvSpPr>
-          <p:cNvPr id="134" name="Google Shape;134;p14"/>
-          <p:cNvSpPr txBox="1">
-            <a:spLocks noGrp="1"/>
-          </p:cNvSpPr>
-          <p:nvPr>
-            <p:ph type="title"/>
-          </p:nvPr>
-        </p:nvSpPr>
-        <p:spPr>
-          <a:xfrm>
-            <a:off x="706475" y="2305650"/>
-            <a:ext cx="1623600" cy="532200"/>
-          </a:xfrm>
-          <a:prstGeom prst="rect">
-            <a:avLst/>
-          </a:prstGeom>
-        </p:spPr>
-        <p:txBody>
-          <a:bodyPr spcFirstLastPara="1" wrap="square" lIns="91425" tIns="91425" rIns="91425" bIns="91425" anchor="ctr" anchorCtr="0">
-            <a:noAutofit/>
-          </a:bodyPr>
-          <a:lstStyle/>
-          <a:p>
-            <a:pPr marL="0" lvl="0" indent="0" algn="ctr" rtl="0">
-              <a:spcBef>
-                <a:spcPts val="0"/>
-              </a:spcBef>
-              <a:spcAft>
-                <a:spcPts val="0"/>
-              </a:spcAft>
-              <a:buSzPts val="990"/>
-              <a:buNone/>
-            </a:pPr>
-            <a:r>
-              <a:rPr lang="ko" sz="3480" b="1" dirty="0">
-                <a:latin typeface="+mj-ea"/>
-                <a:ea typeface="+mj-ea"/>
-              </a:rPr>
-              <a:t>목차</a:t>
-            </a:r>
-            <a:endParaRPr sz="3480" b="1" dirty="0">
-              <a:latin typeface="+mj-ea"/>
-              <a:ea typeface="+mj-ea"/>
-            </a:endParaRPr>
-          </a:p>
-        </p:txBody>
-      </p:sp>
-      <p:sp>
-        <p:nvSpPr>
-          <p:cNvPr id="135" name="Google Shape;135;p14"/>
-          <p:cNvSpPr txBox="1"/>
-          <p:nvPr/>
-        </p:nvSpPr>
-        <p:spPr>
-          <a:xfrm>
-            <a:off x="2850625" y="780825"/>
-            <a:ext cx="3966000" cy="400200"/>
-          </a:xfrm>
-          <a:prstGeom prst="rect">
-            <a:avLst/>
-          </a:prstGeom>
-          <a:noFill/>
-          <a:ln>
-            <a:noFill/>
-          </a:ln>
-        </p:spPr>
-        <p:txBody>
-          <a:bodyPr spcFirstLastPara="1" wrap="square" lIns="91425" tIns="91425" rIns="91425" bIns="91425" anchor="t" anchorCtr="0">
-            <a:spAutoFit/>
-          </a:bodyPr>
-          <a:lstStyle/>
-          <a:p>
-            <a:pPr marL="0" lvl="0" indent="0" algn="l" rtl="0">
-              <a:spcBef>
-                <a:spcPts val="0"/>
-              </a:spcBef>
-              <a:spcAft>
-                <a:spcPts val="0"/>
-              </a:spcAft>
-              <a:buNone/>
-            </a:pPr>
-            <a:endParaRPr>
-              <a:latin typeface="Calibri"/>
-              <a:ea typeface="Calibri"/>
-              <a:cs typeface="Calibri"/>
-              <a:sym typeface="Calibri"/>
-            </a:endParaRPr>
-          </a:p>
-        </p:txBody>
-      </p:sp>
-      <p:sp>
-        <p:nvSpPr>
-          <p:cNvPr id="136" name="Google Shape;136;p14"/>
-          <p:cNvSpPr txBox="1"/>
-          <p:nvPr/>
-        </p:nvSpPr>
-        <p:spPr>
-          <a:xfrm>
-            <a:off x="3222450" y="1094100"/>
-            <a:ext cx="5354100" cy="2955300"/>
-          </a:xfrm>
-          <a:prstGeom prst="rect">
-            <a:avLst/>
-          </a:prstGeom>
-          <a:noFill/>
-          <a:ln>
-            <a:noFill/>
-          </a:ln>
-        </p:spPr>
-        <p:txBody>
-          <a:bodyPr spcFirstLastPara="1" wrap="square" lIns="91425" tIns="91425" rIns="91425" bIns="91425" anchor="t" anchorCtr="0">
-            <a:spAutoFit/>
-          </a:bodyPr>
-          <a:lstStyle/>
-          <a:p>
-            <a:pPr marL="457200" lvl="0" indent="-419100" algn="l" rtl="0">
-              <a:spcBef>
-                <a:spcPts val="0"/>
-              </a:spcBef>
-              <a:spcAft>
-                <a:spcPts val="0"/>
-              </a:spcAft>
-              <a:buSzPts val="3000"/>
-              <a:buFont typeface="Calibri"/>
-              <a:buAutoNum type="arabicPeriod"/>
-            </a:pPr>
-            <a:r>
-              <a:rPr lang="ko" sz="3000" dirty="0">
-                <a:latin typeface="Calibri"/>
-                <a:ea typeface="Calibri"/>
-                <a:cs typeface="Calibri"/>
-                <a:sym typeface="Calibri"/>
-              </a:rPr>
-              <a:t>기획의도</a:t>
-            </a:r>
-            <a:endParaRPr sz="3000" dirty="0">
-              <a:latin typeface="Calibri"/>
-              <a:ea typeface="Calibri"/>
-              <a:cs typeface="Calibri"/>
-              <a:sym typeface="Calibri"/>
-            </a:endParaRPr>
-          </a:p>
-          <a:p>
-            <a:pPr marL="457200" lvl="0" indent="-419100" algn="l" rtl="0">
-              <a:spcBef>
-                <a:spcPts val="0"/>
-              </a:spcBef>
-              <a:spcAft>
-                <a:spcPts val="0"/>
-              </a:spcAft>
-              <a:buSzPts val="3000"/>
-              <a:buFont typeface="Calibri"/>
-              <a:buAutoNum type="arabicPeriod"/>
-            </a:pPr>
-            <a:r>
-              <a:rPr lang="ko" sz="3000" dirty="0">
-                <a:latin typeface="Calibri"/>
-                <a:ea typeface="Calibri"/>
-                <a:cs typeface="Calibri"/>
-                <a:sym typeface="Calibri"/>
-              </a:rPr>
-              <a:t>요구사항 정의</a:t>
-            </a:r>
-            <a:endParaRPr sz="3000" dirty="0">
-              <a:latin typeface="Calibri"/>
-              <a:ea typeface="Calibri"/>
-              <a:cs typeface="Calibri"/>
-              <a:sym typeface="Calibri"/>
-            </a:endParaRPr>
-          </a:p>
-          <a:p>
-            <a:pPr marL="457200" lvl="0" indent="-419100" algn="l" rtl="0">
-              <a:spcBef>
-                <a:spcPts val="0"/>
-              </a:spcBef>
-              <a:spcAft>
-                <a:spcPts val="0"/>
-              </a:spcAft>
-              <a:buSzPts val="3000"/>
-              <a:buFont typeface="Calibri"/>
-              <a:buAutoNum type="arabicPeriod"/>
-            </a:pPr>
-            <a:r>
-              <a:rPr lang="ko" sz="3000" dirty="0">
-                <a:latin typeface="Calibri"/>
-                <a:ea typeface="Calibri"/>
-                <a:cs typeface="Calibri"/>
-                <a:sym typeface="Calibri"/>
-              </a:rPr>
-              <a:t>프로젝트 개요</a:t>
-            </a:r>
-            <a:endParaRPr sz="3000" dirty="0">
-              <a:latin typeface="Calibri"/>
-              <a:ea typeface="Calibri"/>
-              <a:cs typeface="Calibri"/>
-              <a:sym typeface="Calibri"/>
-            </a:endParaRPr>
-          </a:p>
-          <a:p>
-            <a:pPr marL="457200" lvl="0" indent="-419100" algn="l" rtl="0">
-              <a:spcBef>
-                <a:spcPts val="0"/>
-              </a:spcBef>
-              <a:spcAft>
-                <a:spcPts val="0"/>
-              </a:spcAft>
-              <a:buSzPts val="3000"/>
-              <a:buFont typeface="Calibri"/>
-              <a:buAutoNum type="arabicPeriod"/>
-            </a:pPr>
-            <a:r>
-              <a:rPr lang="ko" sz="3000" dirty="0">
-                <a:latin typeface="Calibri"/>
-                <a:ea typeface="Calibri"/>
-                <a:cs typeface="Calibri"/>
-                <a:sym typeface="Calibri"/>
-              </a:rPr>
-              <a:t>서비스 개요</a:t>
-            </a:r>
-            <a:endParaRPr sz="3000" dirty="0">
-              <a:latin typeface="Calibri"/>
-              <a:ea typeface="Calibri"/>
-              <a:cs typeface="Calibri"/>
-              <a:sym typeface="Calibri"/>
-            </a:endParaRPr>
-          </a:p>
-          <a:p>
-            <a:pPr marL="457200" lvl="0" indent="-419100" algn="l" rtl="0">
-              <a:spcBef>
-                <a:spcPts val="0"/>
-              </a:spcBef>
-              <a:spcAft>
-                <a:spcPts val="0"/>
-              </a:spcAft>
-              <a:buSzPts val="3000"/>
-              <a:buFont typeface="Calibri"/>
-              <a:buAutoNum type="arabicPeriod"/>
-            </a:pPr>
-            <a:r>
-              <a:rPr lang="ko" sz="3000" dirty="0">
-                <a:latin typeface="Calibri"/>
-                <a:ea typeface="Calibri"/>
-                <a:cs typeface="Calibri"/>
-                <a:sym typeface="Calibri"/>
-              </a:rPr>
-              <a:t>기술 상세</a:t>
-            </a:r>
-            <a:endParaRPr sz="3000" dirty="0">
-              <a:latin typeface="Calibri"/>
-              <a:ea typeface="Calibri"/>
-              <a:cs typeface="Calibri"/>
-              <a:sym typeface="Calibri"/>
-            </a:endParaRPr>
-          </a:p>
-          <a:p>
-            <a:pPr marL="457200" lvl="0" indent="-419100" algn="l" rtl="0">
-              <a:spcBef>
-                <a:spcPts val="0"/>
-              </a:spcBef>
-              <a:spcAft>
-                <a:spcPts val="0"/>
-              </a:spcAft>
-              <a:buSzPts val="3000"/>
-              <a:buFont typeface="Calibri"/>
-              <a:buAutoNum type="arabicPeriod"/>
-            </a:pPr>
-            <a:r>
-              <a:rPr lang="ko" sz="3000" dirty="0">
-                <a:latin typeface="Calibri"/>
-                <a:ea typeface="Calibri"/>
-                <a:cs typeface="Calibri"/>
-                <a:sym typeface="Calibri"/>
-              </a:rPr>
-              <a:t>시연</a:t>
-            </a:r>
-            <a:endParaRPr sz="2800" dirty="0">
-              <a:latin typeface="Calibri"/>
-              <a:ea typeface="Calibri"/>
-              <a:cs typeface="Calibri"/>
-              <a:sym typeface="Calibri"/>
-            </a:endParaRPr>
-          </a:p>
-        </p:txBody>
-      </p:sp>
-    </p:spTree>
-  </p:cSld>
-  <p:clrMapOvr>
-    <a:masterClrMapping/>
-  </p:clrMapOvr>
-</p:sld>
-</file>
-
 <file path=ppt/slides/slide3.xml><?xml version="1.0" encoding="utf-8"?>
 <p:sld xmlns:a="http://schemas.openxmlformats.org/drawingml/2006/main" xmlns:r="http://schemas.openxmlformats.org/officeDocument/2006/relationships" xmlns:p="http://schemas.openxmlformats.org/presentationml/2006/main">
   <p:cSld>
@@ -14433,14 +16848,14 @@
           <p:nvPr>
             <p:extLst>
               <p:ext uri="{D42A27DB-BD31-4B8C-83A1-F6EECF244321}">
-                <p14:modId xmlns:p14="http://schemas.microsoft.com/office/powerpoint/2010/main" val="602203052"/>
+                <p14:modId xmlns:p14="http://schemas.microsoft.com/office/powerpoint/2010/main" val="2024767677"/>
               </p:ext>
             </p:extLst>
           </p:nvPr>
         </p:nvGraphicFramePr>
         <p:xfrm>
           <a:off x="448198" y="714935"/>
-          <a:ext cx="5812753" cy="4104491"/>
+          <a:ext cx="8200951" cy="4104491"/>
         </p:xfrm>
         <a:graphic>
           <a:graphicData uri="http://schemas.openxmlformats.org/drawingml/2006/table">
@@ -14449,28 +16864,28 @@
                 <a:tableStyleId>{793D81CF-94F2-401A-BA57-92F5A7B2D0C5}</a:tableStyleId>
               </a:tblPr>
               <a:tblGrid>
-                <a:gridCol w="497847">
+                <a:gridCol w="702390">
                   <a:extLst>
                     <a:ext uri="{9D8B030D-6E8A-4147-A177-3AD203B41FA5}">
                       <a16:colId xmlns:a16="http://schemas.microsoft.com/office/drawing/2014/main" val="719932323"/>
                     </a:ext>
                   </a:extLst>
                 </a:gridCol>
-                <a:gridCol w="637866">
+                <a:gridCol w="899936">
                   <a:extLst>
                     <a:ext uri="{9D8B030D-6E8A-4147-A177-3AD203B41FA5}">
                       <a16:colId xmlns:a16="http://schemas.microsoft.com/office/drawing/2014/main" val="3010617660"/>
                     </a:ext>
                   </a:extLst>
                 </a:gridCol>
-                <a:gridCol w="1275733">
+                <a:gridCol w="1799874">
                   <a:extLst>
                     <a:ext uri="{9D8B030D-6E8A-4147-A177-3AD203B41FA5}">
                       <a16:colId xmlns:a16="http://schemas.microsoft.com/office/drawing/2014/main" val="2183790799"/>
                     </a:ext>
                   </a:extLst>
                 </a:gridCol>
-                <a:gridCol w="3401307">
+                <a:gridCol w="4798751">
                   <a:extLst>
                     <a:ext uri="{9D8B030D-6E8A-4147-A177-3AD203B41FA5}">
                       <a16:colId xmlns:a16="http://schemas.microsoft.com/office/drawing/2014/main" val="3939985555"/>
@@ -14989,12 +17404,18 @@
                     <a:p>
                       <a:pPr algn="ctr" fontAlgn="ctr"/>
                       <a:r>
-                        <a:rPr lang="ko-KR" altLang="en-US" sz="700" u="none" strike="noStrike">
+                        <a:rPr lang="ko-KR" altLang="en-US" sz="700" u="none" strike="noStrike" dirty="0" err="1">
                           <a:effectLst/>
                         </a:rPr>
-                        <a:t>메세지 기능</a:t>
+                        <a:t>메세지</a:t>
                       </a:r>
-                      <a:endParaRPr lang="ko-KR" altLang="en-US" sz="700" b="0" i="0" u="none" strike="noStrike">
+                      <a:r>
+                        <a:rPr lang="ko-KR" altLang="en-US" sz="700" u="none" strike="noStrike" dirty="0">
+                          <a:effectLst/>
+                        </a:rPr>
+                        <a:t> 기능</a:t>
+                      </a:r>
+                      <a:endParaRPr lang="ko-KR" altLang="en-US" sz="700" b="0" i="0" u="none" strike="noStrike" dirty="0">
                         <a:solidFill>
                           <a:srgbClr val="000000"/>
                         </a:solidFill>
@@ -16132,75 +18553,6 @@
           </a:p>
         </p:txBody>
       </p:sp>
-      <p:graphicFrame>
-        <p:nvGraphicFramePr>
-          <p:cNvPr id="7" name="개체 6">
-            <a:extLst>
-              <a:ext uri="{FF2B5EF4-FFF2-40B4-BE49-F238E27FC236}">
-                <a16:creationId xmlns:a16="http://schemas.microsoft.com/office/drawing/2014/main" id="{44C02DDE-FBC8-4539-AA85-C8DC5B1A93E0}"/>
-              </a:ext>
-            </a:extLst>
-          </p:cNvPr>
-          <p:cNvGraphicFramePr>
-            <a:graphicFrameLocks noChangeAspect="1"/>
-          </p:cNvGraphicFramePr>
-          <p:nvPr>
-            <p:extLst>
-              <p:ext uri="{D42A27DB-BD31-4B8C-83A1-F6EECF244321}">
-                <p14:modId xmlns:p14="http://schemas.microsoft.com/office/powerpoint/2010/main" val="4121371733"/>
-              </p:ext>
-            </p:extLst>
-          </p:nvPr>
-        </p:nvGraphicFramePr>
-        <p:xfrm>
-          <a:off x="7116184" y="2185987"/>
-          <a:ext cx="914400" cy="771525"/>
-        </p:xfrm>
-        <a:graphic>
-          <a:graphicData uri="http://schemas.openxmlformats.org/presentationml/2006/ole">
-            <mc:AlternateContent xmlns:mc="http://schemas.openxmlformats.org/markup-compatibility/2006">
-              <mc:Choice xmlns:v="urn:schemas-microsoft-com:vml" Requires="v">
-                <p:oleObj spid="_x0000_s1028" name="Worksheet" showAsIcon="1" r:id="rId4" imgW="914400" imgH="771480" progId="Excel.Sheet.12">
-                  <p:link updateAutomatic="1"/>
-                </p:oleObj>
-              </mc:Choice>
-              <mc:Fallback>
-                <p:oleObj name="Worksheet" showAsIcon="1" r:id="rId4" imgW="914400" imgH="771480" progId="Excel.Sheet.12">
-                  <p:link updateAutomatic="1"/>
-                  <p:pic>
-                    <p:nvPicPr>
-                      <p:cNvPr id="7" name="개체 6">
-                        <a:extLst>
-                          <a:ext uri="{FF2B5EF4-FFF2-40B4-BE49-F238E27FC236}">
-                            <a16:creationId xmlns:a16="http://schemas.microsoft.com/office/drawing/2014/main" id="{44C02DDE-FBC8-4539-AA85-C8DC5B1A93E0}"/>
-                          </a:ext>
-                        </a:extLst>
-                      </p:cNvPr>
-                      <p:cNvPicPr/>
-                      <p:nvPr/>
-                    </p:nvPicPr>
-                    <p:blipFill>
-                      <a:blip r:embed="rId5"/>
-                      <a:stretch>
-                        <a:fillRect/>
-                      </a:stretch>
-                    </p:blipFill>
-                    <p:spPr>
-                      <a:xfrm>
-                        <a:off x="7116184" y="2185987"/>
-                        <a:ext cx="914400" cy="771525"/>
-                      </a:xfrm>
-                      <a:prstGeom prst="rect">
-                        <a:avLst/>
-                      </a:prstGeom>
-                    </p:spPr>
-                  </p:pic>
-                </p:oleObj>
-              </mc:Fallback>
-            </mc:AlternateContent>
-          </a:graphicData>
-        </a:graphic>
-      </p:graphicFrame>
     </p:spTree>
   </p:cSld>
   <p:clrMapOvr>
@@ -16210,6 +18562,186 @@
 </file>
 
 <file path=ppt/slides/slide5.xml><?xml version="1.0" encoding="utf-8"?>
+<p:sld xmlns:a="http://schemas.openxmlformats.org/drawingml/2006/main" xmlns:r="http://schemas.openxmlformats.org/officeDocument/2006/relationships" xmlns:p="http://schemas.openxmlformats.org/presentationml/2006/main">
+  <p:cSld>
+    <p:spTree>
+      <p:nvGrpSpPr>
+        <p:cNvPr id="1" name="Shape 147"/>
+        <p:cNvGrpSpPr/>
+        <p:nvPr/>
+      </p:nvGrpSpPr>
+      <p:grpSpPr>
+        <a:xfrm>
+          <a:off x="0" y="0"/>
+          <a:ext cx="0" cy="0"/>
+          <a:chOff x="0" y="0"/>
+          <a:chExt cx="0" cy="0"/>
+        </a:xfrm>
+      </p:grpSpPr>
+      <p:pic>
+        <p:nvPicPr>
+          <p:cNvPr id="3" name="그림 2">
+            <a:extLst>
+              <a:ext uri="{FF2B5EF4-FFF2-40B4-BE49-F238E27FC236}">
+                <a16:creationId xmlns:a16="http://schemas.microsoft.com/office/drawing/2014/main" id="{537EB2B1-44B0-4424-9B9F-C5C4AFECF42E}"/>
+              </a:ext>
+            </a:extLst>
+          </p:cNvPr>
+          <p:cNvPicPr>
+            <a:picLocks noChangeAspect="1"/>
+          </p:cNvPicPr>
+          <p:nvPr/>
+        </p:nvPicPr>
+        <p:blipFill>
+          <a:blip r:embed="rId3"/>
+          <a:stretch>
+            <a:fillRect/>
+          </a:stretch>
+        </p:blipFill>
+        <p:spPr>
+          <a:xfrm>
+            <a:off x="1527587" y="256863"/>
+            <a:ext cx="6465346" cy="4629773"/>
+          </a:xfrm>
+          <a:prstGeom prst="rect">
+            <a:avLst/>
+          </a:prstGeom>
+        </p:spPr>
+      </p:pic>
+    </p:spTree>
+    <p:extLst>
+      <p:ext uri="{BB962C8B-B14F-4D97-AF65-F5344CB8AC3E}">
+        <p14:creationId xmlns:p14="http://schemas.microsoft.com/office/powerpoint/2010/main" val="389377073"/>
+      </p:ext>
+    </p:extLst>
+  </p:cSld>
+  <p:clrMapOvr>
+    <a:masterClrMapping/>
+  </p:clrMapOvr>
+</p:sld>
+</file>
+
+<file path=ppt/slides/slide6.xml><?xml version="1.0" encoding="utf-8"?>
+<p:sld xmlns:a="http://schemas.openxmlformats.org/drawingml/2006/main" xmlns:r="http://schemas.openxmlformats.org/officeDocument/2006/relationships" xmlns:p="http://schemas.openxmlformats.org/presentationml/2006/main">
+  <p:cSld>
+    <p:spTree>
+      <p:nvGrpSpPr>
+        <p:cNvPr id="1" name="Shape 147"/>
+        <p:cNvGrpSpPr/>
+        <p:nvPr/>
+      </p:nvGrpSpPr>
+      <p:grpSpPr>
+        <a:xfrm>
+          <a:off x="0" y="0"/>
+          <a:ext cx="0" cy="0"/>
+          <a:chOff x="0" y="0"/>
+          <a:chExt cx="0" cy="0"/>
+        </a:xfrm>
+      </p:grpSpPr>
+      <p:pic>
+        <p:nvPicPr>
+          <p:cNvPr id="8" name="그림 7">
+            <a:extLst>
+              <a:ext uri="{FF2B5EF4-FFF2-40B4-BE49-F238E27FC236}">
+                <a16:creationId xmlns:a16="http://schemas.microsoft.com/office/drawing/2014/main" id="{5F125F77-5C88-4909-B6C3-5F621DCA68C9}"/>
+              </a:ext>
+            </a:extLst>
+          </p:cNvPr>
+          <p:cNvPicPr>
+            <a:picLocks noChangeAspect="1"/>
+          </p:cNvPicPr>
+          <p:nvPr/>
+        </p:nvPicPr>
+        <p:blipFill>
+          <a:blip r:embed="rId3"/>
+          <a:stretch>
+            <a:fillRect/>
+          </a:stretch>
+        </p:blipFill>
+        <p:spPr>
+          <a:xfrm>
+            <a:off x="1538342" y="290684"/>
+            <a:ext cx="6379285" cy="4562132"/>
+          </a:xfrm>
+          <a:prstGeom prst="rect">
+            <a:avLst/>
+          </a:prstGeom>
+        </p:spPr>
+      </p:pic>
+    </p:spTree>
+    <p:extLst>
+      <p:ext uri="{BB962C8B-B14F-4D97-AF65-F5344CB8AC3E}">
+        <p14:creationId xmlns:p14="http://schemas.microsoft.com/office/powerpoint/2010/main" val="2402255786"/>
+      </p:ext>
+    </p:extLst>
+  </p:cSld>
+  <p:clrMapOvr>
+    <a:masterClrMapping/>
+  </p:clrMapOvr>
+</p:sld>
+</file>
+
+<file path=ppt/slides/slide7.xml><?xml version="1.0" encoding="utf-8"?>
+<p:sld xmlns:a="http://schemas.openxmlformats.org/drawingml/2006/main" xmlns:r="http://schemas.openxmlformats.org/officeDocument/2006/relationships" xmlns:p="http://schemas.openxmlformats.org/presentationml/2006/main">
+  <p:cSld>
+    <p:spTree>
+      <p:nvGrpSpPr>
+        <p:cNvPr id="1" name="Shape 147"/>
+        <p:cNvGrpSpPr/>
+        <p:nvPr/>
+      </p:nvGrpSpPr>
+      <p:grpSpPr>
+        <a:xfrm>
+          <a:off x="0" y="0"/>
+          <a:ext cx="0" cy="0"/>
+          <a:chOff x="0" y="0"/>
+          <a:chExt cx="0" cy="0"/>
+        </a:xfrm>
+      </p:grpSpPr>
+      <p:pic>
+        <p:nvPicPr>
+          <p:cNvPr id="6" name="그림 5">
+            <a:extLst>
+              <a:ext uri="{FF2B5EF4-FFF2-40B4-BE49-F238E27FC236}">
+                <a16:creationId xmlns:a16="http://schemas.microsoft.com/office/drawing/2014/main" id="{7EA74016-20FD-4357-BE2D-E2A30AC34166}"/>
+              </a:ext>
+            </a:extLst>
+          </p:cNvPr>
+          <p:cNvPicPr>
+            <a:picLocks noChangeAspect="1"/>
+          </p:cNvPicPr>
+          <p:nvPr/>
+        </p:nvPicPr>
+        <p:blipFill>
+          <a:blip r:embed="rId3"/>
+          <a:stretch>
+            <a:fillRect/>
+          </a:stretch>
+        </p:blipFill>
+        <p:spPr>
+          <a:xfrm>
+            <a:off x="1613647" y="258856"/>
+            <a:ext cx="5916706" cy="4625787"/>
+          </a:xfrm>
+          <a:prstGeom prst="rect">
+            <a:avLst/>
+          </a:prstGeom>
+        </p:spPr>
+      </p:pic>
+    </p:spTree>
+    <p:extLst>
+      <p:ext uri="{BB962C8B-B14F-4D97-AF65-F5344CB8AC3E}">
+        <p14:creationId xmlns:p14="http://schemas.microsoft.com/office/powerpoint/2010/main" val="2258255566"/>
+      </p:ext>
+    </p:extLst>
+  </p:cSld>
+  <p:clrMapOvr>
+    <a:masterClrMapping/>
+  </p:clrMapOvr>
+</p:sld>
+</file>
+
+<file path=ppt/slides/slide8.xml><?xml version="1.0" encoding="utf-8"?>
 <p:sld xmlns:a="http://schemas.openxmlformats.org/drawingml/2006/main" xmlns:r="http://schemas.openxmlformats.org/officeDocument/2006/relationships" xmlns:p="http://schemas.openxmlformats.org/presentationml/2006/main">
   <p:cSld>
     <p:spTree>
@@ -16982,7 +19514,7 @@
 </p:sld>
 </file>
 
-<file path=ppt/slides/slide6.xml><?xml version="1.0" encoding="utf-8"?>
+<file path=ppt/slides/slide9.xml><?xml version="1.0" encoding="utf-8"?>
 <p:sld xmlns:a="http://schemas.openxmlformats.org/drawingml/2006/main" xmlns:r="http://schemas.openxmlformats.org/officeDocument/2006/relationships" xmlns:p="http://schemas.openxmlformats.org/presentationml/2006/main">
   <p:cSld>
     <p:spTree>
@@ -18775,2091 +21307,6 @@
 </p:sld>
 </file>
 
-<file path=ppt/slides/slide7.xml><?xml version="1.0" encoding="utf-8"?>
-<p:sld xmlns:a="http://schemas.openxmlformats.org/drawingml/2006/main" xmlns:r="http://schemas.openxmlformats.org/officeDocument/2006/relationships" xmlns:p="http://schemas.openxmlformats.org/presentationml/2006/main">
-  <p:cSld>
-    <p:spTree>
-      <p:nvGrpSpPr>
-        <p:cNvPr id="1" name="Shape 154"/>
-        <p:cNvGrpSpPr/>
-        <p:nvPr/>
-      </p:nvGrpSpPr>
-      <p:grpSpPr>
-        <a:xfrm>
-          <a:off x="0" y="0"/>
-          <a:ext cx="0" cy="0"/>
-          <a:chOff x="0" y="0"/>
-          <a:chExt cx="0" cy="0"/>
-        </a:xfrm>
-      </p:grpSpPr>
-      <p:sp>
-        <p:nvSpPr>
-          <p:cNvPr id="9" name="Google Shape;141;p15">
-            <a:extLst>
-              <a:ext uri="{FF2B5EF4-FFF2-40B4-BE49-F238E27FC236}">
-                <a16:creationId xmlns:a16="http://schemas.microsoft.com/office/drawing/2014/main" id="{62234D79-D6F6-473D-A43C-A5CA1D583787}"/>
-              </a:ext>
-            </a:extLst>
-          </p:cNvPr>
-          <p:cNvSpPr txBox="1">
-            <a:spLocks noGrp="1"/>
-          </p:cNvSpPr>
-          <p:nvPr>
-            <p:ph type="title"/>
-          </p:nvPr>
-        </p:nvSpPr>
-        <p:spPr>
-          <a:xfrm>
-            <a:off x="455449" y="404129"/>
-            <a:ext cx="6424200" cy="705000"/>
-          </a:xfrm>
-          <a:prstGeom prst="rect">
-            <a:avLst/>
-          </a:prstGeom>
-        </p:spPr>
-        <p:txBody>
-          <a:bodyPr spcFirstLastPara="1" wrap="square" lIns="91425" tIns="91425" rIns="91425" bIns="91425" anchor="t" anchorCtr="0">
-            <a:normAutofit/>
-          </a:bodyPr>
-          <a:lstStyle/>
-          <a:p>
-            <a:pPr marL="0" lvl="0" indent="0" algn="l" rtl="0">
-              <a:spcBef>
-                <a:spcPts val="0"/>
-              </a:spcBef>
-              <a:spcAft>
-                <a:spcPts val="0"/>
-              </a:spcAft>
-              <a:buNone/>
-            </a:pPr>
-            <a:r>
-              <a:rPr lang="ko-KR" altLang="en-US" dirty="0">
-                <a:latin typeface="+mj-ea"/>
-                <a:ea typeface="+mj-ea"/>
-              </a:rPr>
-              <a:t>프로젝트 개요</a:t>
-            </a:r>
-            <a:endParaRPr dirty="0">
-              <a:latin typeface="+mj-ea"/>
-              <a:ea typeface="+mj-ea"/>
-            </a:endParaRPr>
-          </a:p>
-        </p:txBody>
-      </p:sp>
-      <p:sp>
-        <p:nvSpPr>
-          <p:cNvPr id="6" name="TextBox 5">
-            <a:extLst>
-              <a:ext uri="{FF2B5EF4-FFF2-40B4-BE49-F238E27FC236}">
-                <a16:creationId xmlns:a16="http://schemas.microsoft.com/office/drawing/2014/main" id="{094799FB-E864-430D-B01C-751B024E15F8}"/>
-              </a:ext>
-            </a:extLst>
-          </p:cNvPr>
-          <p:cNvSpPr txBox="1"/>
-          <p:nvPr/>
-        </p:nvSpPr>
-        <p:spPr>
-          <a:xfrm>
-            <a:off x="2943647" y="538680"/>
-            <a:ext cx="2345167" cy="307777"/>
-          </a:xfrm>
-          <a:prstGeom prst="rect">
-            <a:avLst/>
-          </a:prstGeom>
-          <a:noFill/>
-        </p:spPr>
-        <p:txBody>
-          <a:bodyPr wrap="square" rtlCol="0">
-            <a:spAutoFit/>
-          </a:bodyPr>
-          <a:lstStyle/>
-          <a:p>
-            <a:r>
-              <a:rPr lang="ko-KR" altLang="en-US" dirty="0"/>
-              <a:t>시스템 구조</a:t>
-            </a:r>
-            <a:endParaRPr lang="en-US" dirty="0"/>
-          </a:p>
-        </p:txBody>
-      </p:sp>
-      <p:sp>
-        <p:nvSpPr>
-          <p:cNvPr id="8" name="사각형: 둥근 모서리 7">
-            <a:extLst>
-              <a:ext uri="{FF2B5EF4-FFF2-40B4-BE49-F238E27FC236}">
-                <a16:creationId xmlns:a16="http://schemas.microsoft.com/office/drawing/2014/main" id="{E994D0B0-F499-4F84-963F-6FEB068A244A}"/>
-              </a:ext>
-            </a:extLst>
-          </p:cNvPr>
-          <p:cNvSpPr/>
-          <p:nvPr/>
-        </p:nvSpPr>
-        <p:spPr>
-          <a:xfrm>
-            <a:off x="259934" y="2249017"/>
-            <a:ext cx="1431598" cy="1249019"/>
-          </a:xfrm>
-          <a:prstGeom prst="roundRect">
-            <a:avLst/>
-          </a:prstGeom>
-        </p:spPr>
-        <p:style>
-          <a:lnRef idx="3">
-            <a:schemeClr val="lt1"/>
-          </a:lnRef>
-          <a:fillRef idx="1">
-            <a:schemeClr val="dk1"/>
-          </a:fillRef>
-          <a:effectRef idx="1">
-            <a:schemeClr val="dk1"/>
-          </a:effectRef>
-          <a:fontRef idx="minor">
-            <a:schemeClr val="lt1"/>
-          </a:fontRef>
-        </p:style>
-        <p:txBody>
-          <a:bodyPr rtlCol="0" anchor="ctr"/>
-          <a:lstStyle/>
-          <a:p>
-            <a:pPr algn="ctr"/>
-            <a:r>
-              <a:rPr lang="en-US" sz="2000" dirty="0">
-                <a:solidFill>
-                  <a:schemeClr val="bg2"/>
-                </a:solidFill>
-              </a:rPr>
-              <a:t>Client</a:t>
-            </a:r>
-          </a:p>
-        </p:txBody>
-      </p:sp>
-      <p:sp>
-        <p:nvSpPr>
-          <p:cNvPr id="31" name="사각형: 둥근 모서리 30">
-            <a:extLst>
-              <a:ext uri="{FF2B5EF4-FFF2-40B4-BE49-F238E27FC236}">
-                <a16:creationId xmlns:a16="http://schemas.microsoft.com/office/drawing/2014/main" id="{F02A205C-8514-49F9-89D6-5F71A0449CC6}"/>
-              </a:ext>
-            </a:extLst>
-          </p:cNvPr>
-          <p:cNvSpPr/>
-          <p:nvPr/>
-        </p:nvSpPr>
-        <p:spPr>
-          <a:xfrm>
-            <a:off x="2295277" y="1493713"/>
-            <a:ext cx="4584372" cy="2754265"/>
-          </a:xfrm>
-          <a:prstGeom prst="roundRect">
-            <a:avLst/>
-          </a:prstGeom>
-        </p:spPr>
-        <p:style>
-          <a:lnRef idx="3">
-            <a:schemeClr val="lt1"/>
-          </a:lnRef>
-          <a:fillRef idx="1">
-            <a:schemeClr val="dk1"/>
-          </a:fillRef>
-          <a:effectRef idx="1">
-            <a:schemeClr val="dk1"/>
-          </a:effectRef>
-          <a:fontRef idx="minor">
-            <a:schemeClr val="lt1"/>
-          </a:fontRef>
-        </p:style>
-        <p:txBody>
-          <a:bodyPr rtlCol="0" anchor="ctr"/>
-          <a:lstStyle/>
-          <a:p>
-            <a:pPr algn="ctr"/>
-            <a:endParaRPr lang="en-US" dirty="0">
-              <a:solidFill>
-                <a:schemeClr val="tx2">
-                  <a:lumMod val="10000"/>
-                </a:schemeClr>
-              </a:solidFill>
-            </a:endParaRPr>
-          </a:p>
-        </p:txBody>
-      </p:sp>
-      <p:sp>
-        <p:nvSpPr>
-          <p:cNvPr id="3" name="사각형: 둥근 모서리 2">
-            <a:extLst>
-              <a:ext uri="{FF2B5EF4-FFF2-40B4-BE49-F238E27FC236}">
-                <a16:creationId xmlns:a16="http://schemas.microsoft.com/office/drawing/2014/main" id="{FC70B405-99A6-4AD8-A868-F3D6682CF83A}"/>
-              </a:ext>
-            </a:extLst>
-          </p:cNvPr>
-          <p:cNvSpPr/>
-          <p:nvPr/>
-        </p:nvSpPr>
-        <p:spPr>
-          <a:xfrm>
-            <a:off x="2432365" y="2470866"/>
-            <a:ext cx="1012028" cy="484766"/>
-          </a:xfrm>
-          <a:prstGeom prst="roundRect">
-            <a:avLst/>
-          </a:prstGeom>
-          <a:solidFill>
-            <a:schemeClr val="tx1"/>
-          </a:solidFill>
-        </p:spPr>
-        <p:style>
-          <a:lnRef idx="2">
-            <a:schemeClr val="accent1">
-              <a:shade val="50000"/>
-            </a:schemeClr>
-          </a:lnRef>
-          <a:fillRef idx="1">
-            <a:schemeClr val="accent1"/>
-          </a:fillRef>
-          <a:effectRef idx="0">
-            <a:schemeClr val="accent1"/>
-          </a:effectRef>
-          <a:fontRef idx="minor">
-            <a:schemeClr val="lt1"/>
-          </a:fontRef>
-        </p:style>
-        <p:txBody>
-          <a:bodyPr rtlCol="0" anchor="ctr"/>
-          <a:lstStyle/>
-          <a:p>
-            <a:pPr algn="ctr"/>
-            <a:r>
-              <a:rPr lang="en-US" dirty="0">
-                <a:solidFill>
-                  <a:schemeClr val="tx2">
-                    <a:lumMod val="10000"/>
-                  </a:schemeClr>
-                </a:solidFill>
-              </a:rPr>
-              <a:t>Controller</a:t>
-            </a:r>
-          </a:p>
-        </p:txBody>
-      </p:sp>
-      <p:sp>
-        <p:nvSpPr>
-          <p:cNvPr id="19" name="사각형: 둥근 모서리 18">
-            <a:extLst>
-              <a:ext uri="{FF2B5EF4-FFF2-40B4-BE49-F238E27FC236}">
-                <a16:creationId xmlns:a16="http://schemas.microsoft.com/office/drawing/2014/main" id="{1C3032FE-E981-4F6E-8EF4-53E0BBFF32E1}"/>
-              </a:ext>
-            </a:extLst>
-          </p:cNvPr>
-          <p:cNvSpPr/>
-          <p:nvPr/>
-        </p:nvSpPr>
-        <p:spPr>
-          <a:xfrm>
-            <a:off x="3479688" y="1896420"/>
-            <a:ext cx="890021" cy="484766"/>
-          </a:xfrm>
-          <a:prstGeom prst="roundRect">
-            <a:avLst/>
-          </a:prstGeom>
-          <a:solidFill>
-            <a:schemeClr val="tx1"/>
-          </a:solidFill>
-        </p:spPr>
-        <p:style>
-          <a:lnRef idx="2">
-            <a:schemeClr val="accent1">
-              <a:shade val="50000"/>
-            </a:schemeClr>
-          </a:lnRef>
-          <a:fillRef idx="1">
-            <a:schemeClr val="accent1"/>
-          </a:fillRef>
-          <a:effectRef idx="0">
-            <a:schemeClr val="accent1"/>
-          </a:effectRef>
-          <a:fontRef idx="minor">
-            <a:schemeClr val="lt1"/>
-          </a:fontRef>
-        </p:style>
-        <p:txBody>
-          <a:bodyPr rtlCol="0" anchor="ctr"/>
-          <a:lstStyle/>
-          <a:p>
-            <a:pPr algn="ctr"/>
-            <a:r>
-              <a:rPr lang="en-US" dirty="0">
-                <a:solidFill>
-                  <a:schemeClr val="tx2">
-                    <a:lumMod val="10000"/>
-                  </a:schemeClr>
-                </a:solidFill>
-              </a:rPr>
-              <a:t>Service</a:t>
-            </a:r>
-          </a:p>
-        </p:txBody>
-      </p:sp>
-      <p:sp>
-        <p:nvSpPr>
-          <p:cNvPr id="20" name="사각형: 둥근 모서리 19">
-            <a:extLst>
-              <a:ext uri="{FF2B5EF4-FFF2-40B4-BE49-F238E27FC236}">
-                <a16:creationId xmlns:a16="http://schemas.microsoft.com/office/drawing/2014/main" id="{E92C1FC6-F9D7-4AA6-9C4A-D796D369123C}"/>
-              </a:ext>
-            </a:extLst>
-          </p:cNvPr>
-          <p:cNvSpPr/>
-          <p:nvPr/>
-        </p:nvSpPr>
-        <p:spPr>
-          <a:xfrm>
-            <a:off x="2437633" y="3390307"/>
-            <a:ext cx="1012028" cy="484766"/>
-          </a:xfrm>
-          <a:prstGeom prst="roundRect">
-            <a:avLst/>
-          </a:prstGeom>
-          <a:solidFill>
-            <a:schemeClr val="tx1"/>
-          </a:solidFill>
-        </p:spPr>
-        <p:style>
-          <a:lnRef idx="2">
-            <a:schemeClr val="accent1">
-              <a:shade val="50000"/>
-            </a:schemeClr>
-          </a:lnRef>
-          <a:fillRef idx="1">
-            <a:schemeClr val="accent1"/>
-          </a:fillRef>
-          <a:effectRef idx="0">
-            <a:schemeClr val="accent1"/>
-          </a:effectRef>
-          <a:fontRef idx="minor">
-            <a:schemeClr val="lt1"/>
-          </a:fontRef>
-        </p:style>
-        <p:txBody>
-          <a:bodyPr rtlCol="0" anchor="ctr"/>
-          <a:lstStyle/>
-          <a:p>
-            <a:pPr algn="ctr"/>
-            <a:r>
-              <a:rPr lang="en-US" dirty="0">
-                <a:solidFill>
-                  <a:schemeClr val="tx2">
-                    <a:lumMod val="10000"/>
-                  </a:schemeClr>
-                </a:solidFill>
-              </a:rPr>
-              <a:t>View</a:t>
-            </a:r>
-          </a:p>
-        </p:txBody>
-      </p:sp>
-      <p:sp>
-        <p:nvSpPr>
-          <p:cNvPr id="21" name="사각형: 둥근 모서리 20">
-            <a:extLst>
-              <a:ext uri="{FF2B5EF4-FFF2-40B4-BE49-F238E27FC236}">
-                <a16:creationId xmlns:a16="http://schemas.microsoft.com/office/drawing/2014/main" id="{22345FFE-2A81-44DF-9AF9-F885F65D93C0}"/>
-              </a:ext>
-            </a:extLst>
-          </p:cNvPr>
-          <p:cNvSpPr/>
-          <p:nvPr/>
-        </p:nvSpPr>
-        <p:spPr>
-          <a:xfrm>
-            <a:off x="4656119" y="1896420"/>
-            <a:ext cx="1234311" cy="484766"/>
-          </a:xfrm>
-          <a:prstGeom prst="roundRect">
-            <a:avLst/>
-          </a:prstGeom>
-          <a:solidFill>
-            <a:schemeClr val="tx1"/>
-          </a:solidFill>
-        </p:spPr>
-        <p:style>
-          <a:lnRef idx="2">
-            <a:schemeClr val="accent1">
-              <a:shade val="50000"/>
-            </a:schemeClr>
-          </a:lnRef>
-          <a:fillRef idx="1">
-            <a:schemeClr val="accent1"/>
-          </a:fillRef>
-          <a:effectRef idx="0">
-            <a:schemeClr val="accent1"/>
-          </a:effectRef>
-          <a:fontRef idx="minor">
-            <a:schemeClr val="lt1"/>
-          </a:fontRef>
-        </p:style>
-        <p:txBody>
-          <a:bodyPr rtlCol="0" anchor="ctr"/>
-          <a:lstStyle/>
-          <a:p>
-            <a:pPr algn="ctr"/>
-            <a:r>
-              <a:rPr lang="en-US" dirty="0" err="1">
-                <a:solidFill>
-                  <a:schemeClr val="tx2">
-                    <a:lumMod val="10000"/>
-                  </a:schemeClr>
-                </a:solidFill>
-              </a:rPr>
-              <a:t>ServiceImp</a:t>
-            </a:r>
-            <a:endParaRPr lang="en-US" dirty="0">
-              <a:solidFill>
-                <a:schemeClr val="tx2">
-                  <a:lumMod val="10000"/>
-                </a:schemeClr>
-              </a:solidFill>
-            </a:endParaRPr>
-          </a:p>
-        </p:txBody>
-      </p:sp>
-      <p:sp>
-        <p:nvSpPr>
-          <p:cNvPr id="22" name="사각형: 둥근 모서리 21">
-            <a:extLst>
-              <a:ext uri="{FF2B5EF4-FFF2-40B4-BE49-F238E27FC236}">
-                <a16:creationId xmlns:a16="http://schemas.microsoft.com/office/drawing/2014/main" id="{633D585B-7382-4D4F-91CC-9325631C627D}"/>
-              </a:ext>
-            </a:extLst>
-          </p:cNvPr>
-          <p:cNvSpPr/>
-          <p:nvPr/>
-        </p:nvSpPr>
-        <p:spPr>
-          <a:xfrm>
-            <a:off x="5699608" y="2628462"/>
-            <a:ext cx="1012028" cy="484766"/>
-          </a:xfrm>
-          <a:prstGeom prst="roundRect">
-            <a:avLst/>
-          </a:prstGeom>
-          <a:solidFill>
-            <a:schemeClr val="tx1"/>
-          </a:solidFill>
-        </p:spPr>
-        <p:style>
-          <a:lnRef idx="2">
-            <a:schemeClr val="accent1">
-              <a:shade val="50000"/>
-            </a:schemeClr>
-          </a:lnRef>
-          <a:fillRef idx="1">
-            <a:schemeClr val="accent1"/>
-          </a:fillRef>
-          <a:effectRef idx="0">
-            <a:schemeClr val="accent1"/>
-          </a:effectRef>
-          <a:fontRef idx="minor">
-            <a:schemeClr val="lt1"/>
-          </a:fontRef>
-        </p:style>
-        <p:txBody>
-          <a:bodyPr rtlCol="0" anchor="ctr"/>
-          <a:lstStyle/>
-          <a:p>
-            <a:pPr algn="ctr"/>
-            <a:r>
-              <a:rPr lang="en-US" dirty="0">
-                <a:solidFill>
-                  <a:schemeClr val="tx2">
-                    <a:lumMod val="10000"/>
-                  </a:schemeClr>
-                </a:solidFill>
-              </a:rPr>
-              <a:t>DAO</a:t>
-            </a:r>
-          </a:p>
-        </p:txBody>
-      </p:sp>
-      <p:sp>
-        <p:nvSpPr>
-          <p:cNvPr id="24" name="사각형: 둥근 모서리 23">
-            <a:extLst>
-              <a:ext uri="{FF2B5EF4-FFF2-40B4-BE49-F238E27FC236}">
-                <a16:creationId xmlns:a16="http://schemas.microsoft.com/office/drawing/2014/main" id="{983EEC31-2211-4660-87A0-2C70421FCBC9}"/>
-              </a:ext>
-            </a:extLst>
-          </p:cNvPr>
-          <p:cNvSpPr/>
-          <p:nvPr/>
-        </p:nvSpPr>
-        <p:spPr>
-          <a:xfrm>
-            <a:off x="7452468" y="2235514"/>
-            <a:ext cx="1431598" cy="1249019"/>
-          </a:xfrm>
-          <a:prstGeom prst="roundRect">
-            <a:avLst/>
-          </a:prstGeom>
-        </p:spPr>
-        <p:style>
-          <a:lnRef idx="3">
-            <a:schemeClr val="lt1"/>
-          </a:lnRef>
-          <a:fillRef idx="1">
-            <a:schemeClr val="dk1"/>
-          </a:fillRef>
-          <a:effectRef idx="1">
-            <a:schemeClr val="dk1"/>
-          </a:effectRef>
-          <a:fontRef idx="minor">
-            <a:schemeClr val="lt1"/>
-          </a:fontRef>
-        </p:style>
-        <p:txBody>
-          <a:bodyPr rtlCol="0" anchor="ctr"/>
-          <a:lstStyle/>
-          <a:p>
-            <a:pPr algn="ctr"/>
-            <a:r>
-              <a:rPr lang="en-US" sz="2000" dirty="0">
-                <a:solidFill>
-                  <a:schemeClr val="bg2"/>
-                </a:solidFill>
-              </a:rPr>
-              <a:t>DB</a:t>
-            </a:r>
-          </a:p>
-        </p:txBody>
-      </p:sp>
-      <p:cxnSp>
-        <p:nvCxnSpPr>
-          <p:cNvPr id="10" name="직선 화살표 연결선 9">
-            <a:extLst>
-              <a:ext uri="{FF2B5EF4-FFF2-40B4-BE49-F238E27FC236}">
-                <a16:creationId xmlns:a16="http://schemas.microsoft.com/office/drawing/2014/main" id="{DB6DC1E6-74FC-4E88-9E28-B5347AAF5DF4}"/>
-              </a:ext>
-            </a:extLst>
-          </p:cNvPr>
-          <p:cNvCxnSpPr>
-            <a:cxnSpLocks/>
-          </p:cNvCxnSpPr>
-          <p:nvPr/>
-        </p:nvCxnSpPr>
-        <p:spPr>
-          <a:xfrm>
-            <a:off x="2933111" y="3003545"/>
-            <a:ext cx="5268" cy="277079"/>
-          </a:xfrm>
-          <a:prstGeom prst="straightConnector1">
-            <a:avLst/>
-          </a:prstGeom>
-          <a:ln>
-            <a:headEnd type="triangle"/>
-            <a:tailEnd type="triangle"/>
-          </a:ln>
-        </p:spPr>
-        <p:style>
-          <a:lnRef idx="1">
-            <a:schemeClr val="accent1"/>
-          </a:lnRef>
-          <a:fillRef idx="0">
-            <a:schemeClr val="accent1"/>
-          </a:fillRef>
-          <a:effectRef idx="0">
-            <a:schemeClr val="accent1"/>
-          </a:effectRef>
-          <a:fontRef idx="minor">
-            <a:schemeClr val="tx1"/>
-          </a:fontRef>
-        </p:style>
-      </p:cxnSp>
-      <p:cxnSp>
-        <p:nvCxnSpPr>
-          <p:cNvPr id="34" name="직선 화살표 연결선 33">
-            <a:extLst>
-              <a:ext uri="{FF2B5EF4-FFF2-40B4-BE49-F238E27FC236}">
-                <a16:creationId xmlns:a16="http://schemas.microsoft.com/office/drawing/2014/main" id="{907A0EF8-CEB4-4A87-8DFF-3F4528BD032A}"/>
-              </a:ext>
-            </a:extLst>
-          </p:cNvPr>
-          <p:cNvCxnSpPr>
-            <a:cxnSpLocks/>
-          </p:cNvCxnSpPr>
-          <p:nvPr/>
-        </p:nvCxnSpPr>
-        <p:spPr>
-          <a:xfrm flipH="1">
-            <a:off x="2865601" y="2084203"/>
-            <a:ext cx="492301" cy="296983"/>
-          </a:xfrm>
-          <a:prstGeom prst="straightConnector1">
-            <a:avLst/>
-          </a:prstGeom>
-          <a:ln>
-            <a:headEnd type="triangle"/>
-            <a:tailEnd type="triangle"/>
-          </a:ln>
-        </p:spPr>
-        <p:style>
-          <a:lnRef idx="1">
-            <a:schemeClr val="accent1"/>
-          </a:lnRef>
-          <a:fillRef idx="0">
-            <a:schemeClr val="accent1"/>
-          </a:fillRef>
-          <a:effectRef idx="0">
-            <a:schemeClr val="accent1"/>
-          </a:effectRef>
-          <a:fontRef idx="minor">
-            <a:schemeClr val="tx1"/>
-          </a:fontRef>
-        </p:style>
-      </p:cxnSp>
-      <p:cxnSp>
-        <p:nvCxnSpPr>
-          <p:cNvPr id="35" name="직선 화살표 연결선 34">
-            <a:extLst>
-              <a:ext uri="{FF2B5EF4-FFF2-40B4-BE49-F238E27FC236}">
-                <a16:creationId xmlns:a16="http://schemas.microsoft.com/office/drawing/2014/main" id="{38B25C6C-624D-4185-9A56-5195F52DDE72}"/>
-              </a:ext>
-            </a:extLst>
-          </p:cNvPr>
-          <p:cNvCxnSpPr>
-            <a:cxnSpLocks/>
-            <a:stCxn id="21" idx="1"/>
-          </p:cNvCxnSpPr>
-          <p:nvPr/>
-        </p:nvCxnSpPr>
-        <p:spPr>
-          <a:xfrm flipH="1">
-            <a:off x="4369709" y="2138803"/>
-            <a:ext cx="286410" cy="0"/>
-          </a:xfrm>
-          <a:prstGeom prst="straightConnector1">
-            <a:avLst/>
-          </a:prstGeom>
-          <a:ln>
-            <a:headEnd type="triangle"/>
-            <a:tailEnd type="triangle"/>
-          </a:ln>
-        </p:spPr>
-        <p:style>
-          <a:lnRef idx="1">
-            <a:schemeClr val="accent1"/>
-          </a:lnRef>
-          <a:fillRef idx="0">
-            <a:schemeClr val="accent1"/>
-          </a:fillRef>
-          <a:effectRef idx="0">
-            <a:schemeClr val="accent1"/>
-          </a:effectRef>
-          <a:fontRef idx="minor">
-            <a:schemeClr val="tx1"/>
-          </a:fontRef>
-        </p:style>
-      </p:cxnSp>
-      <p:cxnSp>
-        <p:nvCxnSpPr>
-          <p:cNvPr id="36" name="직선 화살표 연결선 35">
-            <a:extLst>
-              <a:ext uri="{FF2B5EF4-FFF2-40B4-BE49-F238E27FC236}">
-                <a16:creationId xmlns:a16="http://schemas.microsoft.com/office/drawing/2014/main" id="{23E19D25-0D05-46B8-AFCD-2C9F4CFA3150}"/>
-              </a:ext>
-            </a:extLst>
-          </p:cNvPr>
-          <p:cNvCxnSpPr>
-            <a:cxnSpLocks/>
-          </p:cNvCxnSpPr>
-          <p:nvPr/>
-        </p:nvCxnSpPr>
-        <p:spPr>
-          <a:xfrm flipH="1" flipV="1">
-            <a:off x="5992009" y="2138803"/>
-            <a:ext cx="378408" cy="376235"/>
-          </a:xfrm>
-          <a:prstGeom prst="straightConnector1">
-            <a:avLst/>
-          </a:prstGeom>
-          <a:ln>
-            <a:headEnd type="triangle"/>
-            <a:tailEnd type="triangle"/>
-          </a:ln>
-        </p:spPr>
-        <p:style>
-          <a:lnRef idx="1">
-            <a:schemeClr val="accent1"/>
-          </a:lnRef>
-          <a:fillRef idx="0">
-            <a:schemeClr val="accent1"/>
-          </a:fillRef>
-          <a:effectRef idx="0">
-            <a:schemeClr val="accent1"/>
-          </a:effectRef>
-          <a:fontRef idx="minor">
-            <a:schemeClr val="tx1"/>
-          </a:fontRef>
-        </p:style>
-      </p:cxnSp>
-      <p:cxnSp>
-        <p:nvCxnSpPr>
-          <p:cNvPr id="38" name="직선 화살표 연결선 37">
-            <a:extLst>
-              <a:ext uri="{FF2B5EF4-FFF2-40B4-BE49-F238E27FC236}">
-                <a16:creationId xmlns:a16="http://schemas.microsoft.com/office/drawing/2014/main" id="{F7E2D298-883C-4899-8217-06090FC65168}"/>
-              </a:ext>
-            </a:extLst>
-          </p:cNvPr>
-          <p:cNvCxnSpPr>
-            <a:cxnSpLocks/>
-          </p:cNvCxnSpPr>
-          <p:nvPr/>
-        </p:nvCxnSpPr>
-        <p:spPr>
-          <a:xfrm flipH="1">
-            <a:off x="6758646" y="2870845"/>
-            <a:ext cx="693822" cy="0"/>
-          </a:xfrm>
-          <a:prstGeom prst="straightConnector1">
-            <a:avLst/>
-          </a:prstGeom>
-          <a:ln>
-            <a:headEnd type="triangle"/>
-            <a:tailEnd type="triangle"/>
-          </a:ln>
-        </p:spPr>
-        <p:style>
-          <a:lnRef idx="1">
-            <a:schemeClr val="accent1"/>
-          </a:lnRef>
-          <a:fillRef idx="0">
-            <a:schemeClr val="accent1"/>
-          </a:fillRef>
-          <a:effectRef idx="0">
-            <a:schemeClr val="accent1"/>
-          </a:effectRef>
-          <a:fontRef idx="minor">
-            <a:schemeClr val="tx1"/>
-          </a:fontRef>
-        </p:style>
-      </p:cxnSp>
-      <p:cxnSp>
-        <p:nvCxnSpPr>
-          <p:cNvPr id="41" name="직선 화살표 연결선 40">
-            <a:extLst>
-              <a:ext uri="{FF2B5EF4-FFF2-40B4-BE49-F238E27FC236}">
-                <a16:creationId xmlns:a16="http://schemas.microsoft.com/office/drawing/2014/main" id="{247799E6-1B57-4BDF-B0C2-27DFDF5D27A4}"/>
-              </a:ext>
-            </a:extLst>
-          </p:cNvPr>
-          <p:cNvCxnSpPr>
-            <a:cxnSpLocks/>
-          </p:cNvCxnSpPr>
-          <p:nvPr/>
-        </p:nvCxnSpPr>
-        <p:spPr>
-          <a:xfrm flipH="1" flipV="1">
-            <a:off x="1733272" y="3142084"/>
-            <a:ext cx="562005" cy="355952"/>
-          </a:xfrm>
-          <a:prstGeom prst="straightConnector1">
-            <a:avLst/>
-          </a:prstGeom>
-          <a:ln>
-            <a:tailEnd type="triangle"/>
-          </a:ln>
-        </p:spPr>
-        <p:style>
-          <a:lnRef idx="1">
-            <a:schemeClr val="accent1"/>
-          </a:lnRef>
-          <a:fillRef idx="0">
-            <a:schemeClr val="accent1"/>
-          </a:fillRef>
-          <a:effectRef idx="0">
-            <a:schemeClr val="accent1"/>
-          </a:effectRef>
-          <a:fontRef idx="minor">
-            <a:schemeClr val="tx1"/>
-          </a:fontRef>
-        </p:style>
-      </p:cxnSp>
-      <p:cxnSp>
-        <p:nvCxnSpPr>
-          <p:cNvPr id="44" name="직선 화살표 연결선 43">
-            <a:extLst>
-              <a:ext uri="{FF2B5EF4-FFF2-40B4-BE49-F238E27FC236}">
-                <a16:creationId xmlns:a16="http://schemas.microsoft.com/office/drawing/2014/main" id="{F681163A-A99B-4A6C-8BCC-19F406BCF00F}"/>
-              </a:ext>
-            </a:extLst>
-          </p:cNvPr>
-          <p:cNvCxnSpPr/>
-          <p:nvPr/>
-        </p:nvCxnSpPr>
-        <p:spPr>
-          <a:xfrm>
-            <a:off x="1733272" y="2713249"/>
-            <a:ext cx="531811" cy="0"/>
-          </a:xfrm>
-          <a:prstGeom prst="straightConnector1">
-            <a:avLst/>
-          </a:prstGeom>
-          <a:ln>
-            <a:tailEnd type="triangle"/>
-          </a:ln>
-        </p:spPr>
-        <p:style>
-          <a:lnRef idx="1">
-            <a:schemeClr val="accent1"/>
-          </a:lnRef>
-          <a:fillRef idx="0">
-            <a:schemeClr val="accent1"/>
-          </a:fillRef>
-          <a:effectRef idx="0">
-            <a:schemeClr val="accent1"/>
-          </a:effectRef>
-          <a:fontRef idx="minor">
-            <a:schemeClr val="tx1"/>
-          </a:fontRef>
-        </p:style>
-      </p:cxnSp>
-      <p:sp>
-        <p:nvSpPr>
-          <p:cNvPr id="46" name="TextBox 45">
-            <a:extLst>
-              <a:ext uri="{FF2B5EF4-FFF2-40B4-BE49-F238E27FC236}">
-                <a16:creationId xmlns:a16="http://schemas.microsoft.com/office/drawing/2014/main" id="{A3FE2916-02A8-42D8-B31E-FFD5FD0216AB}"/>
-              </a:ext>
-            </a:extLst>
-          </p:cNvPr>
-          <p:cNvSpPr txBox="1"/>
-          <p:nvPr/>
-        </p:nvSpPr>
-        <p:spPr>
-          <a:xfrm>
-            <a:off x="4116230" y="3847868"/>
-            <a:ext cx="1355464" cy="400110"/>
-          </a:xfrm>
-          <a:prstGeom prst="rect">
-            <a:avLst/>
-          </a:prstGeom>
-          <a:noFill/>
-        </p:spPr>
-        <p:txBody>
-          <a:bodyPr wrap="square" rtlCol="0">
-            <a:spAutoFit/>
-          </a:bodyPr>
-          <a:lstStyle/>
-          <a:p>
-            <a:r>
-              <a:rPr lang="en-US" sz="2000" dirty="0"/>
-              <a:t>Server</a:t>
-            </a:r>
-          </a:p>
-        </p:txBody>
-      </p:sp>
-    </p:spTree>
-    <p:extLst>
-      <p:ext uri="{BB962C8B-B14F-4D97-AF65-F5344CB8AC3E}">
-        <p14:creationId xmlns:p14="http://schemas.microsoft.com/office/powerpoint/2010/main" val="607676755"/>
-      </p:ext>
-    </p:extLst>
-  </p:cSld>
-  <p:clrMapOvr>
-    <a:masterClrMapping/>
-  </p:clrMapOvr>
-</p:sld>
-</file>
-
-<file path=ppt/slides/slide8.xml><?xml version="1.0" encoding="utf-8"?>
-<p:sld xmlns:a="http://schemas.openxmlformats.org/drawingml/2006/main" xmlns:r="http://schemas.openxmlformats.org/officeDocument/2006/relationships" xmlns:p="http://schemas.openxmlformats.org/presentationml/2006/main">
-  <p:cSld>
-    <p:spTree>
-      <p:nvGrpSpPr>
-        <p:cNvPr id="1" name="Shape 154"/>
-        <p:cNvGrpSpPr/>
-        <p:nvPr/>
-      </p:nvGrpSpPr>
-      <p:grpSpPr>
-        <a:xfrm>
-          <a:off x="0" y="0"/>
-          <a:ext cx="0" cy="0"/>
-          <a:chOff x="0" y="0"/>
-          <a:chExt cx="0" cy="0"/>
-        </a:xfrm>
-      </p:grpSpPr>
-      <p:sp>
-        <p:nvSpPr>
-          <p:cNvPr id="9" name="Google Shape;141;p15">
-            <a:extLst>
-              <a:ext uri="{FF2B5EF4-FFF2-40B4-BE49-F238E27FC236}">
-                <a16:creationId xmlns:a16="http://schemas.microsoft.com/office/drawing/2014/main" id="{62234D79-D6F6-473D-A43C-A5CA1D583787}"/>
-              </a:ext>
-            </a:extLst>
-          </p:cNvPr>
-          <p:cNvSpPr txBox="1">
-            <a:spLocks noGrp="1"/>
-          </p:cNvSpPr>
-          <p:nvPr>
-            <p:ph type="title"/>
-          </p:nvPr>
-        </p:nvSpPr>
-        <p:spPr>
-          <a:xfrm>
-            <a:off x="455449" y="404129"/>
-            <a:ext cx="6424200" cy="705000"/>
-          </a:xfrm>
-          <a:prstGeom prst="rect">
-            <a:avLst/>
-          </a:prstGeom>
-        </p:spPr>
-        <p:txBody>
-          <a:bodyPr spcFirstLastPara="1" wrap="square" lIns="91425" tIns="91425" rIns="91425" bIns="91425" anchor="t" anchorCtr="0">
-            <a:normAutofit/>
-          </a:bodyPr>
-          <a:lstStyle/>
-          <a:p>
-            <a:pPr marL="0" lvl="0" indent="0" algn="l" rtl="0">
-              <a:spcBef>
-                <a:spcPts val="0"/>
-              </a:spcBef>
-              <a:spcAft>
-                <a:spcPts val="0"/>
-              </a:spcAft>
-              <a:buNone/>
-            </a:pPr>
-            <a:r>
-              <a:rPr lang="ko-KR" altLang="en-US" dirty="0">
-                <a:latin typeface="+mj-ea"/>
-                <a:ea typeface="+mj-ea"/>
-              </a:rPr>
-              <a:t>프로젝트 개요</a:t>
-            </a:r>
-            <a:endParaRPr dirty="0">
-              <a:latin typeface="+mj-ea"/>
-              <a:ea typeface="+mj-ea"/>
-            </a:endParaRPr>
-          </a:p>
-        </p:txBody>
-      </p:sp>
-      <p:sp>
-        <p:nvSpPr>
-          <p:cNvPr id="6" name="TextBox 5">
-            <a:extLst>
-              <a:ext uri="{FF2B5EF4-FFF2-40B4-BE49-F238E27FC236}">
-                <a16:creationId xmlns:a16="http://schemas.microsoft.com/office/drawing/2014/main" id="{094799FB-E864-430D-B01C-751B024E15F8}"/>
-              </a:ext>
-            </a:extLst>
-          </p:cNvPr>
-          <p:cNvSpPr txBox="1"/>
-          <p:nvPr/>
-        </p:nvSpPr>
-        <p:spPr>
-          <a:xfrm>
-            <a:off x="2943647" y="538680"/>
-            <a:ext cx="2345167" cy="307777"/>
-          </a:xfrm>
-          <a:prstGeom prst="rect">
-            <a:avLst/>
-          </a:prstGeom>
-          <a:noFill/>
-        </p:spPr>
-        <p:txBody>
-          <a:bodyPr wrap="square" rtlCol="0">
-            <a:spAutoFit/>
-          </a:bodyPr>
-          <a:lstStyle/>
-          <a:p>
-            <a:r>
-              <a:rPr lang="ko-KR" altLang="en-US" dirty="0"/>
-              <a:t>데이터 베이스</a:t>
-            </a:r>
-            <a:endParaRPr lang="en-US" dirty="0"/>
-          </a:p>
-        </p:txBody>
-      </p:sp>
-      <p:pic>
-        <p:nvPicPr>
-          <p:cNvPr id="4" name="그림 3">
-            <a:extLst>
-              <a:ext uri="{FF2B5EF4-FFF2-40B4-BE49-F238E27FC236}">
-                <a16:creationId xmlns:a16="http://schemas.microsoft.com/office/drawing/2014/main" id="{6914AD77-22AA-47E0-B0A5-9611D147F0D3}"/>
-              </a:ext>
-            </a:extLst>
-          </p:cNvPr>
-          <p:cNvPicPr>
-            <a:picLocks noChangeAspect="1"/>
-          </p:cNvPicPr>
-          <p:nvPr/>
-        </p:nvPicPr>
-        <p:blipFill>
-          <a:blip r:embed="rId3"/>
-          <a:stretch>
-            <a:fillRect/>
-          </a:stretch>
-        </p:blipFill>
-        <p:spPr>
-          <a:xfrm>
-            <a:off x="501664" y="953356"/>
-            <a:ext cx="7900058" cy="3611487"/>
-          </a:xfrm>
-          <a:prstGeom prst="rect">
-            <a:avLst/>
-          </a:prstGeom>
-        </p:spPr>
-      </p:pic>
-    </p:spTree>
-    <p:extLst>
-      <p:ext uri="{BB962C8B-B14F-4D97-AF65-F5344CB8AC3E}">
-        <p14:creationId xmlns:p14="http://schemas.microsoft.com/office/powerpoint/2010/main" val="2574892661"/>
-      </p:ext>
-    </p:extLst>
-  </p:cSld>
-  <p:clrMapOvr>
-    <a:masterClrMapping/>
-  </p:clrMapOvr>
-</p:sld>
-</file>
-
-<file path=ppt/slides/slide9.xml><?xml version="1.0" encoding="utf-8"?>
-<p:sld xmlns:a="http://schemas.openxmlformats.org/drawingml/2006/main" xmlns:r="http://schemas.openxmlformats.org/officeDocument/2006/relationships" xmlns:p="http://schemas.openxmlformats.org/presentationml/2006/main">
-  <p:cSld>
-    <p:spTree>
-      <p:nvGrpSpPr>
-        <p:cNvPr id="1" name="Shape 154"/>
-        <p:cNvGrpSpPr/>
-        <p:nvPr/>
-      </p:nvGrpSpPr>
-      <p:grpSpPr>
-        <a:xfrm>
-          <a:off x="0" y="0"/>
-          <a:ext cx="0" cy="0"/>
-          <a:chOff x="0" y="0"/>
-          <a:chExt cx="0" cy="0"/>
-        </a:xfrm>
-      </p:grpSpPr>
-      <p:sp>
-        <p:nvSpPr>
-          <p:cNvPr id="9" name="Google Shape;141;p15">
-            <a:extLst>
-              <a:ext uri="{FF2B5EF4-FFF2-40B4-BE49-F238E27FC236}">
-                <a16:creationId xmlns:a16="http://schemas.microsoft.com/office/drawing/2014/main" id="{62234D79-D6F6-473D-A43C-A5CA1D583787}"/>
-              </a:ext>
-            </a:extLst>
-          </p:cNvPr>
-          <p:cNvSpPr txBox="1">
-            <a:spLocks noGrp="1"/>
-          </p:cNvSpPr>
-          <p:nvPr>
-            <p:ph type="title"/>
-          </p:nvPr>
-        </p:nvSpPr>
-        <p:spPr>
-          <a:xfrm>
-            <a:off x="455449" y="404129"/>
-            <a:ext cx="6424200" cy="705000"/>
-          </a:xfrm>
-          <a:prstGeom prst="rect">
-            <a:avLst/>
-          </a:prstGeom>
-        </p:spPr>
-        <p:txBody>
-          <a:bodyPr spcFirstLastPara="1" wrap="square" lIns="91425" tIns="91425" rIns="91425" bIns="91425" anchor="t" anchorCtr="0">
-            <a:normAutofit/>
-          </a:bodyPr>
-          <a:lstStyle/>
-          <a:p>
-            <a:pPr marL="0" lvl="0" indent="0" algn="l" rtl="0">
-              <a:spcBef>
-                <a:spcPts val="0"/>
-              </a:spcBef>
-              <a:spcAft>
-                <a:spcPts val="0"/>
-              </a:spcAft>
-              <a:buNone/>
-            </a:pPr>
-            <a:r>
-              <a:rPr lang="ko-KR" altLang="en-US" dirty="0">
-                <a:latin typeface="+mj-ea"/>
-                <a:ea typeface="+mj-ea"/>
-              </a:rPr>
-              <a:t>서비스 개요</a:t>
-            </a:r>
-            <a:endParaRPr dirty="0">
-              <a:latin typeface="+mj-ea"/>
-              <a:ea typeface="+mj-ea"/>
-            </a:endParaRPr>
-          </a:p>
-        </p:txBody>
-      </p:sp>
-      <p:sp>
-        <p:nvSpPr>
-          <p:cNvPr id="2" name="사각형: 둥근 모서리 1">
-            <a:extLst>
-              <a:ext uri="{FF2B5EF4-FFF2-40B4-BE49-F238E27FC236}">
-                <a16:creationId xmlns:a16="http://schemas.microsoft.com/office/drawing/2014/main" id="{4C4943A0-3E85-4400-9E25-E93FE174EE9B}"/>
-              </a:ext>
-            </a:extLst>
-          </p:cNvPr>
-          <p:cNvSpPr/>
-          <p:nvPr/>
-        </p:nvSpPr>
-        <p:spPr>
-          <a:xfrm>
-            <a:off x="602428" y="1211324"/>
-            <a:ext cx="1592132" cy="283990"/>
-          </a:xfrm>
-          <a:prstGeom prst="roundRect">
-            <a:avLst/>
-          </a:prstGeom>
-        </p:spPr>
-        <p:style>
-          <a:lnRef idx="3">
-            <a:schemeClr val="lt1"/>
-          </a:lnRef>
-          <a:fillRef idx="1">
-            <a:schemeClr val="dk1"/>
-          </a:fillRef>
-          <a:effectRef idx="1">
-            <a:schemeClr val="dk1"/>
-          </a:effectRef>
-          <a:fontRef idx="minor">
-            <a:schemeClr val="lt1"/>
-          </a:fontRef>
-        </p:style>
-        <p:txBody>
-          <a:bodyPr rtlCol="0" anchor="ctr"/>
-          <a:lstStyle/>
-          <a:p>
-            <a:pPr algn="ctr"/>
-            <a:r>
-              <a:rPr lang="ko-KR" altLang="en-US" dirty="0"/>
-              <a:t>로그인 </a:t>
-            </a:r>
-            <a:endParaRPr lang="en-US" dirty="0"/>
-          </a:p>
-        </p:txBody>
-      </p:sp>
-      <p:sp>
-        <p:nvSpPr>
-          <p:cNvPr id="3" name="직사각형 2">
-            <a:extLst>
-              <a:ext uri="{FF2B5EF4-FFF2-40B4-BE49-F238E27FC236}">
-                <a16:creationId xmlns:a16="http://schemas.microsoft.com/office/drawing/2014/main" id="{B8CD58F0-FB7F-4890-BD34-091DFD65984F}"/>
-              </a:ext>
-            </a:extLst>
-          </p:cNvPr>
-          <p:cNvSpPr/>
-          <p:nvPr/>
-        </p:nvSpPr>
-        <p:spPr>
-          <a:xfrm>
-            <a:off x="2413341" y="1211324"/>
-            <a:ext cx="2158659" cy="283989"/>
-          </a:xfrm>
-          <a:prstGeom prst="rect">
-            <a:avLst/>
-          </a:prstGeom>
-        </p:spPr>
-        <p:style>
-          <a:lnRef idx="1">
-            <a:schemeClr val="dk1"/>
-          </a:lnRef>
-          <a:fillRef idx="2">
-            <a:schemeClr val="dk1"/>
-          </a:fillRef>
-          <a:effectRef idx="1">
-            <a:schemeClr val="dk1"/>
-          </a:effectRef>
-          <a:fontRef idx="minor">
-            <a:schemeClr val="dk1"/>
-          </a:fontRef>
-        </p:style>
-        <p:txBody>
-          <a:bodyPr rtlCol="0" anchor="ctr"/>
-          <a:lstStyle/>
-          <a:p>
-            <a:pPr algn="ctr"/>
-            <a:r>
-              <a:rPr lang="ko-KR" altLang="en-US" sz="1100" dirty="0">
-                <a:solidFill>
-                  <a:schemeClr val="bg2">
-                    <a:lumMod val="50000"/>
-                  </a:schemeClr>
-                </a:solidFill>
-              </a:rPr>
-              <a:t>로그인</a:t>
-            </a:r>
-            <a:r>
-              <a:rPr lang="en-US" altLang="ko-KR" sz="1100" dirty="0">
-                <a:solidFill>
-                  <a:schemeClr val="bg2">
-                    <a:lumMod val="50000"/>
-                  </a:schemeClr>
-                </a:solidFill>
-              </a:rPr>
-              <a:t>, </a:t>
-            </a:r>
-            <a:r>
-              <a:rPr lang="ko-KR" altLang="en-US" sz="1100" dirty="0">
-                <a:solidFill>
-                  <a:schemeClr val="bg2">
-                    <a:lumMod val="50000"/>
-                  </a:schemeClr>
-                </a:solidFill>
-              </a:rPr>
-              <a:t>아이디</a:t>
-            </a:r>
-            <a:r>
-              <a:rPr lang="en-US" altLang="ko-KR" sz="1100" dirty="0">
-                <a:solidFill>
-                  <a:schemeClr val="bg2">
-                    <a:lumMod val="50000"/>
-                  </a:schemeClr>
-                </a:solidFill>
-              </a:rPr>
-              <a:t>/</a:t>
-            </a:r>
-            <a:r>
-              <a:rPr lang="ko-KR" altLang="en-US" sz="1100" dirty="0">
-                <a:solidFill>
-                  <a:schemeClr val="bg2">
-                    <a:lumMod val="50000"/>
-                  </a:schemeClr>
-                </a:solidFill>
-              </a:rPr>
-              <a:t>비밀번호 찾기</a:t>
-            </a:r>
-            <a:endParaRPr lang="en-US" sz="1100" dirty="0">
-              <a:solidFill>
-                <a:schemeClr val="bg2">
-                  <a:lumMod val="50000"/>
-                </a:schemeClr>
-              </a:solidFill>
-            </a:endParaRPr>
-          </a:p>
-        </p:txBody>
-      </p:sp>
-      <p:sp>
-        <p:nvSpPr>
-          <p:cNvPr id="8" name="사각형: 둥근 모서리 7">
-            <a:extLst>
-              <a:ext uri="{FF2B5EF4-FFF2-40B4-BE49-F238E27FC236}">
-                <a16:creationId xmlns:a16="http://schemas.microsoft.com/office/drawing/2014/main" id="{C33E4575-EE79-4DC4-88D9-9CEB5F39ADAB}"/>
-              </a:ext>
-            </a:extLst>
-          </p:cNvPr>
-          <p:cNvSpPr/>
-          <p:nvPr/>
-        </p:nvSpPr>
-        <p:spPr>
-          <a:xfrm>
-            <a:off x="602427" y="1680365"/>
-            <a:ext cx="1592131" cy="283990"/>
-          </a:xfrm>
-          <a:prstGeom prst="roundRect">
-            <a:avLst/>
-          </a:prstGeom>
-        </p:spPr>
-        <p:style>
-          <a:lnRef idx="3">
-            <a:schemeClr val="lt1"/>
-          </a:lnRef>
-          <a:fillRef idx="1">
-            <a:schemeClr val="dk1"/>
-          </a:fillRef>
-          <a:effectRef idx="1">
-            <a:schemeClr val="dk1"/>
-          </a:effectRef>
-          <a:fontRef idx="minor">
-            <a:schemeClr val="lt1"/>
-          </a:fontRef>
-        </p:style>
-        <p:txBody>
-          <a:bodyPr rtlCol="0" anchor="ctr"/>
-          <a:lstStyle/>
-          <a:p>
-            <a:pPr algn="ctr"/>
-            <a:r>
-              <a:rPr lang="ko-KR" altLang="en-US"/>
-              <a:t>회원가입</a:t>
-            </a:r>
-            <a:endParaRPr lang="en-US" dirty="0"/>
-          </a:p>
-        </p:txBody>
-      </p:sp>
-      <p:sp>
-        <p:nvSpPr>
-          <p:cNvPr id="10" name="사각형: 둥근 모서리 9">
-            <a:extLst>
-              <a:ext uri="{FF2B5EF4-FFF2-40B4-BE49-F238E27FC236}">
-                <a16:creationId xmlns:a16="http://schemas.microsoft.com/office/drawing/2014/main" id="{CB4F6DAA-D79E-4CA6-A609-90E004BE5336}"/>
-              </a:ext>
-            </a:extLst>
-          </p:cNvPr>
-          <p:cNvSpPr/>
-          <p:nvPr/>
-        </p:nvSpPr>
-        <p:spPr>
-          <a:xfrm>
-            <a:off x="602427" y="2134354"/>
-            <a:ext cx="1592131" cy="283990"/>
-          </a:xfrm>
-          <a:prstGeom prst="roundRect">
-            <a:avLst/>
-          </a:prstGeom>
-        </p:spPr>
-        <p:style>
-          <a:lnRef idx="3">
-            <a:schemeClr val="lt1"/>
-          </a:lnRef>
-          <a:fillRef idx="1">
-            <a:schemeClr val="dk1"/>
-          </a:fillRef>
-          <a:effectRef idx="1">
-            <a:schemeClr val="dk1"/>
-          </a:effectRef>
-          <a:fontRef idx="minor">
-            <a:schemeClr val="lt1"/>
-          </a:fontRef>
-        </p:style>
-        <p:txBody>
-          <a:bodyPr rtlCol="0" anchor="ctr"/>
-          <a:lstStyle/>
-          <a:p>
-            <a:pPr algn="ctr"/>
-            <a:r>
-              <a:rPr lang="ko-KR" altLang="en-US" dirty="0"/>
-              <a:t>추천 여행지</a:t>
-            </a:r>
-            <a:endParaRPr lang="en-US" dirty="0"/>
-          </a:p>
-        </p:txBody>
-      </p:sp>
-      <p:sp>
-        <p:nvSpPr>
-          <p:cNvPr id="11" name="직사각형 10">
-            <a:extLst>
-              <a:ext uri="{FF2B5EF4-FFF2-40B4-BE49-F238E27FC236}">
-                <a16:creationId xmlns:a16="http://schemas.microsoft.com/office/drawing/2014/main" id="{7FEE10A3-2C8D-41F1-9EE0-A0A04C5A49D9}"/>
-              </a:ext>
-            </a:extLst>
-          </p:cNvPr>
-          <p:cNvSpPr/>
-          <p:nvPr/>
-        </p:nvSpPr>
-        <p:spPr>
-          <a:xfrm>
-            <a:off x="2413341" y="2134354"/>
-            <a:ext cx="3804580" cy="368989"/>
-          </a:xfrm>
-          <a:prstGeom prst="rect">
-            <a:avLst/>
-          </a:prstGeom>
-        </p:spPr>
-        <p:style>
-          <a:lnRef idx="1">
-            <a:schemeClr val="dk1"/>
-          </a:lnRef>
-          <a:fillRef idx="2">
-            <a:schemeClr val="dk1"/>
-          </a:fillRef>
-          <a:effectRef idx="1">
-            <a:schemeClr val="dk1"/>
-          </a:effectRef>
-          <a:fontRef idx="minor">
-            <a:schemeClr val="dk1"/>
-          </a:fontRef>
-        </p:style>
-        <p:txBody>
-          <a:bodyPr rtlCol="0" anchor="ctr"/>
-          <a:lstStyle/>
-          <a:p>
-            <a:pPr algn="ctr"/>
-            <a:r>
-              <a:rPr lang="ko-KR" altLang="en-US" sz="1100" dirty="0">
-                <a:solidFill>
-                  <a:schemeClr val="bg2">
-                    <a:lumMod val="50000"/>
-                  </a:schemeClr>
-                </a:solidFill>
-              </a:rPr>
-              <a:t>여행지 검색</a:t>
-            </a:r>
-            <a:r>
-              <a:rPr lang="en-US" altLang="ko-KR" sz="1100" dirty="0">
-                <a:solidFill>
-                  <a:schemeClr val="bg2">
-                    <a:lumMod val="50000"/>
-                  </a:schemeClr>
-                </a:solidFill>
-              </a:rPr>
-              <a:t>, </a:t>
-            </a:r>
-            <a:r>
-              <a:rPr lang="ko-KR" altLang="en-US" sz="1100" dirty="0">
-                <a:solidFill>
-                  <a:schemeClr val="bg2">
-                    <a:lumMod val="50000"/>
-                  </a:schemeClr>
-                </a:solidFill>
-              </a:rPr>
-              <a:t>여행지 상세</a:t>
-            </a:r>
-            <a:r>
-              <a:rPr lang="en-US" altLang="ko-KR" sz="1100" dirty="0">
-                <a:solidFill>
-                  <a:schemeClr val="bg2">
-                    <a:lumMod val="50000"/>
-                  </a:schemeClr>
-                </a:solidFill>
-              </a:rPr>
-              <a:t>, </a:t>
-            </a:r>
-            <a:r>
-              <a:rPr lang="ko-KR" altLang="en-US" sz="1100" dirty="0">
-                <a:solidFill>
-                  <a:schemeClr val="bg2">
-                    <a:lumMod val="50000"/>
-                  </a:schemeClr>
-                </a:solidFill>
-              </a:rPr>
-              <a:t>길 찾기</a:t>
-            </a:r>
-            <a:endParaRPr lang="en-US" sz="1100" dirty="0">
-              <a:solidFill>
-                <a:schemeClr val="bg2">
-                  <a:lumMod val="50000"/>
-                </a:schemeClr>
-              </a:solidFill>
-            </a:endParaRPr>
-          </a:p>
-        </p:txBody>
-      </p:sp>
-      <p:sp>
-        <p:nvSpPr>
-          <p:cNvPr id="12" name="사각형: 둥근 모서리 11">
-            <a:extLst>
-              <a:ext uri="{FF2B5EF4-FFF2-40B4-BE49-F238E27FC236}">
-                <a16:creationId xmlns:a16="http://schemas.microsoft.com/office/drawing/2014/main" id="{DA280155-C7AE-4898-8C2A-CFBE824F4CA0}"/>
-              </a:ext>
-            </a:extLst>
-          </p:cNvPr>
-          <p:cNvSpPr/>
-          <p:nvPr/>
-        </p:nvSpPr>
-        <p:spPr>
-          <a:xfrm>
-            <a:off x="602427" y="2588343"/>
-            <a:ext cx="1592131" cy="552890"/>
-          </a:xfrm>
-          <a:prstGeom prst="roundRect">
-            <a:avLst/>
-          </a:prstGeom>
-        </p:spPr>
-        <p:style>
-          <a:lnRef idx="3">
-            <a:schemeClr val="lt1"/>
-          </a:lnRef>
-          <a:fillRef idx="1">
-            <a:schemeClr val="dk1"/>
-          </a:fillRef>
-          <a:effectRef idx="1">
-            <a:schemeClr val="dk1"/>
-          </a:effectRef>
-          <a:fontRef idx="minor">
-            <a:schemeClr val="lt1"/>
-          </a:fontRef>
-        </p:style>
-        <p:txBody>
-          <a:bodyPr rtlCol="0" anchor="ctr"/>
-          <a:lstStyle/>
-          <a:p>
-            <a:pPr algn="ctr"/>
-            <a:r>
-              <a:rPr lang="ko-KR" altLang="en-US"/>
-              <a:t>나만의 여행지도 만들기</a:t>
-            </a:r>
-            <a:endParaRPr lang="en-US" dirty="0"/>
-          </a:p>
-        </p:txBody>
-      </p:sp>
-      <p:sp>
-        <p:nvSpPr>
-          <p:cNvPr id="13" name="직사각형 12">
-            <a:extLst>
-              <a:ext uri="{FF2B5EF4-FFF2-40B4-BE49-F238E27FC236}">
-                <a16:creationId xmlns:a16="http://schemas.microsoft.com/office/drawing/2014/main" id="{025822CF-5F31-4571-B1FF-25D89DAC597E}"/>
-              </a:ext>
-            </a:extLst>
-          </p:cNvPr>
-          <p:cNvSpPr/>
-          <p:nvPr/>
-        </p:nvSpPr>
-        <p:spPr>
-          <a:xfrm>
-            <a:off x="2413341" y="2680293"/>
-            <a:ext cx="3804580" cy="368989"/>
-          </a:xfrm>
-          <a:prstGeom prst="rect">
-            <a:avLst/>
-          </a:prstGeom>
-        </p:spPr>
-        <p:style>
-          <a:lnRef idx="1">
-            <a:schemeClr val="dk1"/>
-          </a:lnRef>
-          <a:fillRef idx="2">
-            <a:schemeClr val="dk1"/>
-          </a:fillRef>
-          <a:effectRef idx="1">
-            <a:schemeClr val="dk1"/>
-          </a:effectRef>
-          <a:fontRef idx="minor">
-            <a:schemeClr val="dk1"/>
-          </a:fontRef>
-        </p:style>
-        <p:txBody>
-          <a:bodyPr rtlCol="0" anchor="ctr"/>
-          <a:lstStyle/>
-          <a:p>
-            <a:pPr algn="ctr"/>
-            <a:r>
-              <a:rPr lang="ko-KR" altLang="en-US" sz="1100" dirty="0">
-                <a:solidFill>
-                  <a:schemeClr val="bg2">
-                    <a:lumMod val="50000"/>
-                  </a:schemeClr>
-                </a:solidFill>
-              </a:rPr>
-              <a:t>나만의 여행지도 작성</a:t>
-            </a:r>
-            <a:endParaRPr lang="en-US" sz="1100" dirty="0">
-              <a:solidFill>
-                <a:schemeClr val="bg2">
-                  <a:lumMod val="50000"/>
-                </a:schemeClr>
-              </a:solidFill>
-            </a:endParaRPr>
-          </a:p>
-        </p:txBody>
-      </p:sp>
-      <p:sp>
-        <p:nvSpPr>
-          <p:cNvPr id="14" name="사각형: 둥근 모서리 13">
-            <a:extLst>
-              <a:ext uri="{FF2B5EF4-FFF2-40B4-BE49-F238E27FC236}">
-                <a16:creationId xmlns:a16="http://schemas.microsoft.com/office/drawing/2014/main" id="{9FB83B90-D9A3-45EC-B185-E2C7B4115D76}"/>
-              </a:ext>
-            </a:extLst>
-          </p:cNvPr>
-          <p:cNvSpPr/>
-          <p:nvPr/>
-        </p:nvSpPr>
-        <p:spPr>
-          <a:xfrm>
-            <a:off x="602426" y="3343506"/>
-            <a:ext cx="1592131" cy="295833"/>
-          </a:xfrm>
-          <a:prstGeom prst="roundRect">
-            <a:avLst/>
-          </a:prstGeom>
-        </p:spPr>
-        <p:style>
-          <a:lnRef idx="3">
-            <a:schemeClr val="lt1"/>
-          </a:lnRef>
-          <a:fillRef idx="1">
-            <a:schemeClr val="dk1"/>
-          </a:fillRef>
-          <a:effectRef idx="1">
-            <a:schemeClr val="dk1"/>
-          </a:effectRef>
-          <a:fontRef idx="minor">
-            <a:schemeClr val="lt1"/>
-          </a:fontRef>
-        </p:style>
-        <p:txBody>
-          <a:bodyPr rtlCol="0" anchor="ctr"/>
-          <a:lstStyle/>
-          <a:p>
-            <a:pPr algn="ctr"/>
-            <a:r>
-              <a:rPr lang="ko-KR" altLang="en-US" dirty="0" err="1"/>
-              <a:t>쪽지함</a:t>
-            </a:r>
-            <a:endParaRPr lang="en-US" dirty="0"/>
-          </a:p>
-        </p:txBody>
-      </p:sp>
-      <p:sp>
-        <p:nvSpPr>
-          <p:cNvPr id="15" name="직사각형 14">
-            <a:extLst>
-              <a:ext uri="{FF2B5EF4-FFF2-40B4-BE49-F238E27FC236}">
-                <a16:creationId xmlns:a16="http://schemas.microsoft.com/office/drawing/2014/main" id="{98450052-AA05-47E5-8F0F-08CA4F0374A7}"/>
-              </a:ext>
-            </a:extLst>
-          </p:cNvPr>
-          <p:cNvSpPr/>
-          <p:nvPr/>
-        </p:nvSpPr>
-        <p:spPr>
-          <a:xfrm>
-            <a:off x="2413341" y="3306927"/>
-            <a:ext cx="3804580" cy="368989"/>
-          </a:xfrm>
-          <a:prstGeom prst="rect">
-            <a:avLst/>
-          </a:prstGeom>
-        </p:spPr>
-        <p:style>
-          <a:lnRef idx="1">
-            <a:schemeClr val="dk1"/>
-          </a:lnRef>
-          <a:fillRef idx="2">
-            <a:schemeClr val="dk1"/>
-          </a:fillRef>
-          <a:effectRef idx="1">
-            <a:schemeClr val="dk1"/>
-          </a:effectRef>
-          <a:fontRef idx="minor">
-            <a:schemeClr val="dk1"/>
-          </a:fontRef>
-        </p:style>
-        <p:txBody>
-          <a:bodyPr rtlCol="0" anchor="ctr"/>
-          <a:lstStyle/>
-          <a:p>
-            <a:pPr algn="ctr"/>
-            <a:r>
-              <a:rPr lang="ko-KR" altLang="en-US" sz="1100" dirty="0">
-                <a:solidFill>
-                  <a:schemeClr val="bg2">
-                    <a:lumMod val="50000"/>
-                  </a:schemeClr>
-                </a:solidFill>
-              </a:rPr>
-              <a:t>쪽지 작성</a:t>
-            </a:r>
-            <a:r>
-              <a:rPr lang="en-US" altLang="ko-KR" sz="1100" dirty="0">
-                <a:solidFill>
-                  <a:schemeClr val="bg2">
-                    <a:lumMod val="50000"/>
-                  </a:schemeClr>
-                </a:solidFill>
-              </a:rPr>
-              <a:t>, </a:t>
-            </a:r>
-            <a:r>
-              <a:rPr lang="ko-KR" altLang="en-US" sz="1100" dirty="0" err="1">
-                <a:solidFill>
-                  <a:schemeClr val="bg2">
-                    <a:lumMod val="50000"/>
-                  </a:schemeClr>
-                </a:solidFill>
-              </a:rPr>
-              <a:t>쪽시</a:t>
-            </a:r>
-            <a:r>
-              <a:rPr lang="ko-KR" altLang="en-US" sz="1100" dirty="0">
-                <a:solidFill>
-                  <a:schemeClr val="bg2">
-                    <a:lumMod val="50000"/>
-                  </a:schemeClr>
-                </a:solidFill>
-              </a:rPr>
-              <a:t> 삭제</a:t>
-            </a:r>
-            <a:r>
-              <a:rPr lang="en-US" altLang="ko-KR" sz="1100" dirty="0">
-                <a:solidFill>
-                  <a:schemeClr val="bg2">
-                    <a:lumMod val="50000"/>
-                  </a:schemeClr>
-                </a:solidFill>
-              </a:rPr>
-              <a:t>, </a:t>
-            </a:r>
-            <a:r>
-              <a:rPr lang="ko-KR" altLang="en-US" sz="1100" dirty="0">
-                <a:solidFill>
-                  <a:schemeClr val="bg2">
-                    <a:lumMod val="50000"/>
-                  </a:schemeClr>
-                </a:solidFill>
-              </a:rPr>
-              <a:t>쪽지 읽기</a:t>
-            </a:r>
-            <a:endParaRPr lang="en-US" sz="1100" dirty="0">
-              <a:solidFill>
-                <a:schemeClr val="bg2">
-                  <a:lumMod val="50000"/>
-                </a:schemeClr>
-              </a:solidFill>
-            </a:endParaRPr>
-          </a:p>
-        </p:txBody>
-      </p:sp>
-      <p:sp>
-        <p:nvSpPr>
-          <p:cNvPr id="16" name="사각형: 둥근 모서리 15">
-            <a:extLst>
-              <a:ext uri="{FF2B5EF4-FFF2-40B4-BE49-F238E27FC236}">
-                <a16:creationId xmlns:a16="http://schemas.microsoft.com/office/drawing/2014/main" id="{1349EB27-4707-4826-A51F-AF0B141523B5}"/>
-              </a:ext>
-            </a:extLst>
-          </p:cNvPr>
-          <p:cNvSpPr/>
-          <p:nvPr/>
-        </p:nvSpPr>
-        <p:spPr>
-          <a:xfrm>
-            <a:off x="602426" y="3852374"/>
-            <a:ext cx="1592131" cy="295833"/>
-          </a:xfrm>
-          <a:prstGeom prst="roundRect">
-            <a:avLst/>
-          </a:prstGeom>
-        </p:spPr>
-        <p:style>
-          <a:lnRef idx="3">
-            <a:schemeClr val="lt1"/>
-          </a:lnRef>
-          <a:fillRef idx="1">
-            <a:schemeClr val="dk1"/>
-          </a:fillRef>
-          <a:effectRef idx="1">
-            <a:schemeClr val="dk1"/>
-          </a:effectRef>
-          <a:fontRef idx="minor">
-            <a:schemeClr val="lt1"/>
-          </a:fontRef>
-        </p:style>
-        <p:txBody>
-          <a:bodyPr rtlCol="0" anchor="ctr"/>
-          <a:lstStyle/>
-          <a:p>
-            <a:pPr algn="ctr"/>
-            <a:r>
-              <a:rPr lang="ko-KR" altLang="en-US" dirty="0"/>
-              <a:t>마이페이지</a:t>
-            </a:r>
-            <a:endParaRPr lang="en-US" dirty="0"/>
-          </a:p>
-        </p:txBody>
-      </p:sp>
-      <p:sp>
-        <p:nvSpPr>
-          <p:cNvPr id="17" name="직사각형 16">
-            <a:extLst>
-              <a:ext uri="{FF2B5EF4-FFF2-40B4-BE49-F238E27FC236}">
-                <a16:creationId xmlns:a16="http://schemas.microsoft.com/office/drawing/2014/main" id="{B21D3417-9358-4C5E-A1BA-AB9EB8596D0B}"/>
-              </a:ext>
-            </a:extLst>
-          </p:cNvPr>
-          <p:cNvSpPr/>
-          <p:nvPr/>
-        </p:nvSpPr>
-        <p:spPr>
-          <a:xfrm>
-            <a:off x="2413341" y="3798646"/>
-            <a:ext cx="3804580" cy="368989"/>
-          </a:xfrm>
-          <a:prstGeom prst="rect">
-            <a:avLst/>
-          </a:prstGeom>
-        </p:spPr>
-        <p:style>
-          <a:lnRef idx="1">
-            <a:schemeClr val="dk1"/>
-          </a:lnRef>
-          <a:fillRef idx="2">
-            <a:schemeClr val="dk1"/>
-          </a:fillRef>
-          <a:effectRef idx="1">
-            <a:schemeClr val="dk1"/>
-          </a:effectRef>
-          <a:fontRef idx="minor">
-            <a:schemeClr val="dk1"/>
-          </a:fontRef>
-        </p:style>
-        <p:txBody>
-          <a:bodyPr rtlCol="0" anchor="ctr"/>
-          <a:lstStyle/>
-          <a:p>
-            <a:pPr algn="ctr"/>
-            <a:r>
-              <a:rPr lang="ko-KR" altLang="en-US" sz="1100" dirty="0">
-                <a:solidFill>
-                  <a:schemeClr val="bg2">
-                    <a:lumMod val="50000"/>
-                  </a:schemeClr>
-                </a:solidFill>
-              </a:rPr>
-              <a:t>나만의 여행지도 상세보기</a:t>
-            </a:r>
-            <a:endParaRPr lang="en-US" sz="1100" dirty="0">
-              <a:solidFill>
-                <a:schemeClr val="bg2">
-                  <a:lumMod val="50000"/>
-                </a:schemeClr>
-              </a:solidFill>
-            </a:endParaRPr>
-          </a:p>
-        </p:txBody>
-      </p:sp>
-      <p:sp>
-        <p:nvSpPr>
-          <p:cNvPr id="18" name="직사각형 17">
-            <a:extLst>
-              <a:ext uri="{FF2B5EF4-FFF2-40B4-BE49-F238E27FC236}">
-                <a16:creationId xmlns:a16="http://schemas.microsoft.com/office/drawing/2014/main" id="{5D06DD73-CF42-4720-B3A9-792B0D378D14}"/>
-              </a:ext>
-            </a:extLst>
-          </p:cNvPr>
-          <p:cNvSpPr/>
-          <p:nvPr/>
-        </p:nvSpPr>
-        <p:spPr>
-          <a:xfrm>
-            <a:off x="2413340" y="1706741"/>
-            <a:ext cx="2158659" cy="283989"/>
-          </a:xfrm>
-          <a:prstGeom prst="rect">
-            <a:avLst/>
-          </a:prstGeom>
-        </p:spPr>
-        <p:style>
-          <a:lnRef idx="1">
-            <a:schemeClr val="dk1"/>
-          </a:lnRef>
-          <a:fillRef idx="2">
-            <a:schemeClr val="dk1"/>
-          </a:fillRef>
-          <a:effectRef idx="1">
-            <a:schemeClr val="dk1"/>
-          </a:effectRef>
-          <a:fontRef idx="minor">
-            <a:schemeClr val="dk1"/>
-          </a:fontRef>
-        </p:style>
-        <p:txBody>
-          <a:bodyPr rtlCol="0" anchor="ctr"/>
-          <a:lstStyle/>
-          <a:p>
-            <a:pPr algn="ctr"/>
-            <a:r>
-              <a:rPr lang="ko-KR" altLang="en-US" sz="1100" dirty="0">
-                <a:solidFill>
-                  <a:schemeClr val="bg2">
-                    <a:lumMod val="50000"/>
-                  </a:schemeClr>
-                </a:solidFill>
-              </a:rPr>
-              <a:t>회원가입</a:t>
-            </a:r>
-            <a:endParaRPr lang="en-US" sz="1100" dirty="0">
-              <a:solidFill>
-                <a:schemeClr val="bg2">
-                  <a:lumMod val="50000"/>
-                </a:schemeClr>
-              </a:solidFill>
-            </a:endParaRPr>
-          </a:p>
-        </p:txBody>
-      </p:sp>
-      <p:sp>
-        <p:nvSpPr>
-          <p:cNvPr id="19" name="사각형: 둥근 모서리 18">
-            <a:extLst>
-              <a:ext uri="{FF2B5EF4-FFF2-40B4-BE49-F238E27FC236}">
-                <a16:creationId xmlns:a16="http://schemas.microsoft.com/office/drawing/2014/main" id="{21FF8A01-1683-42CF-B85A-F73C2E5C1329}"/>
-              </a:ext>
-            </a:extLst>
-          </p:cNvPr>
-          <p:cNvSpPr/>
-          <p:nvPr/>
-        </p:nvSpPr>
-        <p:spPr>
-          <a:xfrm>
-            <a:off x="602425" y="4302331"/>
-            <a:ext cx="1592131" cy="295833"/>
-          </a:xfrm>
-          <a:prstGeom prst="roundRect">
-            <a:avLst/>
-          </a:prstGeom>
-        </p:spPr>
-        <p:style>
-          <a:lnRef idx="3">
-            <a:schemeClr val="lt1"/>
-          </a:lnRef>
-          <a:fillRef idx="1">
-            <a:schemeClr val="dk1"/>
-          </a:fillRef>
-          <a:effectRef idx="1">
-            <a:schemeClr val="dk1"/>
-          </a:effectRef>
-          <a:fontRef idx="minor">
-            <a:schemeClr val="lt1"/>
-          </a:fontRef>
-        </p:style>
-        <p:txBody>
-          <a:bodyPr rtlCol="0" anchor="ctr"/>
-          <a:lstStyle/>
-          <a:p>
-            <a:pPr algn="ctr"/>
-            <a:r>
-              <a:rPr lang="ko-KR" altLang="en-US" dirty="0"/>
-              <a:t>여행 후기 공유</a:t>
-            </a:r>
-            <a:endParaRPr lang="en-US" dirty="0"/>
-          </a:p>
-        </p:txBody>
-      </p:sp>
-      <p:sp>
-        <p:nvSpPr>
-          <p:cNvPr id="20" name="직사각형 19">
-            <a:extLst>
-              <a:ext uri="{FF2B5EF4-FFF2-40B4-BE49-F238E27FC236}">
-                <a16:creationId xmlns:a16="http://schemas.microsoft.com/office/drawing/2014/main" id="{F6951ED9-5F65-4522-B660-7D8F16BE9044}"/>
-              </a:ext>
-            </a:extLst>
-          </p:cNvPr>
-          <p:cNvSpPr/>
-          <p:nvPr/>
-        </p:nvSpPr>
-        <p:spPr>
-          <a:xfrm>
-            <a:off x="2413340" y="4290365"/>
-            <a:ext cx="3804580" cy="368989"/>
-          </a:xfrm>
-          <a:prstGeom prst="rect">
-            <a:avLst/>
-          </a:prstGeom>
-        </p:spPr>
-        <p:style>
-          <a:lnRef idx="1">
-            <a:schemeClr val="dk1"/>
-          </a:lnRef>
-          <a:fillRef idx="2">
-            <a:schemeClr val="dk1"/>
-          </a:fillRef>
-          <a:effectRef idx="1">
-            <a:schemeClr val="dk1"/>
-          </a:effectRef>
-          <a:fontRef idx="minor">
-            <a:schemeClr val="dk1"/>
-          </a:fontRef>
-        </p:style>
-        <p:txBody>
-          <a:bodyPr rtlCol="0" anchor="ctr"/>
-          <a:lstStyle/>
-          <a:p>
-            <a:pPr algn="ctr"/>
-            <a:r>
-              <a:rPr lang="ko-KR" altLang="en-US" sz="1100" dirty="0">
-                <a:solidFill>
-                  <a:schemeClr val="bg2">
-                    <a:lumMod val="50000"/>
-                  </a:schemeClr>
-                </a:solidFill>
-              </a:rPr>
-              <a:t>게시글</a:t>
-            </a:r>
-            <a:r>
-              <a:rPr lang="en-US" altLang="ko-KR" sz="1100" dirty="0">
-                <a:solidFill>
-                  <a:schemeClr val="bg2">
-                    <a:lumMod val="50000"/>
-                  </a:schemeClr>
-                </a:solidFill>
-              </a:rPr>
-              <a:t>/</a:t>
-            </a:r>
-            <a:r>
-              <a:rPr lang="ko-KR" altLang="en-US" sz="1100" dirty="0">
-                <a:solidFill>
-                  <a:schemeClr val="bg2">
-                    <a:lumMod val="50000"/>
-                  </a:schemeClr>
-                </a:solidFill>
-              </a:rPr>
-              <a:t>댓글 등록</a:t>
-            </a:r>
-            <a:r>
-              <a:rPr lang="en-US" altLang="ko-KR" sz="1100" dirty="0">
-                <a:solidFill>
-                  <a:schemeClr val="bg2">
-                    <a:lumMod val="50000"/>
-                  </a:schemeClr>
-                </a:solidFill>
-              </a:rPr>
-              <a:t>, </a:t>
-            </a:r>
-            <a:r>
-              <a:rPr lang="ko-KR" altLang="en-US" sz="1100" dirty="0">
-                <a:solidFill>
-                  <a:schemeClr val="bg2">
-                    <a:lumMod val="50000"/>
-                  </a:schemeClr>
-                </a:solidFill>
-              </a:rPr>
-              <a:t>수정</a:t>
-            </a:r>
-            <a:r>
-              <a:rPr lang="en-US" altLang="ko-KR" sz="1100" dirty="0">
-                <a:solidFill>
-                  <a:schemeClr val="bg2">
-                    <a:lumMod val="50000"/>
-                  </a:schemeClr>
-                </a:solidFill>
-              </a:rPr>
-              <a:t>, </a:t>
-            </a:r>
-            <a:r>
-              <a:rPr lang="ko-KR" altLang="en-US" sz="1100" dirty="0">
-                <a:solidFill>
-                  <a:schemeClr val="bg2">
-                    <a:lumMod val="50000"/>
-                  </a:schemeClr>
-                </a:solidFill>
-              </a:rPr>
-              <a:t>삭제</a:t>
-            </a:r>
-            <a:r>
-              <a:rPr lang="en-US" altLang="ko-KR" sz="1100" dirty="0">
-                <a:solidFill>
-                  <a:schemeClr val="bg2">
-                    <a:lumMod val="50000"/>
-                  </a:schemeClr>
-                </a:solidFill>
-              </a:rPr>
-              <a:t> </a:t>
-            </a:r>
-            <a:endParaRPr lang="en-US" sz="1100" dirty="0">
-              <a:solidFill>
-                <a:schemeClr val="bg2">
-                  <a:lumMod val="50000"/>
-                </a:schemeClr>
-              </a:solidFill>
-            </a:endParaRPr>
-          </a:p>
-        </p:txBody>
-      </p:sp>
-    </p:spTree>
-    <p:extLst>
-      <p:ext uri="{BB962C8B-B14F-4D97-AF65-F5344CB8AC3E}">
-        <p14:creationId xmlns:p14="http://schemas.microsoft.com/office/powerpoint/2010/main" val="3630300557"/>
-      </p:ext>
-    </p:extLst>
-  </p:cSld>
-  <p:clrMapOvr>
-    <a:masterClrMapping/>
-  </p:clrMapOvr>
-</p:sld>
-</file>
-
 <file path=ppt/theme/theme1.xml><?xml version="1.0" encoding="utf-8"?>
 <a:theme xmlns:a="http://schemas.openxmlformats.org/drawingml/2006/main" name="Shift">
   <a:themeElements>
